--- a/doc/architecture.pptx
+++ b/doc/architecture.pptx
@@ -105,6 +105,11 @@
       </a:defRPr>
     </a:lvl9pPr>
   </p:defaultTextStyle>
+  <p:extLst>
+    <p:ext uri="{EFAFB233-063F-42B5-8137-9DF3F51BA10A}">
+      <p15:sldGuideLst xmlns:p15="http://schemas.microsoft.com/office/powerpoint/2012/main"/>
+    </p:ext>
+  </p:extLst>
 </p:presentation>
 </file>
 
@@ -150,10 +155,9 @@
           </a:lstStyle>
           <a:p>
             <a:r>
-              <a:rPr lang="zh-CN" altLang="en-US" smtClean="0"/>
+              <a:rPr lang="zh-CN" altLang="en-US"/>
               <a:t>单击此处编辑母版标题样式</a:t>
             </a:r>
-            <a:endParaRPr lang="zh-CN" altLang="en-US"/>
           </a:p>
         </p:txBody>
       </p:sp>
@@ -215,10 +219,9 @@
           </a:lstStyle>
           <a:p>
             <a:r>
-              <a:rPr lang="zh-CN" altLang="en-US" smtClean="0"/>
+              <a:rPr lang="zh-CN" altLang="en-US"/>
               <a:t>单击此处编辑母版副标题样式</a:t>
             </a:r>
-            <a:endParaRPr lang="zh-CN" altLang="en-US"/>
           </a:p>
         </p:txBody>
       </p:sp>
@@ -239,7 +242,7 @@
           <a:p>
             <a:fld id="{051CACA7-F75C-4DDA-9C7F-09BEA03FA6D5}" type="datetimeFigureOut">
               <a:rPr lang="zh-CN" altLang="en-US" smtClean="0"/>
-              <a:t>2019/7/1</a:t>
+              <a:t>2021/5/16</a:t>
             </a:fld>
             <a:endParaRPr lang="zh-CN" altLang="en-US"/>
           </a:p>
@@ -333,10 +336,9 @@
           <a:lstStyle/>
           <a:p>
             <a:r>
-              <a:rPr lang="zh-CN" altLang="en-US" smtClean="0"/>
+              <a:rPr lang="zh-CN" altLang="en-US"/>
               <a:t>单击此处编辑母版标题样式</a:t>
             </a:r>
-            <a:endParaRPr lang="zh-CN" altLang="en-US"/>
           </a:p>
         </p:txBody>
       </p:sp>
@@ -357,38 +359,37 @@
           <a:p>
             <a:pPr lvl="0"/>
             <a:r>
-              <a:rPr lang="zh-CN" altLang="en-US" smtClean="0"/>
+              <a:rPr lang="zh-CN" altLang="en-US"/>
               <a:t>单击此处编辑母版文本样式</a:t>
             </a:r>
           </a:p>
           <a:p>
             <a:pPr lvl="1"/>
             <a:r>
-              <a:rPr lang="zh-CN" altLang="en-US" smtClean="0"/>
+              <a:rPr lang="zh-CN" altLang="en-US"/>
               <a:t>第二级</a:t>
             </a:r>
           </a:p>
           <a:p>
             <a:pPr lvl="2"/>
             <a:r>
-              <a:rPr lang="zh-CN" altLang="en-US" smtClean="0"/>
+              <a:rPr lang="zh-CN" altLang="en-US"/>
               <a:t>第三级</a:t>
             </a:r>
           </a:p>
           <a:p>
             <a:pPr lvl="3"/>
             <a:r>
-              <a:rPr lang="zh-CN" altLang="en-US" smtClean="0"/>
+              <a:rPr lang="zh-CN" altLang="en-US"/>
               <a:t>第四级</a:t>
             </a:r>
           </a:p>
           <a:p>
             <a:pPr lvl="4"/>
             <a:r>
-              <a:rPr lang="zh-CN" altLang="en-US" smtClean="0"/>
+              <a:rPr lang="zh-CN" altLang="en-US"/>
               <a:t>第五级</a:t>
             </a:r>
-            <a:endParaRPr lang="zh-CN" altLang="en-US"/>
           </a:p>
         </p:txBody>
       </p:sp>
@@ -409,7 +410,7 @@
           <a:p>
             <a:fld id="{051CACA7-F75C-4DDA-9C7F-09BEA03FA6D5}" type="datetimeFigureOut">
               <a:rPr lang="zh-CN" altLang="en-US" smtClean="0"/>
-              <a:t>2019/7/1</a:t>
+              <a:t>2021/5/16</a:t>
             </a:fld>
             <a:endParaRPr lang="zh-CN" altLang="en-US"/>
           </a:p>
@@ -508,10 +509,9 @@
           <a:lstStyle/>
           <a:p>
             <a:r>
-              <a:rPr lang="zh-CN" altLang="en-US" smtClean="0"/>
+              <a:rPr lang="zh-CN" altLang="en-US"/>
               <a:t>单击此处编辑母版标题样式</a:t>
             </a:r>
-            <a:endParaRPr lang="zh-CN" altLang="en-US"/>
           </a:p>
         </p:txBody>
       </p:sp>
@@ -537,38 +537,37 @@
           <a:p>
             <a:pPr lvl="0"/>
             <a:r>
-              <a:rPr lang="zh-CN" altLang="en-US" smtClean="0"/>
+              <a:rPr lang="zh-CN" altLang="en-US"/>
               <a:t>单击此处编辑母版文本样式</a:t>
             </a:r>
           </a:p>
           <a:p>
             <a:pPr lvl="1"/>
             <a:r>
-              <a:rPr lang="zh-CN" altLang="en-US" smtClean="0"/>
+              <a:rPr lang="zh-CN" altLang="en-US"/>
               <a:t>第二级</a:t>
             </a:r>
           </a:p>
           <a:p>
             <a:pPr lvl="2"/>
             <a:r>
-              <a:rPr lang="zh-CN" altLang="en-US" smtClean="0"/>
+              <a:rPr lang="zh-CN" altLang="en-US"/>
               <a:t>第三级</a:t>
             </a:r>
           </a:p>
           <a:p>
             <a:pPr lvl="3"/>
             <a:r>
-              <a:rPr lang="zh-CN" altLang="en-US" smtClean="0"/>
+              <a:rPr lang="zh-CN" altLang="en-US"/>
               <a:t>第四级</a:t>
             </a:r>
           </a:p>
           <a:p>
             <a:pPr lvl="4"/>
             <a:r>
-              <a:rPr lang="zh-CN" altLang="en-US" smtClean="0"/>
+              <a:rPr lang="zh-CN" altLang="en-US"/>
               <a:t>第五级</a:t>
             </a:r>
-            <a:endParaRPr lang="zh-CN" altLang="en-US"/>
           </a:p>
         </p:txBody>
       </p:sp>
@@ -589,7 +588,7 @@
           <a:p>
             <a:fld id="{051CACA7-F75C-4DDA-9C7F-09BEA03FA6D5}" type="datetimeFigureOut">
               <a:rPr lang="zh-CN" altLang="en-US" smtClean="0"/>
-              <a:t>2019/7/1</a:t>
+              <a:t>2021/5/16</a:t>
             </a:fld>
             <a:endParaRPr lang="zh-CN" altLang="en-US"/>
           </a:p>
@@ -683,10 +682,9 @@
           <a:lstStyle/>
           <a:p>
             <a:r>
-              <a:rPr lang="zh-CN" altLang="en-US" smtClean="0"/>
+              <a:rPr lang="zh-CN" altLang="en-US"/>
               <a:t>单击此处编辑母版标题样式</a:t>
             </a:r>
-            <a:endParaRPr lang="zh-CN" altLang="en-US"/>
           </a:p>
         </p:txBody>
       </p:sp>
@@ -707,38 +705,37 @@
           <a:p>
             <a:pPr lvl="0"/>
             <a:r>
-              <a:rPr lang="zh-CN" altLang="en-US" smtClean="0"/>
+              <a:rPr lang="zh-CN" altLang="en-US"/>
               <a:t>单击此处编辑母版文本样式</a:t>
             </a:r>
           </a:p>
           <a:p>
             <a:pPr lvl="1"/>
             <a:r>
-              <a:rPr lang="zh-CN" altLang="en-US" smtClean="0"/>
+              <a:rPr lang="zh-CN" altLang="en-US"/>
               <a:t>第二级</a:t>
             </a:r>
           </a:p>
           <a:p>
             <a:pPr lvl="2"/>
             <a:r>
-              <a:rPr lang="zh-CN" altLang="en-US" smtClean="0"/>
+              <a:rPr lang="zh-CN" altLang="en-US"/>
               <a:t>第三级</a:t>
             </a:r>
           </a:p>
           <a:p>
             <a:pPr lvl="3"/>
             <a:r>
-              <a:rPr lang="zh-CN" altLang="en-US" smtClean="0"/>
+              <a:rPr lang="zh-CN" altLang="en-US"/>
               <a:t>第四级</a:t>
             </a:r>
           </a:p>
           <a:p>
             <a:pPr lvl="4"/>
             <a:r>
-              <a:rPr lang="zh-CN" altLang="en-US" smtClean="0"/>
+              <a:rPr lang="zh-CN" altLang="en-US"/>
               <a:t>第五级</a:t>
             </a:r>
-            <a:endParaRPr lang="zh-CN" altLang="en-US"/>
           </a:p>
         </p:txBody>
       </p:sp>
@@ -759,7 +756,7 @@
           <a:p>
             <a:fld id="{051CACA7-F75C-4DDA-9C7F-09BEA03FA6D5}" type="datetimeFigureOut">
               <a:rPr lang="zh-CN" altLang="en-US" smtClean="0"/>
-              <a:t>2019/7/1</a:t>
+              <a:t>2021/5/16</a:t>
             </a:fld>
             <a:endParaRPr lang="zh-CN" altLang="en-US"/>
           </a:p>
@@ -862,10 +859,9 @@
           </a:lstStyle>
           <a:p>
             <a:r>
-              <a:rPr lang="zh-CN" altLang="en-US" smtClean="0"/>
+              <a:rPr lang="zh-CN" altLang="en-US"/>
               <a:t>单击此处编辑母版标题样式</a:t>
             </a:r>
-            <a:endParaRPr lang="zh-CN" altLang="en-US"/>
           </a:p>
         </p:txBody>
       </p:sp>
@@ -982,7 +978,7 @@
           <a:p>
             <a:pPr lvl="0"/>
             <a:r>
-              <a:rPr lang="zh-CN" altLang="en-US" smtClean="0"/>
+              <a:rPr lang="zh-CN" altLang="en-US"/>
               <a:t>单击此处编辑母版文本样式</a:t>
             </a:r>
           </a:p>
@@ -1005,7 +1001,7 @@
           <a:p>
             <a:fld id="{051CACA7-F75C-4DDA-9C7F-09BEA03FA6D5}" type="datetimeFigureOut">
               <a:rPr lang="zh-CN" altLang="en-US" smtClean="0"/>
-              <a:t>2019/7/1</a:t>
+              <a:t>2021/5/16</a:t>
             </a:fld>
             <a:endParaRPr lang="zh-CN" altLang="en-US"/>
           </a:p>
@@ -1099,10 +1095,9 @@
           <a:lstStyle/>
           <a:p>
             <a:r>
-              <a:rPr lang="zh-CN" altLang="en-US" smtClean="0"/>
+              <a:rPr lang="zh-CN" altLang="en-US"/>
               <a:t>单击此处编辑母版标题样式</a:t>
             </a:r>
-            <a:endParaRPr lang="zh-CN" altLang="en-US"/>
           </a:p>
         </p:txBody>
       </p:sp>
@@ -1128,38 +1123,37 @@
           <a:p>
             <a:pPr lvl="0"/>
             <a:r>
-              <a:rPr lang="zh-CN" altLang="en-US" smtClean="0"/>
+              <a:rPr lang="zh-CN" altLang="en-US"/>
               <a:t>单击此处编辑母版文本样式</a:t>
             </a:r>
           </a:p>
           <a:p>
             <a:pPr lvl="1"/>
             <a:r>
-              <a:rPr lang="zh-CN" altLang="en-US" smtClean="0"/>
+              <a:rPr lang="zh-CN" altLang="en-US"/>
               <a:t>第二级</a:t>
             </a:r>
           </a:p>
           <a:p>
             <a:pPr lvl="2"/>
             <a:r>
-              <a:rPr lang="zh-CN" altLang="en-US" smtClean="0"/>
+              <a:rPr lang="zh-CN" altLang="en-US"/>
               <a:t>第三级</a:t>
             </a:r>
           </a:p>
           <a:p>
             <a:pPr lvl="3"/>
             <a:r>
-              <a:rPr lang="zh-CN" altLang="en-US" smtClean="0"/>
+              <a:rPr lang="zh-CN" altLang="en-US"/>
               <a:t>第四级</a:t>
             </a:r>
           </a:p>
           <a:p>
             <a:pPr lvl="4"/>
             <a:r>
-              <a:rPr lang="zh-CN" altLang="en-US" smtClean="0"/>
+              <a:rPr lang="zh-CN" altLang="en-US"/>
               <a:t>第五级</a:t>
             </a:r>
-            <a:endParaRPr lang="zh-CN" altLang="en-US"/>
           </a:p>
         </p:txBody>
       </p:sp>
@@ -1185,38 +1179,37 @@
           <a:p>
             <a:pPr lvl="0"/>
             <a:r>
-              <a:rPr lang="zh-CN" altLang="en-US" smtClean="0"/>
+              <a:rPr lang="zh-CN" altLang="en-US"/>
               <a:t>单击此处编辑母版文本样式</a:t>
             </a:r>
           </a:p>
           <a:p>
             <a:pPr lvl="1"/>
             <a:r>
-              <a:rPr lang="zh-CN" altLang="en-US" smtClean="0"/>
+              <a:rPr lang="zh-CN" altLang="en-US"/>
               <a:t>第二级</a:t>
             </a:r>
           </a:p>
           <a:p>
             <a:pPr lvl="2"/>
             <a:r>
-              <a:rPr lang="zh-CN" altLang="en-US" smtClean="0"/>
+              <a:rPr lang="zh-CN" altLang="en-US"/>
               <a:t>第三级</a:t>
             </a:r>
           </a:p>
           <a:p>
             <a:pPr lvl="3"/>
             <a:r>
-              <a:rPr lang="zh-CN" altLang="en-US" smtClean="0"/>
+              <a:rPr lang="zh-CN" altLang="en-US"/>
               <a:t>第四级</a:t>
             </a:r>
           </a:p>
           <a:p>
             <a:pPr lvl="4"/>
             <a:r>
-              <a:rPr lang="zh-CN" altLang="en-US" smtClean="0"/>
+              <a:rPr lang="zh-CN" altLang="en-US"/>
               <a:t>第五级</a:t>
             </a:r>
-            <a:endParaRPr lang="zh-CN" altLang="en-US"/>
           </a:p>
         </p:txBody>
       </p:sp>
@@ -1237,7 +1230,7 @@
           <a:p>
             <a:fld id="{051CACA7-F75C-4DDA-9C7F-09BEA03FA6D5}" type="datetimeFigureOut">
               <a:rPr lang="zh-CN" altLang="en-US" smtClean="0"/>
-              <a:t>2019/7/1</a:t>
+              <a:t>2021/5/16</a:t>
             </a:fld>
             <a:endParaRPr lang="zh-CN" altLang="en-US"/>
           </a:p>
@@ -1336,10 +1329,9 @@
           <a:lstStyle/>
           <a:p>
             <a:r>
-              <a:rPr lang="zh-CN" altLang="en-US" smtClean="0"/>
+              <a:rPr lang="zh-CN" altLang="en-US"/>
               <a:t>单击此处编辑母版标题样式</a:t>
             </a:r>
-            <a:endParaRPr lang="zh-CN" altLang="en-US"/>
           </a:p>
         </p:txBody>
       </p:sp>
@@ -1402,7 +1394,7 @@
           <a:p>
             <a:pPr lvl="0"/>
             <a:r>
-              <a:rPr lang="zh-CN" altLang="en-US" smtClean="0"/>
+              <a:rPr lang="zh-CN" altLang="en-US"/>
               <a:t>单击此处编辑母版文本样式</a:t>
             </a:r>
           </a:p>
@@ -1430,38 +1422,37 @@
           <a:p>
             <a:pPr lvl="0"/>
             <a:r>
-              <a:rPr lang="zh-CN" altLang="en-US" smtClean="0"/>
+              <a:rPr lang="zh-CN" altLang="en-US"/>
               <a:t>单击此处编辑母版文本样式</a:t>
             </a:r>
           </a:p>
           <a:p>
             <a:pPr lvl="1"/>
             <a:r>
-              <a:rPr lang="zh-CN" altLang="en-US" smtClean="0"/>
+              <a:rPr lang="zh-CN" altLang="en-US"/>
               <a:t>第二级</a:t>
             </a:r>
           </a:p>
           <a:p>
             <a:pPr lvl="2"/>
             <a:r>
-              <a:rPr lang="zh-CN" altLang="en-US" smtClean="0"/>
+              <a:rPr lang="zh-CN" altLang="en-US"/>
               <a:t>第三级</a:t>
             </a:r>
           </a:p>
           <a:p>
             <a:pPr lvl="3"/>
             <a:r>
-              <a:rPr lang="zh-CN" altLang="en-US" smtClean="0"/>
+              <a:rPr lang="zh-CN" altLang="en-US"/>
               <a:t>第四级</a:t>
             </a:r>
           </a:p>
           <a:p>
             <a:pPr lvl="4"/>
             <a:r>
-              <a:rPr lang="zh-CN" altLang="en-US" smtClean="0"/>
+              <a:rPr lang="zh-CN" altLang="en-US"/>
               <a:t>第五级</a:t>
             </a:r>
-            <a:endParaRPr lang="zh-CN" altLang="en-US"/>
           </a:p>
         </p:txBody>
       </p:sp>
@@ -1524,7 +1515,7 @@
           <a:p>
             <a:pPr lvl="0"/>
             <a:r>
-              <a:rPr lang="zh-CN" altLang="en-US" smtClean="0"/>
+              <a:rPr lang="zh-CN" altLang="en-US"/>
               <a:t>单击此处编辑母版文本样式</a:t>
             </a:r>
           </a:p>
@@ -1552,38 +1543,37 @@
           <a:p>
             <a:pPr lvl="0"/>
             <a:r>
-              <a:rPr lang="zh-CN" altLang="en-US" smtClean="0"/>
+              <a:rPr lang="zh-CN" altLang="en-US"/>
               <a:t>单击此处编辑母版文本样式</a:t>
             </a:r>
           </a:p>
           <a:p>
             <a:pPr lvl="1"/>
             <a:r>
-              <a:rPr lang="zh-CN" altLang="en-US" smtClean="0"/>
+              <a:rPr lang="zh-CN" altLang="en-US"/>
               <a:t>第二级</a:t>
             </a:r>
           </a:p>
           <a:p>
             <a:pPr lvl="2"/>
             <a:r>
-              <a:rPr lang="zh-CN" altLang="en-US" smtClean="0"/>
+              <a:rPr lang="zh-CN" altLang="en-US"/>
               <a:t>第三级</a:t>
             </a:r>
           </a:p>
           <a:p>
             <a:pPr lvl="3"/>
             <a:r>
-              <a:rPr lang="zh-CN" altLang="en-US" smtClean="0"/>
+              <a:rPr lang="zh-CN" altLang="en-US"/>
               <a:t>第四级</a:t>
             </a:r>
           </a:p>
           <a:p>
             <a:pPr lvl="4"/>
             <a:r>
-              <a:rPr lang="zh-CN" altLang="en-US" smtClean="0"/>
+              <a:rPr lang="zh-CN" altLang="en-US"/>
               <a:t>第五级</a:t>
             </a:r>
-            <a:endParaRPr lang="zh-CN" altLang="en-US"/>
           </a:p>
         </p:txBody>
       </p:sp>
@@ -1604,7 +1594,7 @@
           <a:p>
             <a:fld id="{051CACA7-F75C-4DDA-9C7F-09BEA03FA6D5}" type="datetimeFigureOut">
               <a:rPr lang="zh-CN" altLang="en-US" smtClean="0"/>
-              <a:t>2019/7/1</a:t>
+              <a:t>2021/5/16</a:t>
             </a:fld>
             <a:endParaRPr lang="zh-CN" altLang="en-US"/>
           </a:p>
@@ -1698,10 +1688,9 @@
           <a:lstStyle/>
           <a:p>
             <a:r>
-              <a:rPr lang="zh-CN" altLang="en-US" smtClean="0"/>
+              <a:rPr lang="zh-CN" altLang="en-US"/>
               <a:t>单击此处编辑母版标题样式</a:t>
             </a:r>
-            <a:endParaRPr lang="zh-CN" altLang="en-US"/>
           </a:p>
         </p:txBody>
       </p:sp>
@@ -1722,7 +1711,7 @@
           <a:p>
             <a:fld id="{051CACA7-F75C-4DDA-9C7F-09BEA03FA6D5}" type="datetimeFigureOut">
               <a:rPr lang="zh-CN" altLang="en-US" smtClean="0"/>
-              <a:t>2019/7/1</a:t>
+              <a:t>2021/5/16</a:t>
             </a:fld>
             <a:endParaRPr lang="zh-CN" altLang="en-US"/>
           </a:p>
@@ -1817,7 +1806,7 @@
           <a:p>
             <a:fld id="{051CACA7-F75C-4DDA-9C7F-09BEA03FA6D5}" type="datetimeFigureOut">
               <a:rPr lang="zh-CN" altLang="en-US" smtClean="0"/>
-              <a:t>2019/7/1</a:t>
+              <a:t>2021/5/16</a:t>
             </a:fld>
             <a:endParaRPr lang="zh-CN" altLang="en-US"/>
           </a:p>
@@ -1920,10 +1909,9 @@
           </a:lstStyle>
           <a:p>
             <a:r>
-              <a:rPr lang="zh-CN" altLang="en-US" smtClean="0"/>
+              <a:rPr lang="zh-CN" altLang="en-US"/>
               <a:t>单击此处编辑母版标题样式</a:t>
             </a:r>
-            <a:endParaRPr lang="zh-CN" altLang="en-US"/>
           </a:p>
         </p:txBody>
       </p:sp>
@@ -1977,38 +1965,37 @@
           <a:p>
             <a:pPr lvl="0"/>
             <a:r>
-              <a:rPr lang="zh-CN" altLang="en-US" smtClean="0"/>
+              <a:rPr lang="zh-CN" altLang="en-US"/>
               <a:t>单击此处编辑母版文本样式</a:t>
             </a:r>
           </a:p>
           <a:p>
             <a:pPr lvl="1"/>
             <a:r>
-              <a:rPr lang="zh-CN" altLang="en-US" smtClean="0"/>
+              <a:rPr lang="zh-CN" altLang="en-US"/>
               <a:t>第二级</a:t>
             </a:r>
           </a:p>
           <a:p>
             <a:pPr lvl="2"/>
             <a:r>
-              <a:rPr lang="zh-CN" altLang="en-US" smtClean="0"/>
+              <a:rPr lang="zh-CN" altLang="en-US"/>
               <a:t>第三级</a:t>
             </a:r>
           </a:p>
           <a:p>
             <a:pPr lvl="3"/>
             <a:r>
-              <a:rPr lang="zh-CN" altLang="en-US" smtClean="0"/>
+              <a:rPr lang="zh-CN" altLang="en-US"/>
               <a:t>第四级</a:t>
             </a:r>
           </a:p>
           <a:p>
             <a:pPr lvl="4"/>
             <a:r>
-              <a:rPr lang="zh-CN" altLang="en-US" smtClean="0"/>
+              <a:rPr lang="zh-CN" altLang="en-US"/>
               <a:t>第五级</a:t>
             </a:r>
-            <a:endParaRPr lang="zh-CN" altLang="en-US"/>
           </a:p>
         </p:txBody>
       </p:sp>
@@ -2071,7 +2058,7 @@
           <a:p>
             <a:pPr lvl="0"/>
             <a:r>
-              <a:rPr lang="zh-CN" altLang="en-US" smtClean="0"/>
+              <a:rPr lang="zh-CN" altLang="en-US"/>
               <a:t>单击此处编辑母版文本样式</a:t>
             </a:r>
           </a:p>
@@ -2094,7 +2081,7 @@
           <a:p>
             <a:fld id="{051CACA7-F75C-4DDA-9C7F-09BEA03FA6D5}" type="datetimeFigureOut">
               <a:rPr lang="zh-CN" altLang="en-US" smtClean="0"/>
-              <a:t>2019/7/1</a:t>
+              <a:t>2021/5/16</a:t>
             </a:fld>
             <a:endParaRPr lang="zh-CN" altLang="en-US"/>
           </a:p>
@@ -2197,10 +2184,9 @@
           </a:lstStyle>
           <a:p>
             <a:r>
-              <a:rPr lang="zh-CN" altLang="en-US" smtClean="0"/>
+              <a:rPr lang="zh-CN" altLang="en-US"/>
               <a:t>单击此处编辑母版标题样式</a:t>
             </a:r>
-            <a:endParaRPr lang="zh-CN" altLang="en-US"/>
           </a:p>
         </p:txBody>
       </p:sp>
@@ -2324,7 +2310,7 @@
           <a:p>
             <a:pPr lvl="0"/>
             <a:r>
-              <a:rPr lang="zh-CN" altLang="en-US" smtClean="0"/>
+              <a:rPr lang="zh-CN" altLang="en-US"/>
               <a:t>单击此处编辑母版文本样式</a:t>
             </a:r>
           </a:p>
@@ -2347,7 +2333,7 @@
           <a:p>
             <a:fld id="{051CACA7-F75C-4DDA-9C7F-09BEA03FA6D5}" type="datetimeFigureOut">
               <a:rPr lang="zh-CN" altLang="en-US" smtClean="0"/>
-              <a:t>2019/7/1</a:t>
+              <a:t>2021/5/16</a:t>
             </a:fld>
             <a:endParaRPr lang="zh-CN" altLang="en-US"/>
           </a:p>
@@ -2456,10 +2442,9 @@
           <a:lstStyle/>
           <a:p>
             <a:r>
-              <a:rPr lang="zh-CN" altLang="en-US" smtClean="0"/>
+              <a:rPr lang="zh-CN" altLang="en-US"/>
               <a:t>单击此处编辑母版标题样式</a:t>
             </a:r>
-            <a:endParaRPr lang="zh-CN" altLang="en-US"/>
           </a:p>
         </p:txBody>
       </p:sp>
@@ -2490,38 +2475,37 @@
           <a:p>
             <a:pPr lvl="0"/>
             <a:r>
-              <a:rPr lang="zh-CN" altLang="en-US" smtClean="0"/>
+              <a:rPr lang="zh-CN" altLang="en-US"/>
               <a:t>单击此处编辑母版文本样式</a:t>
             </a:r>
           </a:p>
           <a:p>
             <a:pPr lvl="1"/>
             <a:r>
-              <a:rPr lang="zh-CN" altLang="en-US" smtClean="0"/>
+              <a:rPr lang="zh-CN" altLang="en-US"/>
               <a:t>第二级</a:t>
             </a:r>
           </a:p>
           <a:p>
             <a:pPr lvl="2"/>
             <a:r>
-              <a:rPr lang="zh-CN" altLang="en-US" smtClean="0"/>
+              <a:rPr lang="zh-CN" altLang="en-US"/>
               <a:t>第三级</a:t>
             </a:r>
           </a:p>
           <a:p>
             <a:pPr lvl="3"/>
             <a:r>
-              <a:rPr lang="zh-CN" altLang="en-US" smtClean="0"/>
+              <a:rPr lang="zh-CN" altLang="en-US"/>
               <a:t>第四级</a:t>
             </a:r>
           </a:p>
           <a:p>
             <a:pPr lvl="4"/>
             <a:r>
-              <a:rPr lang="zh-CN" altLang="en-US" smtClean="0"/>
+              <a:rPr lang="zh-CN" altLang="en-US"/>
               <a:t>第五级</a:t>
             </a:r>
-            <a:endParaRPr lang="zh-CN" altLang="en-US"/>
           </a:p>
         </p:txBody>
       </p:sp>
@@ -2560,7 +2544,7 @@
           <a:p>
             <a:fld id="{051CACA7-F75C-4DDA-9C7F-09BEA03FA6D5}" type="datetimeFigureOut">
               <a:rPr lang="zh-CN" altLang="en-US" smtClean="0"/>
-              <a:t>2019/7/1</a:t>
+              <a:t>2021/5/16</a:t>
             </a:fld>
             <a:endParaRPr lang="zh-CN" altLang="en-US"/>
           </a:p>
@@ -2967,16 +2951,22 @@
       </p:grpSpPr>
       <p:grpSp>
         <p:nvGrpSpPr>
-          <p:cNvPr id="4" name="组合 3"/>
+          <p:cNvPr id="3" name="组合 2">
+            <a:extLst>
+              <a:ext uri="{FF2B5EF4-FFF2-40B4-BE49-F238E27FC236}">
+                <a16:creationId xmlns:a16="http://schemas.microsoft.com/office/drawing/2014/main" id="{81B93493-8241-CB45-8D42-27504D40BAA0}"/>
+              </a:ext>
+            </a:extLst>
+          </p:cNvPr>
           <p:cNvGrpSpPr/>
           <p:nvPr/>
         </p:nvGrpSpPr>
         <p:grpSpPr>
           <a:xfrm>
             <a:off x="623777" y="614150"/>
-            <a:ext cx="10949525" cy="5500048"/>
-            <a:chOff x="323526" y="957512"/>
-            <a:chExt cx="8641521" cy="3739423"/>
+            <a:ext cx="10949525" cy="4858789"/>
+            <a:chOff x="623777" y="614150"/>
+            <a:chExt cx="10949525" cy="4858789"/>
           </a:xfrm>
         </p:grpSpPr>
         <p:sp>
@@ -2987,8 +2977,8 @@
           </p:nvSpPr>
           <p:spPr>
             <a:xfrm>
-              <a:off x="1516500" y="2981736"/>
-              <a:ext cx="828092" cy="288032"/>
+              <a:off x="2135374" y="3591435"/>
+              <a:ext cx="1049261" cy="423646"/>
             </a:xfrm>
             <a:prstGeom prst="cube">
               <a:avLst/>
@@ -3022,7 +3012,7 @@
             <a:p>
               <a:pPr algn="ctr"/>
               <a:r>
-                <a:rPr lang="en-US" altLang="zh-CN" sz="1200" dirty="0" smtClean="0">
+                <a:rPr lang="en-US" altLang="zh-CN" sz="1200" dirty="0">
                   <a:solidFill>
                     <a:schemeClr val="tx1"/>
                   </a:solidFill>
@@ -3045,8 +3035,8 @@
           </p:nvSpPr>
           <p:spPr>
             <a:xfrm>
-              <a:off x="2398839" y="2976895"/>
-              <a:ext cx="1152128" cy="288032"/>
+              <a:off x="3253371" y="3584315"/>
+              <a:ext cx="1459842" cy="423646"/>
             </a:xfrm>
             <a:prstGeom prst="cube">
               <a:avLst/>
@@ -3085,15 +3075,7 @@
                     <a:schemeClr val="tx1"/>
                   </a:solidFill>
                 </a:rPr>
-                <a:t>d</a:t>
-              </a:r>
-              <a:r>
-                <a:rPr lang="en-US" altLang="zh-CN" sz="1200" dirty="0" smtClean="0">
-                  <a:solidFill>
-                    <a:schemeClr val="tx1"/>
-                  </a:solidFill>
-                </a:rPr>
-                <a:t>ata structure</a:t>
+                <a:t>data structure</a:t>
               </a:r>
               <a:endParaRPr lang="zh-CN" altLang="en-US" sz="1200" dirty="0">
                 <a:solidFill>
@@ -3111,8 +3093,8 @@
           </p:nvSpPr>
           <p:spPr>
             <a:xfrm>
-              <a:off x="4527026" y="2976895"/>
-              <a:ext cx="468052" cy="288032"/>
+              <a:off x="5949961" y="3584315"/>
+              <a:ext cx="593061" cy="423646"/>
             </a:xfrm>
             <a:prstGeom prst="cube">
               <a:avLst/>
@@ -3146,7 +3128,7 @@
             <a:p>
               <a:pPr algn="ctr"/>
               <a:r>
-                <a:rPr lang="en-US" altLang="zh-CN" sz="1200" dirty="0" smtClean="0">
+                <a:rPr lang="en-US" altLang="zh-CN" sz="1200" dirty="0">
                   <a:solidFill>
                     <a:schemeClr val="tx1"/>
                   </a:solidFill>
@@ -3169,8 +3151,8 @@
           </p:nvSpPr>
           <p:spPr>
             <a:xfrm>
-              <a:off x="5219881" y="2476821"/>
-              <a:ext cx="756084" cy="288032"/>
+              <a:off x="6827866" y="2848792"/>
+              <a:ext cx="958021" cy="423646"/>
             </a:xfrm>
             <a:prstGeom prst="cube">
               <a:avLst/>
@@ -3204,7 +3186,7 @@
             <a:p>
               <a:pPr algn="ctr"/>
               <a:r>
-                <a:rPr lang="en-US" altLang="zh-CN" sz="1200" dirty="0" smtClean="0">
+                <a:rPr lang="en-US" altLang="zh-CN" sz="1200" dirty="0">
                   <a:solidFill>
                     <a:schemeClr val="tx1"/>
                   </a:solidFill>
@@ -3227,8 +3209,8 @@
           </p:nvSpPr>
           <p:spPr>
             <a:xfrm>
-              <a:off x="1516500" y="2481296"/>
-              <a:ext cx="468052" cy="288032"/>
+              <a:off x="2135374" y="2855374"/>
+              <a:ext cx="593061" cy="423646"/>
             </a:xfrm>
             <a:prstGeom prst="cube">
               <a:avLst/>
@@ -3262,7 +3244,7 @@
             <a:p>
               <a:pPr algn="ctr"/>
               <a:r>
-                <a:rPr lang="en-US" altLang="zh-CN" sz="1200" dirty="0" smtClean="0">
+                <a:rPr lang="en-US" altLang="zh-CN" sz="1200" dirty="0">
                   <a:solidFill>
                     <a:schemeClr val="tx1"/>
                   </a:solidFill>
@@ -3285,8 +3267,8 @@
           </p:nvSpPr>
           <p:spPr>
             <a:xfrm>
-              <a:off x="5051857" y="2976895"/>
-              <a:ext cx="677861" cy="288032"/>
+              <a:off x="6614965" y="3584315"/>
+              <a:ext cx="858906" cy="423646"/>
             </a:xfrm>
             <a:prstGeom prst="cube">
               <a:avLst/>
@@ -3320,7 +3302,7 @@
             <a:p>
               <a:pPr algn="ctr"/>
               <a:r>
-                <a:rPr lang="en-US" altLang="zh-CN" sz="1200" dirty="0" smtClean="0">
+                <a:rPr lang="en-US" altLang="zh-CN" sz="1200" dirty="0">
                   <a:solidFill>
                     <a:schemeClr val="tx1"/>
                   </a:solidFill>
@@ -3337,14 +3319,1085 @@
         </p:sp>
         <p:sp>
           <p:nvSpPr>
-            <p:cNvPr id="11" name="立方体 10"/>
+            <p:cNvPr id="12" name="立方体 11"/>
             <p:cNvSpPr/>
             <p:nvPr/>
           </p:nvSpPr>
           <p:spPr>
             <a:xfrm>
-              <a:off x="4644314" y="3469301"/>
-              <a:ext cx="617740" cy="288032"/>
+              <a:off x="4778009" y="3584315"/>
+              <a:ext cx="1100008" cy="423646"/>
+            </a:xfrm>
+            <a:prstGeom prst="cube">
+              <a:avLst/>
+            </a:prstGeom>
+            <a:solidFill>
+              <a:srgbClr val="95F3EF"/>
+            </a:solidFill>
+            <a:ln w="3175">
+              <a:noFill/>
+            </a:ln>
+          </p:spPr>
+          <p:style>
+            <a:lnRef idx="2">
+              <a:schemeClr val="accent1">
+                <a:shade val="50000"/>
+              </a:schemeClr>
+            </a:lnRef>
+            <a:fillRef idx="1">
+              <a:schemeClr val="accent1"/>
+            </a:fillRef>
+            <a:effectRef idx="0">
+              <a:schemeClr val="accent1"/>
+            </a:effectRef>
+            <a:fontRef idx="minor">
+              <a:schemeClr val="lt1"/>
+            </a:fontRef>
+          </p:style>
+          <p:txBody>
+            <a:bodyPr rtlCol="0" anchor="ctr"/>
+            <a:lstStyle/>
+            <a:p>
+              <a:pPr algn="ctr"/>
+              <a:r>
+                <a:rPr lang="en-US" altLang="zh-CN" sz="1200" dirty="0">
+                  <a:solidFill>
+                    <a:schemeClr val="tx1"/>
+                  </a:solidFill>
+                </a:rPr>
+                <a:t>configure</a:t>
+              </a:r>
+              <a:endParaRPr lang="zh-CN" altLang="en-US" sz="1200" dirty="0">
+                <a:solidFill>
+                  <a:schemeClr val="tx1"/>
+                </a:solidFill>
+              </a:endParaRPr>
+            </a:p>
+          </p:txBody>
+        </p:sp>
+        <p:sp>
+          <p:nvSpPr>
+            <p:cNvPr id="13" name="立方体 12"/>
+            <p:cNvSpPr/>
+            <p:nvPr/>
+          </p:nvSpPr>
+          <p:spPr>
+            <a:xfrm>
+              <a:off x="2847431" y="2855374"/>
+              <a:ext cx="3861157" cy="423646"/>
+            </a:xfrm>
+            <a:prstGeom prst="cube">
+              <a:avLst/>
+            </a:prstGeom>
+            <a:solidFill>
+              <a:srgbClr val="92D050"/>
+            </a:solidFill>
+            <a:ln w="3175">
+              <a:noFill/>
+            </a:ln>
+          </p:spPr>
+          <p:style>
+            <a:lnRef idx="2">
+              <a:schemeClr val="accent1">
+                <a:shade val="50000"/>
+              </a:schemeClr>
+            </a:lnRef>
+            <a:fillRef idx="1">
+              <a:schemeClr val="accent1"/>
+            </a:fillRef>
+            <a:effectRef idx="0">
+              <a:schemeClr val="accent1"/>
+            </a:effectRef>
+            <a:fontRef idx="minor">
+              <a:schemeClr val="lt1"/>
+            </a:fontRef>
+          </p:style>
+          <p:txBody>
+            <a:bodyPr rtlCol="0" anchor="ctr"/>
+            <a:lstStyle/>
+            <a:p>
+              <a:pPr algn="ctr"/>
+              <a:r>
+                <a:rPr lang="en-US" altLang="zh-CN" sz="1200" dirty="0">
+                  <a:solidFill>
+                    <a:schemeClr val="tx1"/>
+                  </a:solidFill>
+                </a:rPr>
+                <a:t>events(select/poll/</a:t>
+              </a:r>
+              <a:r>
+                <a:rPr lang="en-US" altLang="zh-CN" sz="1200" dirty="0" err="1">
+                  <a:solidFill>
+                    <a:schemeClr val="tx1"/>
+                  </a:solidFill>
+                </a:rPr>
+                <a:t>epoll</a:t>
+              </a:r>
+              <a:r>
+                <a:rPr lang="en-US" altLang="zh-CN" sz="1200" dirty="0">
+                  <a:solidFill>
+                    <a:schemeClr val="tx1"/>
+                  </a:solidFill>
+                </a:rPr>
+                <a:t>/</a:t>
+              </a:r>
+              <a:r>
+                <a:rPr lang="en-US" altLang="zh-CN" sz="1200" dirty="0" err="1">
+                  <a:solidFill>
+                    <a:schemeClr val="tx1"/>
+                  </a:solidFill>
+                </a:rPr>
+                <a:t>kqueue</a:t>
+              </a:r>
+              <a:r>
+                <a:rPr lang="en-US" altLang="zh-CN" sz="1200" dirty="0">
+                  <a:solidFill>
+                    <a:schemeClr val="tx1"/>
+                  </a:solidFill>
+                </a:rPr>
+                <a:t>/</a:t>
+              </a:r>
+              <a:r>
+                <a:rPr lang="en-US" altLang="zh-CN" sz="1200" dirty="0" err="1">
+                  <a:solidFill>
+                    <a:schemeClr val="tx1"/>
+                  </a:solidFill>
+                </a:rPr>
+                <a:t>iocp</a:t>
+              </a:r>
+              <a:r>
+                <a:rPr lang="en-US" altLang="zh-CN" sz="1200" dirty="0">
+                  <a:solidFill>
+                    <a:schemeClr val="tx1"/>
+                  </a:solidFill>
+                </a:rPr>
+                <a:t>/</a:t>
+              </a:r>
+              <a:r>
+                <a:rPr lang="en-US" altLang="zh-CN" sz="1200" dirty="0" err="1">
+                  <a:solidFill>
+                    <a:schemeClr val="tx1"/>
+                  </a:solidFill>
+                </a:rPr>
+                <a:t>wmsg</a:t>
+              </a:r>
+              <a:r>
+                <a:rPr lang="en-US" altLang="zh-CN" sz="1200" dirty="0">
+                  <a:solidFill>
+                    <a:schemeClr val="tx1"/>
+                  </a:solidFill>
+                </a:rPr>
+                <a:t>)</a:t>
+              </a:r>
+              <a:endParaRPr lang="zh-CN" altLang="en-US" sz="1200" dirty="0">
+                <a:solidFill>
+                  <a:schemeClr val="tx1"/>
+                </a:solidFill>
+              </a:endParaRPr>
+            </a:p>
+          </p:txBody>
+        </p:sp>
+        <p:sp>
+          <p:nvSpPr>
+            <p:cNvPr id="14" name="立方体 13"/>
+            <p:cNvSpPr/>
+            <p:nvPr/>
+          </p:nvSpPr>
+          <p:spPr>
+            <a:xfrm>
+              <a:off x="7630807" y="3584315"/>
+              <a:ext cx="722835" cy="423646"/>
+            </a:xfrm>
+            <a:prstGeom prst="cube">
+              <a:avLst/>
+            </a:prstGeom>
+            <a:solidFill>
+              <a:srgbClr val="95F3EF"/>
+            </a:solidFill>
+            <a:ln w="3175">
+              <a:noFill/>
+            </a:ln>
+          </p:spPr>
+          <p:style>
+            <a:lnRef idx="2">
+              <a:schemeClr val="accent1">
+                <a:shade val="50000"/>
+              </a:schemeClr>
+            </a:lnRef>
+            <a:fillRef idx="1">
+              <a:schemeClr val="accent1"/>
+            </a:fillRef>
+            <a:effectRef idx="0">
+              <a:schemeClr val="accent1"/>
+            </a:effectRef>
+            <a:fontRef idx="minor">
+              <a:schemeClr val="lt1"/>
+            </a:fontRef>
+          </p:style>
+          <p:txBody>
+            <a:bodyPr rtlCol="0" anchor="ctr"/>
+            <a:lstStyle/>
+            <a:p>
+              <a:pPr algn="ctr"/>
+              <a:r>
+                <a:rPr lang="en-US" altLang="zh-CN" sz="1200" dirty="0">
+                  <a:solidFill>
+                    <a:schemeClr val="tx1"/>
+                  </a:solidFill>
+                </a:rPr>
+                <a:t>fiber</a:t>
+              </a:r>
+              <a:endParaRPr lang="zh-CN" altLang="en-US" sz="1200" dirty="0">
+                <a:solidFill>
+                  <a:schemeClr val="tx1"/>
+                </a:solidFill>
+              </a:endParaRPr>
+            </a:p>
+          </p:txBody>
+        </p:sp>
+        <p:sp>
+          <p:nvSpPr>
+            <p:cNvPr id="15" name="立方体 14"/>
+            <p:cNvSpPr/>
+            <p:nvPr/>
+          </p:nvSpPr>
+          <p:spPr>
+            <a:xfrm>
+              <a:off x="2131559" y="1399746"/>
+              <a:ext cx="1121812" cy="423646"/>
+            </a:xfrm>
+            <a:prstGeom prst="cube">
+              <a:avLst/>
+            </a:prstGeom>
+            <a:solidFill>
+              <a:srgbClr val="FFC000"/>
+            </a:solidFill>
+            <a:ln w="3175">
+              <a:noFill/>
+            </a:ln>
+          </p:spPr>
+          <p:style>
+            <a:lnRef idx="2">
+              <a:schemeClr val="accent1">
+                <a:shade val="50000"/>
+              </a:schemeClr>
+            </a:lnRef>
+            <a:fillRef idx="1">
+              <a:schemeClr val="accent1"/>
+            </a:fillRef>
+            <a:effectRef idx="0">
+              <a:schemeClr val="accent1"/>
+            </a:effectRef>
+            <a:fontRef idx="minor">
+              <a:schemeClr val="lt1"/>
+            </a:fontRef>
+          </p:style>
+          <p:txBody>
+            <a:bodyPr rtlCol="0" anchor="ctr"/>
+            <a:lstStyle/>
+            <a:p>
+              <a:pPr algn="ctr"/>
+              <a:r>
+                <a:rPr lang="en-US" altLang="zh-CN" sz="1200" dirty="0">
+                  <a:solidFill>
+                    <a:schemeClr val="tx1"/>
+                  </a:solidFill>
+                </a:rPr>
+                <a:t>Processes</a:t>
+              </a:r>
+              <a:endParaRPr lang="zh-CN" altLang="en-US" sz="1200" dirty="0">
+                <a:solidFill>
+                  <a:schemeClr val="tx1"/>
+                </a:solidFill>
+              </a:endParaRPr>
+            </a:p>
+          </p:txBody>
+        </p:sp>
+        <p:sp>
+          <p:nvSpPr>
+            <p:cNvPr id="16" name="立方体 15"/>
+            <p:cNvSpPr/>
+            <p:nvPr/>
+          </p:nvSpPr>
+          <p:spPr>
+            <a:xfrm>
+              <a:off x="3336736" y="1399746"/>
+              <a:ext cx="954331" cy="423646"/>
+            </a:xfrm>
+            <a:prstGeom prst="cube">
+              <a:avLst/>
+            </a:prstGeom>
+            <a:solidFill>
+              <a:srgbClr val="FFC000"/>
+            </a:solidFill>
+            <a:ln w="3175">
+              <a:noFill/>
+            </a:ln>
+          </p:spPr>
+          <p:style>
+            <a:lnRef idx="2">
+              <a:schemeClr val="accent1">
+                <a:shade val="50000"/>
+              </a:schemeClr>
+            </a:lnRef>
+            <a:fillRef idx="1">
+              <a:schemeClr val="accent1"/>
+            </a:fillRef>
+            <a:effectRef idx="0">
+              <a:schemeClr val="accent1"/>
+            </a:effectRef>
+            <a:fontRef idx="minor">
+              <a:schemeClr val="lt1"/>
+            </a:fontRef>
+          </p:style>
+          <p:txBody>
+            <a:bodyPr rtlCol="0" anchor="ctr"/>
+            <a:lstStyle/>
+            <a:p>
+              <a:pPr algn="ctr"/>
+              <a:r>
+                <a:rPr lang="en-US" altLang="zh-CN" sz="1200" dirty="0">
+                  <a:solidFill>
+                    <a:schemeClr val="tx1"/>
+                  </a:solidFill>
+                </a:rPr>
+                <a:t>Threads</a:t>
+              </a:r>
+              <a:endParaRPr lang="zh-CN" altLang="en-US" sz="1200" dirty="0">
+                <a:solidFill>
+                  <a:schemeClr val="tx1"/>
+                </a:solidFill>
+              </a:endParaRPr>
+            </a:p>
+          </p:txBody>
+        </p:sp>
+        <p:sp>
+          <p:nvSpPr>
+            <p:cNvPr id="17" name="立方体 16"/>
+            <p:cNvSpPr/>
+            <p:nvPr/>
+          </p:nvSpPr>
+          <p:spPr>
+            <a:xfrm>
+              <a:off x="6464722" y="1399746"/>
+              <a:ext cx="954331" cy="423646"/>
+            </a:xfrm>
+            <a:prstGeom prst="cube">
+              <a:avLst/>
+            </a:prstGeom>
+            <a:solidFill>
+              <a:srgbClr val="FFC000"/>
+            </a:solidFill>
+            <a:ln w="3175">
+              <a:noFill/>
+            </a:ln>
+          </p:spPr>
+          <p:style>
+            <a:lnRef idx="2">
+              <a:schemeClr val="accent1">
+                <a:shade val="50000"/>
+              </a:schemeClr>
+            </a:lnRef>
+            <a:fillRef idx="1">
+              <a:schemeClr val="accent1"/>
+            </a:fillRef>
+            <a:effectRef idx="0">
+              <a:schemeClr val="accent1"/>
+            </a:effectRef>
+            <a:fontRef idx="minor">
+              <a:schemeClr val="lt1"/>
+            </a:fontRef>
+          </p:style>
+          <p:txBody>
+            <a:bodyPr rtlCol="0" anchor="ctr"/>
+            <a:lstStyle/>
+            <a:p>
+              <a:pPr algn="ctr"/>
+              <a:r>
+                <a:rPr lang="en-US" altLang="zh-CN" sz="1200" dirty="0" err="1">
+                  <a:solidFill>
+                    <a:schemeClr val="tx1"/>
+                  </a:solidFill>
+                </a:rPr>
+                <a:t>Aio</a:t>
+              </a:r>
+              <a:endParaRPr lang="zh-CN" altLang="en-US" sz="1200" dirty="0">
+                <a:solidFill>
+                  <a:schemeClr val="tx1"/>
+                </a:solidFill>
+              </a:endParaRPr>
+            </a:p>
+          </p:txBody>
+        </p:sp>
+        <p:sp>
+          <p:nvSpPr>
+            <p:cNvPr id="18" name="立方体 17"/>
+            <p:cNvSpPr/>
+            <p:nvPr/>
+          </p:nvSpPr>
+          <p:spPr>
+            <a:xfrm>
+              <a:off x="4380152" y="1411780"/>
+              <a:ext cx="954331" cy="423646"/>
+            </a:xfrm>
+            <a:prstGeom prst="cube">
+              <a:avLst/>
+            </a:prstGeom>
+            <a:solidFill>
+              <a:srgbClr val="FFC000"/>
+            </a:solidFill>
+            <a:ln w="3175">
+              <a:noFill/>
+            </a:ln>
+          </p:spPr>
+          <p:style>
+            <a:lnRef idx="2">
+              <a:schemeClr val="accent1">
+                <a:shade val="50000"/>
+              </a:schemeClr>
+            </a:lnRef>
+            <a:fillRef idx="1">
+              <a:schemeClr val="accent1"/>
+            </a:fillRef>
+            <a:effectRef idx="0">
+              <a:schemeClr val="accent1"/>
+            </a:effectRef>
+            <a:fontRef idx="minor">
+              <a:schemeClr val="lt1"/>
+            </a:fontRef>
+          </p:style>
+          <p:txBody>
+            <a:bodyPr rtlCol="0" anchor="ctr"/>
+            <a:lstStyle/>
+            <a:p>
+              <a:pPr algn="ctr"/>
+              <a:r>
+                <a:rPr lang="en-US" altLang="zh-CN" sz="1200" dirty="0">
+                  <a:solidFill>
+                    <a:schemeClr val="tx1"/>
+                  </a:solidFill>
+                </a:rPr>
+                <a:t>Fibers</a:t>
+              </a:r>
+              <a:endParaRPr lang="zh-CN" altLang="en-US" sz="1200" dirty="0">
+                <a:solidFill>
+                  <a:schemeClr val="tx1"/>
+                </a:solidFill>
+              </a:endParaRPr>
+            </a:p>
+          </p:txBody>
+        </p:sp>
+        <p:sp>
+          <p:nvSpPr>
+            <p:cNvPr id="19" name="立方体 18"/>
+            <p:cNvSpPr/>
+            <p:nvPr/>
+          </p:nvSpPr>
+          <p:spPr>
+            <a:xfrm>
+              <a:off x="7506876" y="1403285"/>
+              <a:ext cx="954331" cy="423646"/>
+            </a:xfrm>
+            <a:prstGeom prst="cube">
+              <a:avLst/>
+            </a:prstGeom>
+            <a:solidFill>
+              <a:srgbClr val="FFC000"/>
+            </a:solidFill>
+            <a:ln w="3175">
+              <a:noFill/>
+            </a:ln>
+          </p:spPr>
+          <p:style>
+            <a:lnRef idx="2">
+              <a:schemeClr val="accent1">
+                <a:shade val="50000"/>
+              </a:schemeClr>
+            </a:lnRef>
+            <a:fillRef idx="1">
+              <a:schemeClr val="accent1"/>
+            </a:fillRef>
+            <a:effectRef idx="0">
+              <a:schemeClr val="accent1"/>
+            </a:effectRef>
+            <a:fontRef idx="minor">
+              <a:schemeClr val="lt1"/>
+            </a:fontRef>
+          </p:style>
+          <p:txBody>
+            <a:bodyPr rtlCol="0" anchor="ctr"/>
+            <a:lstStyle/>
+            <a:p>
+              <a:pPr algn="ctr"/>
+              <a:r>
+                <a:rPr lang="en-US" altLang="zh-CN" sz="1200" dirty="0" err="1">
+                  <a:solidFill>
+                    <a:schemeClr val="tx1"/>
+                  </a:solidFill>
+                </a:rPr>
+                <a:t>Udp</a:t>
+              </a:r>
+              <a:endParaRPr lang="zh-CN" altLang="en-US" sz="1200" dirty="0">
+                <a:solidFill>
+                  <a:schemeClr val="tx1"/>
+                </a:solidFill>
+              </a:endParaRPr>
+            </a:p>
+          </p:txBody>
+        </p:sp>
+        <p:sp>
+          <p:nvSpPr>
+            <p:cNvPr id="20" name="立方体 19"/>
+            <p:cNvSpPr/>
+            <p:nvPr/>
+          </p:nvSpPr>
+          <p:spPr>
+            <a:xfrm>
+              <a:off x="5422307" y="1411780"/>
+              <a:ext cx="954331" cy="423646"/>
+            </a:xfrm>
+            <a:prstGeom prst="cube">
+              <a:avLst/>
+            </a:prstGeom>
+            <a:solidFill>
+              <a:srgbClr val="FFC000"/>
+            </a:solidFill>
+            <a:ln w="3175">
+              <a:noFill/>
+            </a:ln>
+          </p:spPr>
+          <p:style>
+            <a:lnRef idx="2">
+              <a:schemeClr val="accent1">
+                <a:shade val="50000"/>
+              </a:schemeClr>
+            </a:lnRef>
+            <a:fillRef idx="1">
+              <a:schemeClr val="accent1"/>
+            </a:fillRef>
+            <a:effectRef idx="0">
+              <a:schemeClr val="accent1"/>
+            </a:effectRef>
+            <a:fontRef idx="minor">
+              <a:schemeClr val="lt1"/>
+            </a:fontRef>
+          </p:style>
+          <p:txBody>
+            <a:bodyPr rtlCol="0" anchor="ctr"/>
+            <a:lstStyle/>
+            <a:p>
+              <a:pPr algn="ctr"/>
+              <a:r>
+                <a:rPr lang="en-US" altLang="zh-CN" sz="1200" dirty="0">
+                  <a:solidFill>
+                    <a:schemeClr val="tx1"/>
+                  </a:solidFill>
+                </a:rPr>
+                <a:t>Triggers</a:t>
+              </a:r>
+              <a:endParaRPr lang="zh-CN" altLang="en-US" sz="1200" dirty="0">
+                <a:solidFill>
+                  <a:schemeClr val="tx1"/>
+                </a:solidFill>
+              </a:endParaRPr>
+            </a:p>
+          </p:txBody>
+        </p:sp>
+        <p:sp>
+          <p:nvSpPr>
+            <p:cNvPr id="22" name="立方体 21"/>
+            <p:cNvSpPr/>
+            <p:nvPr/>
+          </p:nvSpPr>
+          <p:spPr>
+            <a:xfrm>
+              <a:off x="7905165" y="2848792"/>
+              <a:ext cx="649243" cy="423646"/>
+            </a:xfrm>
+            <a:prstGeom prst="cube">
+              <a:avLst/>
+            </a:prstGeom>
+            <a:solidFill>
+              <a:srgbClr val="92D050"/>
+            </a:solidFill>
+            <a:ln w="3175">
+              <a:noFill/>
+            </a:ln>
+          </p:spPr>
+          <p:style>
+            <a:lnRef idx="2">
+              <a:schemeClr val="accent1">
+                <a:shade val="50000"/>
+              </a:schemeClr>
+            </a:lnRef>
+            <a:fillRef idx="1">
+              <a:schemeClr val="accent1"/>
+            </a:fillRef>
+            <a:effectRef idx="0">
+              <a:schemeClr val="accent1"/>
+            </a:effectRef>
+            <a:fontRef idx="minor">
+              <a:schemeClr val="lt1"/>
+            </a:fontRef>
+          </p:style>
+          <p:txBody>
+            <a:bodyPr rtlCol="0" anchor="ctr"/>
+            <a:lstStyle/>
+            <a:p>
+              <a:pPr algn="ctr"/>
+              <a:r>
+                <a:rPr lang="en-US" altLang="zh-CN" sz="1200" dirty="0" err="1">
+                  <a:solidFill>
+                    <a:schemeClr val="tx1"/>
+                  </a:solidFill>
+                </a:rPr>
+                <a:t>aio</a:t>
+              </a:r>
+              <a:endParaRPr lang="zh-CN" altLang="en-US" sz="1200" dirty="0">
+                <a:solidFill>
+                  <a:schemeClr val="tx1"/>
+                </a:solidFill>
+              </a:endParaRPr>
+            </a:p>
+          </p:txBody>
+        </p:sp>
+        <p:sp>
+          <p:nvSpPr>
+            <p:cNvPr id="23" name="立方体 22"/>
+            <p:cNvSpPr/>
+            <p:nvPr/>
+          </p:nvSpPr>
+          <p:spPr>
+            <a:xfrm>
+              <a:off x="2131559" y="2143449"/>
+              <a:ext cx="756171" cy="423646"/>
+            </a:xfrm>
+            <a:prstGeom prst="cube">
+              <a:avLst/>
+            </a:prstGeom>
+            <a:solidFill>
+              <a:schemeClr val="accent5">
+                <a:lumMod val="40000"/>
+                <a:lumOff val="60000"/>
+              </a:schemeClr>
+            </a:solidFill>
+            <a:ln w="3175">
+              <a:noFill/>
+            </a:ln>
+          </p:spPr>
+          <p:style>
+            <a:lnRef idx="2">
+              <a:schemeClr val="accent1">
+                <a:shade val="50000"/>
+              </a:schemeClr>
+            </a:lnRef>
+            <a:fillRef idx="1">
+              <a:schemeClr val="accent1"/>
+            </a:fillRef>
+            <a:effectRef idx="0">
+              <a:schemeClr val="accent1"/>
+            </a:effectRef>
+            <a:fontRef idx="minor">
+              <a:schemeClr val="lt1"/>
+            </a:fontRef>
+          </p:style>
+          <p:txBody>
+            <a:bodyPr rtlCol="0" anchor="ctr"/>
+            <a:lstStyle/>
+            <a:p>
+              <a:pPr algn="ctr"/>
+              <a:r>
+                <a:rPr lang="en-US" altLang="zh-CN" sz="1200" dirty="0">
+                  <a:solidFill>
+                    <a:schemeClr val="tx1"/>
+                  </a:solidFill>
+                </a:rPr>
+                <a:t>http</a:t>
+              </a:r>
+              <a:endParaRPr lang="zh-CN" altLang="en-US" sz="1200" dirty="0">
+                <a:solidFill>
+                  <a:schemeClr val="tx1"/>
+                </a:solidFill>
+              </a:endParaRPr>
+            </a:p>
+          </p:txBody>
+        </p:sp>
+        <p:sp>
+          <p:nvSpPr>
+            <p:cNvPr id="24" name="立方体 23"/>
+            <p:cNvSpPr/>
+            <p:nvPr/>
+          </p:nvSpPr>
+          <p:spPr>
+            <a:xfrm>
+              <a:off x="2894291" y="2131381"/>
+              <a:ext cx="756171" cy="423646"/>
+            </a:xfrm>
+            <a:prstGeom prst="cube">
+              <a:avLst/>
+            </a:prstGeom>
+            <a:solidFill>
+              <a:schemeClr val="accent5">
+                <a:lumMod val="40000"/>
+                <a:lumOff val="60000"/>
+              </a:schemeClr>
+            </a:solidFill>
+            <a:ln w="3175">
+              <a:noFill/>
+            </a:ln>
+          </p:spPr>
+          <p:style>
+            <a:lnRef idx="2">
+              <a:schemeClr val="accent1">
+                <a:shade val="50000"/>
+              </a:schemeClr>
+            </a:lnRef>
+            <a:fillRef idx="1">
+              <a:schemeClr val="accent1"/>
+            </a:fillRef>
+            <a:effectRef idx="0">
+              <a:schemeClr val="accent1"/>
+            </a:effectRef>
+            <a:fontRef idx="minor">
+              <a:schemeClr val="lt1"/>
+            </a:fontRef>
+          </p:style>
+          <p:txBody>
+            <a:bodyPr rtlCol="0" anchor="ctr"/>
+            <a:lstStyle/>
+            <a:p>
+              <a:pPr algn="ctr"/>
+              <a:r>
+                <a:rPr lang="en-US" altLang="zh-CN" sz="1200" dirty="0" err="1">
+                  <a:solidFill>
+                    <a:schemeClr val="tx1"/>
+                  </a:solidFill>
+                </a:rPr>
+                <a:t>smtp</a:t>
+              </a:r>
+              <a:endParaRPr lang="zh-CN" altLang="en-US" sz="1200" dirty="0">
+                <a:solidFill>
+                  <a:schemeClr val="tx1"/>
+                </a:solidFill>
+              </a:endParaRPr>
+            </a:p>
+          </p:txBody>
+        </p:sp>
+        <p:sp>
+          <p:nvSpPr>
+            <p:cNvPr id="25" name="立方体 24"/>
+            <p:cNvSpPr/>
+            <p:nvPr/>
+          </p:nvSpPr>
+          <p:spPr>
+            <a:xfrm>
+              <a:off x="3654394" y="2131381"/>
+              <a:ext cx="756171" cy="423646"/>
+            </a:xfrm>
+            <a:prstGeom prst="cube">
+              <a:avLst/>
+            </a:prstGeom>
+            <a:solidFill>
+              <a:schemeClr val="accent5">
+                <a:lumMod val="40000"/>
+                <a:lumOff val="60000"/>
+              </a:schemeClr>
+            </a:solidFill>
+            <a:ln w="3175">
+              <a:noFill/>
+            </a:ln>
+          </p:spPr>
+          <p:style>
+            <a:lnRef idx="2">
+              <a:schemeClr val="accent1">
+                <a:shade val="50000"/>
+              </a:schemeClr>
+            </a:lnRef>
+            <a:fillRef idx="1">
+              <a:schemeClr val="accent1"/>
+            </a:fillRef>
+            <a:effectRef idx="0">
+              <a:schemeClr val="accent1"/>
+            </a:effectRef>
+            <a:fontRef idx="minor">
+              <a:schemeClr val="lt1"/>
+            </a:fontRef>
+          </p:style>
+          <p:txBody>
+            <a:bodyPr rtlCol="0" anchor="ctr"/>
+            <a:lstStyle/>
+            <a:p>
+              <a:pPr algn="ctr"/>
+              <a:r>
+                <a:rPr lang="en-US" altLang="zh-CN" sz="1200" dirty="0" err="1">
+                  <a:solidFill>
+                    <a:schemeClr val="tx1"/>
+                  </a:solidFill>
+                </a:rPr>
+                <a:t>icmp</a:t>
+              </a:r>
+              <a:endParaRPr lang="zh-CN" altLang="en-US" sz="1200" dirty="0">
+                <a:solidFill>
+                  <a:schemeClr val="tx1"/>
+                </a:solidFill>
+              </a:endParaRPr>
+            </a:p>
+          </p:txBody>
+        </p:sp>
+        <p:sp>
+          <p:nvSpPr>
+            <p:cNvPr id="26" name="立方体 25"/>
+            <p:cNvSpPr/>
+            <p:nvPr/>
+          </p:nvSpPr>
+          <p:spPr>
+            <a:xfrm>
+              <a:off x="4420042" y="2131381"/>
+              <a:ext cx="1185812" cy="423646"/>
+            </a:xfrm>
+            <a:prstGeom prst="cube">
+              <a:avLst/>
+            </a:prstGeom>
+            <a:solidFill>
+              <a:schemeClr val="accent5">
+                <a:lumMod val="40000"/>
+                <a:lumOff val="60000"/>
+              </a:schemeClr>
+            </a:solidFill>
+            <a:ln w="3175">
+              <a:noFill/>
+            </a:ln>
+          </p:spPr>
+          <p:style>
+            <a:lnRef idx="2">
+              <a:schemeClr val="accent1">
+                <a:shade val="50000"/>
+              </a:schemeClr>
+            </a:lnRef>
+            <a:fillRef idx="1">
+              <a:schemeClr val="accent1"/>
+            </a:fillRef>
+            <a:effectRef idx="0">
+              <a:schemeClr val="accent1"/>
+            </a:effectRef>
+            <a:fontRef idx="minor">
+              <a:schemeClr val="lt1"/>
+            </a:fontRef>
+          </p:style>
+          <p:txBody>
+            <a:bodyPr rtlCol="0" anchor="ctr"/>
+            <a:lstStyle/>
+            <a:p>
+              <a:pPr algn="ctr"/>
+              <a:r>
+                <a:rPr lang="en-US" altLang="zh-CN" sz="1200" dirty="0" err="1">
+                  <a:solidFill>
+                    <a:schemeClr val="tx1"/>
+                  </a:solidFill>
+                </a:rPr>
+                <a:t>memcache</a:t>
+              </a:r>
+              <a:endParaRPr lang="zh-CN" altLang="en-US" sz="1200" dirty="0">
+                <a:solidFill>
+                  <a:schemeClr val="tx1"/>
+                </a:solidFill>
+              </a:endParaRPr>
+            </a:p>
+          </p:txBody>
+        </p:sp>
+        <p:sp>
+          <p:nvSpPr>
+            <p:cNvPr id="27" name="立方体 26"/>
+            <p:cNvSpPr/>
+            <p:nvPr/>
+          </p:nvSpPr>
+          <p:spPr>
+            <a:xfrm>
+              <a:off x="5605854" y="2131381"/>
+              <a:ext cx="719532" cy="423646"/>
+            </a:xfrm>
+            <a:prstGeom prst="cube">
+              <a:avLst/>
+            </a:prstGeom>
+            <a:solidFill>
+              <a:schemeClr val="accent5">
+                <a:lumMod val="40000"/>
+                <a:lumOff val="60000"/>
+              </a:schemeClr>
+            </a:solidFill>
+            <a:ln w="3175">
+              <a:noFill/>
+            </a:ln>
+          </p:spPr>
+          <p:style>
+            <a:lnRef idx="2">
+              <a:schemeClr val="accent1">
+                <a:shade val="50000"/>
+              </a:schemeClr>
+            </a:lnRef>
+            <a:fillRef idx="1">
+              <a:schemeClr val="accent1"/>
+            </a:fillRef>
+            <a:effectRef idx="0">
+              <a:schemeClr val="accent1"/>
+            </a:effectRef>
+            <a:fontRef idx="minor">
+              <a:schemeClr val="lt1"/>
+            </a:fontRef>
+          </p:style>
+          <p:txBody>
+            <a:bodyPr rtlCol="0" anchor="ctr"/>
+            <a:lstStyle/>
+            <a:p>
+              <a:pPr algn="ctr"/>
+              <a:r>
+                <a:rPr lang="en-US" altLang="zh-CN" sz="1200" dirty="0" err="1">
+                  <a:solidFill>
+                    <a:schemeClr val="tx1"/>
+                  </a:solidFill>
+                </a:rPr>
+                <a:t>redis</a:t>
+              </a:r>
+              <a:endParaRPr lang="zh-CN" altLang="en-US" sz="1200" dirty="0">
+                <a:solidFill>
+                  <a:schemeClr val="tx1"/>
+                </a:solidFill>
+              </a:endParaRPr>
+            </a:p>
+          </p:txBody>
+        </p:sp>
+        <p:sp>
+          <p:nvSpPr>
+            <p:cNvPr id="28" name="立方体 27"/>
+            <p:cNvSpPr/>
+            <p:nvPr/>
+          </p:nvSpPr>
+          <p:spPr>
+            <a:xfrm>
+              <a:off x="7204445" y="2131300"/>
+              <a:ext cx="1117814" cy="423646"/>
+            </a:xfrm>
+            <a:prstGeom prst="cube">
+              <a:avLst/>
+            </a:prstGeom>
+            <a:solidFill>
+              <a:schemeClr val="accent5">
+                <a:lumMod val="40000"/>
+                <a:lumOff val="60000"/>
+              </a:schemeClr>
+            </a:solidFill>
+            <a:ln w="3175">
+              <a:noFill/>
+            </a:ln>
+          </p:spPr>
+          <p:style>
+            <a:lnRef idx="2">
+              <a:schemeClr val="accent1">
+                <a:shade val="50000"/>
+              </a:schemeClr>
+            </a:lnRef>
+            <a:fillRef idx="1">
+              <a:schemeClr val="accent1"/>
+            </a:fillRef>
+            <a:effectRef idx="0">
+              <a:schemeClr val="accent1"/>
+            </a:effectRef>
+            <a:fontRef idx="minor">
+              <a:schemeClr val="lt1"/>
+            </a:fontRef>
+          </p:style>
+          <p:txBody>
+            <a:bodyPr rtlCol="0" anchor="ctr"/>
+            <a:lstStyle/>
+            <a:p>
+              <a:pPr algn="ctr"/>
+              <a:r>
+                <a:rPr lang="en-US" altLang="zh-CN" sz="1200" dirty="0">
+                  <a:solidFill>
+                    <a:schemeClr val="tx1"/>
+                  </a:solidFill>
+                </a:rPr>
+                <a:t>beanstalk</a:t>
+              </a:r>
+              <a:endParaRPr lang="zh-CN" altLang="en-US" sz="1200" dirty="0">
+                <a:solidFill>
+                  <a:schemeClr val="tx1"/>
+                </a:solidFill>
+              </a:endParaRPr>
+            </a:p>
+          </p:txBody>
+        </p:sp>
+        <p:sp>
+          <p:nvSpPr>
+            <p:cNvPr id="29" name="立方体 28"/>
+            <p:cNvSpPr/>
+            <p:nvPr/>
+          </p:nvSpPr>
+          <p:spPr>
+            <a:xfrm>
+              <a:off x="8329009" y="2131300"/>
+              <a:ext cx="851172" cy="423646"/>
+            </a:xfrm>
+            <a:prstGeom prst="cube">
+              <a:avLst/>
+            </a:prstGeom>
+            <a:solidFill>
+              <a:schemeClr val="accent5">
+                <a:lumMod val="40000"/>
+                <a:lumOff val="60000"/>
+              </a:schemeClr>
+            </a:solidFill>
+            <a:ln w="3175">
+              <a:noFill/>
+            </a:ln>
+          </p:spPr>
+          <p:style>
+            <a:lnRef idx="2">
+              <a:schemeClr val="accent1">
+                <a:shade val="50000"/>
+              </a:schemeClr>
+            </a:lnRef>
+            <a:fillRef idx="1">
+              <a:schemeClr val="accent1"/>
+            </a:fillRef>
+            <a:effectRef idx="0">
+              <a:schemeClr val="accent1"/>
+            </a:effectRef>
+            <a:fontRef idx="minor">
+              <a:schemeClr val="lt1"/>
+            </a:fontRef>
+          </p:style>
+          <p:txBody>
+            <a:bodyPr rtlCol="0" anchor="ctr"/>
+            <a:lstStyle/>
+            <a:p>
+              <a:pPr algn="ctr"/>
+              <a:r>
+                <a:rPr lang="en-US" altLang="zh-CN" sz="1200" dirty="0" err="1">
+                  <a:solidFill>
+                    <a:schemeClr val="tx1"/>
+                  </a:solidFill>
+                </a:rPr>
+                <a:t>mysql</a:t>
+              </a:r>
+              <a:endParaRPr lang="zh-CN" altLang="en-US" sz="1200" dirty="0">
+                <a:solidFill>
+                  <a:schemeClr val="tx1"/>
+                </a:solidFill>
+              </a:endParaRPr>
+            </a:p>
+          </p:txBody>
+        </p:sp>
+        <p:sp>
+          <p:nvSpPr>
+            <p:cNvPr id="30" name="立方体 29"/>
+            <p:cNvSpPr/>
+            <p:nvPr/>
+          </p:nvSpPr>
+          <p:spPr>
+            <a:xfrm>
+              <a:off x="9791634" y="2942016"/>
+              <a:ext cx="672303" cy="433094"/>
             </a:xfrm>
             <a:prstGeom prst="cube">
               <a:avLst/>
@@ -3381,12 +4434,12 @@
             <a:p>
               <a:pPr algn="ctr"/>
               <a:r>
-                <a:rPr lang="en-US" altLang="zh-CN" sz="1200" dirty="0" err="1" smtClean="0">
+                <a:rPr lang="en-US" altLang="zh-CN" sz="1200" dirty="0" err="1">
                   <a:solidFill>
                     <a:schemeClr val="tx1"/>
                   </a:solidFill>
                 </a:rPr>
-                <a:t>TPoll</a:t>
+                <a:t>json</a:t>
               </a:r>
               <a:endParaRPr lang="zh-CN" altLang="en-US" sz="1200" dirty="0">
                 <a:solidFill>
@@ -3398,600 +4451,14 @@
         </p:sp>
         <p:sp>
           <p:nvSpPr>
-            <p:cNvPr id="12" name="立方体 11"/>
+            <p:cNvPr id="31" name="立方体 30"/>
             <p:cNvSpPr/>
             <p:nvPr/>
           </p:nvSpPr>
           <p:spPr>
             <a:xfrm>
-              <a:off x="3602105" y="2976895"/>
-              <a:ext cx="868142" cy="288032"/>
-            </a:xfrm>
-            <a:prstGeom prst="cube">
-              <a:avLst/>
-            </a:prstGeom>
-            <a:solidFill>
-              <a:srgbClr val="95F3EF"/>
-            </a:solidFill>
-            <a:ln w="3175">
-              <a:noFill/>
-            </a:ln>
-          </p:spPr>
-          <p:style>
-            <a:lnRef idx="2">
-              <a:schemeClr val="accent1">
-                <a:shade val="50000"/>
-              </a:schemeClr>
-            </a:lnRef>
-            <a:fillRef idx="1">
-              <a:schemeClr val="accent1"/>
-            </a:fillRef>
-            <a:effectRef idx="0">
-              <a:schemeClr val="accent1"/>
-            </a:effectRef>
-            <a:fontRef idx="minor">
-              <a:schemeClr val="lt1"/>
-            </a:fontRef>
-          </p:style>
-          <p:txBody>
-            <a:bodyPr rtlCol="0" anchor="ctr"/>
-            <a:lstStyle/>
-            <a:p>
-              <a:pPr algn="ctr"/>
-              <a:r>
-                <a:rPr lang="en-US" altLang="zh-CN" sz="1200" dirty="0" smtClean="0">
-                  <a:solidFill>
-                    <a:schemeClr val="tx1"/>
-                  </a:solidFill>
-                </a:rPr>
-                <a:t>configure</a:t>
-              </a:r>
-              <a:endParaRPr lang="zh-CN" altLang="en-US" sz="1200" dirty="0">
-                <a:solidFill>
-                  <a:schemeClr val="tx1"/>
-                </a:solidFill>
-              </a:endParaRPr>
-            </a:p>
-          </p:txBody>
-        </p:sp>
-        <p:sp>
-          <p:nvSpPr>
-            <p:cNvPr id="13" name="立方体 12"/>
-            <p:cNvSpPr/>
-            <p:nvPr/>
-          </p:nvSpPr>
-          <p:spPr>
-            <a:xfrm>
-              <a:off x="2078465" y="2481296"/>
-              <a:ext cx="3047280" cy="288032"/>
-            </a:xfrm>
-            <a:prstGeom prst="cube">
-              <a:avLst/>
-            </a:prstGeom>
-            <a:solidFill>
-              <a:srgbClr val="92D050"/>
-            </a:solidFill>
-            <a:ln w="3175">
-              <a:noFill/>
-            </a:ln>
-          </p:spPr>
-          <p:style>
-            <a:lnRef idx="2">
-              <a:schemeClr val="accent1">
-                <a:shade val="50000"/>
-              </a:schemeClr>
-            </a:lnRef>
-            <a:fillRef idx="1">
-              <a:schemeClr val="accent1"/>
-            </a:fillRef>
-            <a:effectRef idx="0">
-              <a:schemeClr val="accent1"/>
-            </a:effectRef>
-            <a:fontRef idx="minor">
-              <a:schemeClr val="lt1"/>
-            </a:fontRef>
-          </p:style>
-          <p:txBody>
-            <a:bodyPr rtlCol="0" anchor="ctr"/>
-            <a:lstStyle/>
-            <a:p>
-              <a:pPr algn="ctr"/>
-              <a:r>
-                <a:rPr lang="en-US" altLang="zh-CN" sz="1200" dirty="0" smtClean="0">
-                  <a:solidFill>
-                    <a:schemeClr val="tx1"/>
-                  </a:solidFill>
-                </a:rPr>
-                <a:t>events(select/poll/</a:t>
-              </a:r>
-              <a:r>
-                <a:rPr lang="en-US" altLang="zh-CN" sz="1200" dirty="0" err="1" smtClean="0">
-                  <a:solidFill>
-                    <a:schemeClr val="tx1"/>
-                  </a:solidFill>
-                </a:rPr>
-                <a:t>epoll</a:t>
-              </a:r>
-              <a:r>
-                <a:rPr lang="en-US" altLang="zh-CN" sz="1200" dirty="0" smtClean="0">
-                  <a:solidFill>
-                    <a:schemeClr val="tx1"/>
-                  </a:solidFill>
-                </a:rPr>
-                <a:t>/</a:t>
-              </a:r>
-              <a:r>
-                <a:rPr lang="en-US" altLang="zh-CN" sz="1200" dirty="0" err="1" smtClean="0">
-                  <a:solidFill>
-                    <a:schemeClr val="tx1"/>
-                  </a:solidFill>
-                </a:rPr>
-                <a:t>kqueue</a:t>
-              </a:r>
-              <a:r>
-                <a:rPr lang="en-US" altLang="zh-CN" sz="1200" dirty="0" smtClean="0">
-                  <a:solidFill>
-                    <a:schemeClr val="tx1"/>
-                  </a:solidFill>
-                </a:rPr>
-                <a:t>/</a:t>
-              </a:r>
-              <a:r>
-                <a:rPr lang="en-US" altLang="zh-CN" sz="1200" dirty="0" err="1" smtClean="0">
-                  <a:solidFill>
-                    <a:schemeClr val="tx1"/>
-                  </a:solidFill>
-                </a:rPr>
-                <a:t>iocp</a:t>
-              </a:r>
-              <a:r>
-                <a:rPr lang="en-US" altLang="zh-CN" sz="1200" dirty="0" smtClean="0">
-                  <a:solidFill>
-                    <a:schemeClr val="tx1"/>
-                  </a:solidFill>
-                </a:rPr>
-                <a:t>/</a:t>
-              </a:r>
-              <a:r>
-                <a:rPr lang="en-US" altLang="zh-CN" sz="1200" dirty="0" err="1" smtClean="0">
-                  <a:solidFill>
-                    <a:schemeClr val="tx1"/>
-                  </a:solidFill>
-                </a:rPr>
-                <a:t>wmsg</a:t>
-              </a:r>
-              <a:r>
-                <a:rPr lang="en-US" altLang="zh-CN" sz="1200" dirty="0" smtClean="0">
-                  <a:solidFill>
-                    <a:schemeClr val="tx1"/>
-                  </a:solidFill>
-                </a:rPr>
-                <a:t>)</a:t>
-              </a:r>
-              <a:endParaRPr lang="zh-CN" altLang="en-US" sz="1200" dirty="0">
-                <a:solidFill>
-                  <a:schemeClr val="tx1"/>
-                </a:solidFill>
-              </a:endParaRPr>
-            </a:p>
-          </p:txBody>
-        </p:sp>
-        <p:sp>
-          <p:nvSpPr>
-            <p:cNvPr id="14" name="立方体 13"/>
-            <p:cNvSpPr/>
-            <p:nvPr/>
-          </p:nvSpPr>
-          <p:spPr>
-            <a:xfrm>
-              <a:off x="5853574" y="2976895"/>
-              <a:ext cx="570472" cy="288032"/>
-            </a:xfrm>
-            <a:prstGeom prst="cube">
-              <a:avLst/>
-            </a:prstGeom>
-            <a:solidFill>
-              <a:srgbClr val="95F3EF"/>
-            </a:solidFill>
-            <a:ln w="3175">
-              <a:noFill/>
-            </a:ln>
-          </p:spPr>
-          <p:style>
-            <a:lnRef idx="2">
-              <a:schemeClr val="accent1">
-                <a:shade val="50000"/>
-              </a:schemeClr>
-            </a:lnRef>
-            <a:fillRef idx="1">
-              <a:schemeClr val="accent1"/>
-            </a:fillRef>
-            <a:effectRef idx="0">
-              <a:schemeClr val="accent1"/>
-            </a:effectRef>
-            <a:fontRef idx="minor">
-              <a:schemeClr val="lt1"/>
-            </a:fontRef>
-          </p:style>
-          <p:txBody>
-            <a:bodyPr rtlCol="0" anchor="ctr"/>
-            <a:lstStyle/>
-            <a:p>
-              <a:pPr algn="ctr"/>
-              <a:r>
-                <a:rPr lang="en-US" altLang="zh-CN" sz="1200" dirty="0" smtClean="0">
-                  <a:solidFill>
-                    <a:schemeClr val="tx1"/>
-                  </a:solidFill>
-                </a:rPr>
-                <a:t>fiber</a:t>
-              </a:r>
-              <a:endParaRPr lang="zh-CN" altLang="en-US" sz="1200" dirty="0">
-                <a:solidFill>
-                  <a:schemeClr val="tx1"/>
-                </a:solidFill>
-              </a:endParaRPr>
-            </a:p>
-          </p:txBody>
-        </p:sp>
-        <p:sp>
-          <p:nvSpPr>
-            <p:cNvPr id="15" name="立方体 14"/>
-            <p:cNvSpPr/>
-            <p:nvPr/>
-          </p:nvSpPr>
-          <p:spPr>
-            <a:xfrm>
-              <a:off x="1513489" y="1491630"/>
-              <a:ext cx="885350" cy="288032"/>
-            </a:xfrm>
-            <a:prstGeom prst="cube">
-              <a:avLst/>
-            </a:prstGeom>
-            <a:solidFill>
-              <a:srgbClr val="FFC000"/>
-            </a:solidFill>
-            <a:ln w="3175">
-              <a:noFill/>
-            </a:ln>
-          </p:spPr>
-          <p:style>
-            <a:lnRef idx="2">
-              <a:schemeClr val="accent1">
-                <a:shade val="50000"/>
-              </a:schemeClr>
-            </a:lnRef>
-            <a:fillRef idx="1">
-              <a:schemeClr val="accent1"/>
-            </a:fillRef>
-            <a:effectRef idx="0">
-              <a:schemeClr val="accent1"/>
-            </a:effectRef>
-            <a:fontRef idx="minor">
-              <a:schemeClr val="lt1"/>
-            </a:fontRef>
-          </p:style>
-          <p:txBody>
-            <a:bodyPr rtlCol="0" anchor="ctr"/>
-            <a:lstStyle/>
-            <a:p>
-              <a:pPr algn="ctr"/>
-              <a:r>
-                <a:rPr lang="en-US" altLang="zh-CN" sz="1200" dirty="0" smtClean="0">
-                  <a:solidFill>
-                    <a:schemeClr val="tx1"/>
-                  </a:solidFill>
-                </a:rPr>
-                <a:t>Processes</a:t>
-              </a:r>
-              <a:endParaRPr lang="zh-CN" altLang="en-US" sz="1200" dirty="0">
-                <a:solidFill>
-                  <a:schemeClr val="tx1"/>
-                </a:solidFill>
-              </a:endParaRPr>
-            </a:p>
-          </p:txBody>
-        </p:sp>
-        <p:sp>
-          <p:nvSpPr>
-            <p:cNvPr id="16" name="立方体 15"/>
-            <p:cNvSpPr/>
-            <p:nvPr/>
-          </p:nvSpPr>
-          <p:spPr>
-            <a:xfrm>
-              <a:off x="2464632" y="1491630"/>
-              <a:ext cx="753172" cy="288032"/>
-            </a:xfrm>
-            <a:prstGeom prst="cube">
-              <a:avLst/>
-            </a:prstGeom>
-            <a:solidFill>
-              <a:srgbClr val="FFC000"/>
-            </a:solidFill>
-            <a:ln w="3175">
-              <a:noFill/>
-            </a:ln>
-          </p:spPr>
-          <p:style>
-            <a:lnRef idx="2">
-              <a:schemeClr val="accent1">
-                <a:shade val="50000"/>
-              </a:schemeClr>
-            </a:lnRef>
-            <a:fillRef idx="1">
-              <a:schemeClr val="accent1"/>
-            </a:fillRef>
-            <a:effectRef idx="0">
-              <a:schemeClr val="accent1"/>
-            </a:effectRef>
-            <a:fontRef idx="minor">
-              <a:schemeClr val="lt1"/>
-            </a:fontRef>
-          </p:style>
-          <p:txBody>
-            <a:bodyPr rtlCol="0" anchor="ctr"/>
-            <a:lstStyle/>
-            <a:p>
-              <a:pPr algn="ctr"/>
-              <a:r>
-                <a:rPr lang="en-US" altLang="zh-CN" sz="1200" dirty="0" smtClean="0">
-                  <a:solidFill>
-                    <a:schemeClr val="tx1"/>
-                  </a:solidFill>
-                </a:rPr>
-                <a:t>Threads</a:t>
-              </a:r>
-              <a:endParaRPr lang="zh-CN" altLang="en-US" sz="1200" dirty="0">
-                <a:solidFill>
-                  <a:schemeClr val="tx1"/>
-                </a:solidFill>
-              </a:endParaRPr>
-            </a:p>
-          </p:txBody>
-        </p:sp>
-        <p:sp>
-          <p:nvSpPr>
-            <p:cNvPr id="17" name="立方体 16"/>
-            <p:cNvSpPr/>
-            <p:nvPr/>
-          </p:nvSpPr>
-          <p:spPr>
-            <a:xfrm>
-              <a:off x="4933283" y="1491630"/>
-              <a:ext cx="753172" cy="288032"/>
-            </a:xfrm>
-            <a:prstGeom prst="cube">
-              <a:avLst/>
-            </a:prstGeom>
-            <a:solidFill>
-              <a:srgbClr val="FFC000"/>
-            </a:solidFill>
-            <a:ln w="3175">
-              <a:noFill/>
-            </a:ln>
-          </p:spPr>
-          <p:style>
-            <a:lnRef idx="2">
-              <a:schemeClr val="accent1">
-                <a:shade val="50000"/>
-              </a:schemeClr>
-            </a:lnRef>
-            <a:fillRef idx="1">
-              <a:schemeClr val="accent1"/>
-            </a:fillRef>
-            <a:effectRef idx="0">
-              <a:schemeClr val="accent1"/>
-            </a:effectRef>
-            <a:fontRef idx="minor">
-              <a:schemeClr val="lt1"/>
-            </a:fontRef>
-          </p:style>
-          <p:txBody>
-            <a:bodyPr rtlCol="0" anchor="ctr"/>
-            <a:lstStyle/>
-            <a:p>
-              <a:pPr algn="ctr"/>
-              <a:r>
-                <a:rPr lang="en-US" altLang="zh-CN" sz="1200" dirty="0" err="1" smtClean="0">
-                  <a:solidFill>
-                    <a:schemeClr val="tx1"/>
-                  </a:solidFill>
-                </a:rPr>
-                <a:t>Aio</a:t>
-              </a:r>
-              <a:endParaRPr lang="zh-CN" altLang="en-US" sz="1200" dirty="0">
-                <a:solidFill>
-                  <a:schemeClr val="tx1"/>
-                </a:solidFill>
-              </a:endParaRPr>
-            </a:p>
-          </p:txBody>
-        </p:sp>
-        <p:sp>
-          <p:nvSpPr>
-            <p:cNvPr id="18" name="立方体 17"/>
-            <p:cNvSpPr/>
-            <p:nvPr/>
-          </p:nvSpPr>
-          <p:spPr>
-            <a:xfrm>
-              <a:off x="3288111" y="1499812"/>
-              <a:ext cx="753172" cy="288032"/>
-            </a:xfrm>
-            <a:prstGeom prst="cube">
-              <a:avLst/>
-            </a:prstGeom>
-            <a:solidFill>
-              <a:srgbClr val="FFC000"/>
-            </a:solidFill>
-            <a:ln w="3175">
-              <a:noFill/>
-            </a:ln>
-          </p:spPr>
-          <p:style>
-            <a:lnRef idx="2">
-              <a:schemeClr val="accent1">
-                <a:shade val="50000"/>
-              </a:schemeClr>
-            </a:lnRef>
-            <a:fillRef idx="1">
-              <a:schemeClr val="accent1"/>
-            </a:fillRef>
-            <a:effectRef idx="0">
-              <a:schemeClr val="accent1"/>
-            </a:effectRef>
-            <a:fontRef idx="minor">
-              <a:schemeClr val="lt1"/>
-            </a:fontRef>
-          </p:style>
-          <p:txBody>
-            <a:bodyPr rtlCol="0" anchor="ctr"/>
-            <a:lstStyle/>
-            <a:p>
-              <a:pPr algn="ctr"/>
-              <a:r>
-                <a:rPr lang="en-US" altLang="zh-CN" sz="1200" dirty="0" smtClean="0">
-                  <a:solidFill>
-                    <a:schemeClr val="tx1"/>
-                  </a:solidFill>
-                </a:rPr>
-                <a:t>Fibers</a:t>
-              </a:r>
-              <a:endParaRPr lang="zh-CN" altLang="en-US" sz="1200" dirty="0">
-                <a:solidFill>
-                  <a:schemeClr val="tx1"/>
-                </a:solidFill>
-              </a:endParaRPr>
-            </a:p>
-          </p:txBody>
-        </p:sp>
-        <p:sp>
-          <p:nvSpPr>
-            <p:cNvPr id="19" name="立方体 18"/>
-            <p:cNvSpPr/>
-            <p:nvPr/>
-          </p:nvSpPr>
-          <p:spPr>
-            <a:xfrm>
-              <a:off x="5755766" y="1494036"/>
-              <a:ext cx="753172" cy="288032"/>
-            </a:xfrm>
-            <a:prstGeom prst="cube">
-              <a:avLst/>
-            </a:prstGeom>
-            <a:solidFill>
-              <a:srgbClr val="FFC000"/>
-            </a:solidFill>
-            <a:ln w="3175">
-              <a:noFill/>
-            </a:ln>
-          </p:spPr>
-          <p:style>
-            <a:lnRef idx="2">
-              <a:schemeClr val="accent1">
-                <a:shade val="50000"/>
-              </a:schemeClr>
-            </a:lnRef>
-            <a:fillRef idx="1">
-              <a:schemeClr val="accent1"/>
-            </a:fillRef>
-            <a:effectRef idx="0">
-              <a:schemeClr val="accent1"/>
-            </a:effectRef>
-            <a:fontRef idx="minor">
-              <a:schemeClr val="lt1"/>
-            </a:fontRef>
-          </p:style>
-          <p:txBody>
-            <a:bodyPr rtlCol="0" anchor="ctr"/>
-            <a:lstStyle/>
-            <a:p>
-              <a:pPr algn="ctr"/>
-              <a:r>
-                <a:rPr lang="en-US" altLang="zh-CN" sz="1200" dirty="0" err="1" smtClean="0">
-                  <a:solidFill>
-                    <a:schemeClr val="tx1"/>
-                  </a:solidFill>
-                </a:rPr>
-                <a:t>Udp</a:t>
-              </a:r>
-              <a:endParaRPr lang="zh-CN" altLang="en-US" sz="1200" dirty="0">
-                <a:solidFill>
-                  <a:schemeClr val="tx1"/>
-                </a:solidFill>
-              </a:endParaRPr>
-            </a:p>
-          </p:txBody>
-        </p:sp>
-        <p:sp>
-          <p:nvSpPr>
-            <p:cNvPr id="20" name="立方体 19"/>
-            <p:cNvSpPr/>
-            <p:nvPr/>
-          </p:nvSpPr>
-          <p:spPr>
-            <a:xfrm>
-              <a:off x="4110594" y="1499812"/>
-              <a:ext cx="753172" cy="288032"/>
-            </a:xfrm>
-            <a:prstGeom prst="cube">
-              <a:avLst/>
-            </a:prstGeom>
-            <a:solidFill>
-              <a:srgbClr val="FFC000"/>
-            </a:solidFill>
-            <a:ln w="3175">
-              <a:noFill/>
-            </a:ln>
-          </p:spPr>
-          <p:style>
-            <a:lnRef idx="2">
-              <a:schemeClr val="accent1">
-                <a:shade val="50000"/>
-              </a:schemeClr>
-            </a:lnRef>
-            <a:fillRef idx="1">
-              <a:schemeClr val="accent1"/>
-            </a:fillRef>
-            <a:effectRef idx="0">
-              <a:schemeClr val="accent1"/>
-            </a:effectRef>
-            <a:fontRef idx="minor">
-              <a:schemeClr val="lt1"/>
-            </a:fontRef>
-          </p:style>
-          <p:txBody>
-            <a:bodyPr rtlCol="0" anchor="ctr"/>
-            <a:lstStyle/>
-            <a:p>
-              <a:pPr algn="ctr"/>
-              <a:r>
-                <a:rPr lang="en-US" altLang="zh-CN" sz="1200" dirty="0" smtClean="0">
-                  <a:solidFill>
-                    <a:schemeClr val="tx1"/>
-                  </a:solidFill>
-                </a:rPr>
-                <a:t>Triggers</a:t>
-              </a:r>
-              <a:endParaRPr lang="zh-CN" altLang="en-US" sz="1200" dirty="0">
-                <a:solidFill>
-                  <a:schemeClr val="tx1"/>
-                </a:solidFill>
-              </a:endParaRPr>
-            </a:p>
-          </p:txBody>
-        </p:sp>
-        <p:sp>
-          <p:nvSpPr>
-            <p:cNvPr id="21" name="立方体 20"/>
-            <p:cNvSpPr/>
-            <p:nvPr/>
-          </p:nvSpPr>
-          <p:spPr>
-            <a:xfrm>
-              <a:off x="5323226" y="3455998"/>
-              <a:ext cx="746875" cy="288032"/>
+              <a:off x="9791634" y="3441740"/>
+              <a:ext cx="645132" cy="433094"/>
             </a:xfrm>
             <a:prstGeom prst="cube">
               <a:avLst/>
@@ -4028,12 +4495,12 @@
             <a:p>
               <a:pPr algn="ctr"/>
               <a:r>
-                <a:rPr lang="en-US" altLang="zh-CN" sz="1200" dirty="0" err="1" smtClean="0">
+                <a:rPr lang="en-US" altLang="zh-CN" sz="1200" dirty="0">
                   <a:solidFill>
                     <a:schemeClr val="tx1"/>
                   </a:solidFill>
                 </a:rPr>
-                <a:t>TQueue</a:t>
+                <a:t>xml</a:t>
               </a:r>
               <a:endParaRPr lang="zh-CN" altLang="en-US" sz="1200" dirty="0">
                 <a:solidFill>
@@ -4045,499 +4512,14 @@
         </p:sp>
         <p:sp>
           <p:nvSpPr>
-            <p:cNvPr id="22" name="立方体 21"/>
+            <p:cNvPr id="32" name="立方体 31"/>
             <p:cNvSpPr/>
             <p:nvPr/>
           </p:nvSpPr>
           <p:spPr>
             <a:xfrm>
-              <a:off x="6070101" y="2476821"/>
-              <a:ext cx="512392" cy="288032"/>
-            </a:xfrm>
-            <a:prstGeom prst="cube">
-              <a:avLst/>
-            </a:prstGeom>
-            <a:solidFill>
-              <a:srgbClr val="92D050"/>
-            </a:solidFill>
-            <a:ln w="3175">
-              <a:noFill/>
-            </a:ln>
-          </p:spPr>
-          <p:style>
-            <a:lnRef idx="2">
-              <a:schemeClr val="accent1">
-                <a:shade val="50000"/>
-              </a:schemeClr>
-            </a:lnRef>
-            <a:fillRef idx="1">
-              <a:schemeClr val="accent1"/>
-            </a:fillRef>
-            <a:effectRef idx="0">
-              <a:schemeClr val="accent1"/>
-            </a:effectRef>
-            <a:fontRef idx="minor">
-              <a:schemeClr val="lt1"/>
-            </a:fontRef>
-          </p:style>
-          <p:txBody>
-            <a:bodyPr rtlCol="0" anchor="ctr"/>
-            <a:lstStyle/>
-            <a:p>
-              <a:pPr algn="ctr"/>
-              <a:r>
-                <a:rPr lang="en-US" altLang="zh-CN" sz="1200" dirty="0" err="1" smtClean="0">
-                  <a:solidFill>
-                    <a:schemeClr val="tx1"/>
-                  </a:solidFill>
-                </a:rPr>
-                <a:t>aio</a:t>
-              </a:r>
-              <a:endParaRPr lang="zh-CN" altLang="en-US" sz="1200" dirty="0">
-                <a:solidFill>
-                  <a:schemeClr val="tx1"/>
-                </a:solidFill>
-              </a:endParaRPr>
-            </a:p>
-          </p:txBody>
-        </p:sp>
-        <p:sp>
-          <p:nvSpPr>
-            <p:cNvPr id="23" name="立方体 22"/>
-            <p:cNvSpPr/>
-            <p:nvPr/>
-          </p:nvSpPr>
-          <p:spPr>
-            <a:xfrm>
-              <a:off x="1513489" y="1997266"/>
-              <a:ext cx="596781" cy="288032"/>
-            </a:xfrm>
-            <a:prstGeom prst="cube">
-              <a:avLst/>
-            </a:prstGeom>
-            <a:solidFill>
-              <a:schemeClr val="accent5">
-                <a:lumMod val="40000"/>
-                <a:lumOff val="60000"/>
-              </a:schemeClr>
-            </a:solidFill>
-            <a:ln w="3175">
-              <a:noFill/>
-            </a:ln>
-          </p:spPr>
-          <p:style>
-            <a:lnRef idx="2">
-              <a:schemeClr val="accent1">
-                <a:shade val="50000"/>
-              </a:schemeClr>
-            </a:lnRef>
-            <a:fillRef idx="1">
-              <a:schemeClr val="accent1"/>
-            </a:fillRef>
-            <a:effectRef idx="0">
-              <a:schemeClr val="accent1"/>
-            </a:effectRef>
-            <a:fontRef idx="minor">
-              <a:schemeClr val="lt1"/>
-            </a:fontRef>
-          </p:style>
-          <p:txBody>
-            <a:bodyPr rtlCol="0" anchor="ctr"/>
-            <a:lstStyle/>
-            <a:p>
-              <a:pPr algn="ctr"/>
-              <a:r>
-                <a:rPr lang="en-US" altLang="zh-CN" sz="1200" dirty="0" smtClean="0">
-                  <a:solidFill>
-                    <a:schemeClr val="tx1"/>
-                  </a:solidFill>
-                </a:rPr>
-                <a:t>http</a:t>
-              </a:r>
-              <a:endParaRPr lang="zh-CN" altLang="en-US" sz="1200" dirty="0">
-                <a:solidFill>
-                  <a:schemeClr val="tx1"/>
-                </a:solidFill>
-              </a:endParaRPr>
-            </a:p>
-          </p:txBody>
-        </p:sp>
-        <p:sp>
-          <p:nvSpPr>
-            <p:cNvPr id="24" name="立方体 23"/>
-            <p:cNvSpPr/>
-            <p:nvPr/>
-          </p:nvSpPr>
-          <p:spPr>
-            <a:xfrm>
-              <a:off x="2115448" y="1989061"/>
-              <a:ext cx="596781" cy="288032"/>
-            </a:xfrm>
-            <a:prstGeom prst="cube">
-              <a:avLst/>
-            </a:prstGeom>
-            <a:solidFill>
-              <a:schemeClr val="accent5">
-                <a:lumMod val="40000"/>
-                <a:lumOff val="60000"/>
-              </a:schemeClr>
-            </a:solidFill>
-            <a:ln w="3175">
-              <a:noFill/>
-            </a:ln>
-          </p:spPr>
-          <p:style>
-            <a:lnRef idx="2">
-              <a:schemeClr val="accent1">
-                <a:shade val="50000"/>
-              </a:schemeClr>
-            </a:lnRef>
-            <a:fillRef idx="1">
-              <a:schemeClr val="accent1"/>
-            </a:fillRef>
-            <a:effectRef idx="0">
-              <a:schemeClr val="accent1"/>
-            </a:effectRef>
-            <a:fontRef idx="minor">
-              <a:schemeClr val="lt1"/>
-            </a:fontRef>
-          </p:style>
-          <p:txBody>
-            <a:bodyPr rtlCol="0" anchor="ctr"/>
-            <a:lstStyle/>
-            <a:p>
-              <a:pPr algn="ctr"/>
-              <a:r>
-                <a:rPr lang="en-US" altLang="zh-CN" sz="1200" dirty="0" err="1" smtClean="0">
-                  <a:solidFill>
-                    <a:schemeClr val="tx1"/>
-                  </a:solidFill>
-                </a:rPr>
-                <a:t>smtp</a:t>
-              </a:r>
-              <a:endParaRPr lang="zh-CN" altLang="en-US" sz="1200" dirty="0">
-                <a:solidFill>
-                  <a:schemeClr val="tx1"/>
-                </a:solidFill>
-              </a:endParaRPr>
-            </a:p>
-          </p:txBody>
-        </p:sp>
-        <p:sp>
-          <p:nvSpPr>
-            <p:cNvPr id="25" name="立方体 24"/>
-            <p:cNvSpPr/>
-            <p:nvPr/>
-          </p:nvSpPr>
-          <p:spPr>
-            <a:xfrm>
-              <a:off x="2715332" y="1989061"/>
-              <a:ext cx="596781" cy="288032"/>
-            </a:xfrm>
-            <a:prstGeom prst="cube">
-              <a:avLst/>
-            </a:prstGeom>
-            <a:solidFill>
-              <a:schemeClr val="accent5">
-                <a:lumMod val="40000"/>
-                <a:lumOff val="60000"/>
-              </a:schemeClr>
-            </a:solidFill>
-            <a:ln w="3175">
-              <a:noFill/>
-            </a:ln>
-          </p:spPr>
-          <p:style>
-            <a:lnRef idx="2">
-              <a:schemeClr val="accent1">
-                <a:shade val="50000"/>
-              </a:schemeClr>
-            </a:lnRef>
-            <a:fillRef idx="1">
-              <a:schemeClr val="accent1"/>
-            </a:fillRef>
-            <a:effectRef idx="0">
-              <a:schemeClr val="accent1"/>
-            </a:effectRef>
-            <a:fontRef idx="minor">
-              <a:schemeClr val="lt1"/>
-            </a:fontRef>
-          </p:style>
-          <p:txBody>
-            <a:bodyPr rtlCol="0" anchor="ctr"/>
-            <a:lstStyle/>
-            <a:p>
-              <a:pPr algn="ctr"/>
-              <a:r>
-                <a:rPr lang="en-US" altLang="zh-CN" sz="1200" dirty="0" err="1" smtClean="0">
-                  <a:solidFill>
-                    <a:schemeClr val="tx1"/>
-                  </a:solidFill>
-                </a:rPr>
-                <a:t>icmp</a:t>
-              </a:r>
-              <a:endParaRPr lang="zh-CN" altLang="en-US" sz="1200" dirty="0">
-                <a:solidFill>
-                  <a:schemeClr val="tx1"/>
-                </a:solidFill>
-              </a:endParaRPr>
-            </a:p>
-          </p:txBody>
-        </p:sp>
-        <p:sp>
-          <p:nvSpPr>
-            <p:cNvPr id="26" name="立方体 25"/>
-            <p:cNvSpPr/>
-            <p:nvPr/>
-          </p:nvSpPr>
-          <p:spPr>
-            <a:xfrm>
-              <a:off x="3319592" y="1989061"/>
-              <a:ext cx="935860" cy="288032"/>
-            </a:xfrm>
-            <a:prstGeom prst="cube">
-              <a:avLst/>
-            </a:prstGeom>
-            <a:solidFill>
-              <a:schemeClr val="accent5">
-                <a:lumMod val="40000"/>
-                <a:lumOff val="60000"/>
-              </a:schemeClr>
-            </a:solidFill>
-            <a:ln w="3175">
-              <a:noFill/>
-            </a:ln>
-          </p:spPr>
-          <p:style>
-            <a:lnRef idx="2">
-              <a:schemeClr val="accent1">
-                <a:shade val="50000"/>
-              </a:schemeClr>
-            </a:lnRef>
-            <a:fillRef idx="1">
-              <a:schemeClr val="accent1"/>
-            </a:fillRef>
-            <a:effectRef idx="0">
-              <a:schemeClr val="accent1"/>
-            </a:effectRef>
-            <a:fontRef idx="minor">
-              <a:schemeClr val="lt1"/>
-            </a:fontRef>
-          </p:style>
-          <p:txBody>
-            <a:bodyPr rtlCol="0" anchor="ctr"/>
-            <a:lstStyle/>
-            <a:p>
-              <a:pPr algn="ctr"/>
-              <a:r>
-                <a:rPr lang="en-US" altLang="zh-CN" sz="1200" dirty="0" err="1" smtClean="0">
-                  <a:solidFill>
-                    <a:schemeClr val="tx1"/>
-                  </a:solidFill>
-                </a:rPr>
-                <a:t>memcache</a:t>
-              </a:r>
-              <a:endParaRPr lang="zh-CN" altLang="en-US" sz="1200" dirty="0">
-                <a:solidFill>
-                  <a:schemeClr val="tx1"/>
-                </a:solidFill>
-              </a:endParaRPr>
-            </a:p>
-          </p:txBody>
-        </p:sp>
-        <p:sp>
-          <p:nvSpPr>
-            <p:cNvPr id="27" name="立方体 26"/>
-            <p:cNvSpPr/>
-            <p:nvPr/>
-          </p:nvSpPr>
-          <p:spPr>
-            <a:xfrm>
-              <a:off x="4255452" y="1989061"/>
-              <a:ext cx="567865" cy="288032"/>
-            </a:xfrm>
-            <a:prstGeom prst="cube">
-              <a:avLst/>
-            </a:prstGeom>
-            <a:solidFill>
-              <a:schemeClr val="accent5">
-                <a:lumMod val="40000"/>
-                <a:lumOff val="60000"/>
-              </a:schemeClr>
-            </a:solidFill>
-            <a:ln w="3175">
-              <a:noFill/>
-            </a:ln>
-          </p:spPr>
-          <p:style>
-            <a:lnRef idx="2">
-              <a:schemeClr val="accent1">
-                <a:shade val="50000"/>
-              </a:schemeClr>
-            </a:lnRef>
-            <a:fillRef idx="1">
-              <a:schemeClr val="accent1"/>
-            </a:fillRef>
-            <a:effectRef idx="0">
-              <a:schemeClr val="accent1"/>
-            </a:effectRef>
-            <a:fontRef idx="minor">
-              <a:schemeClr val="lt1"/>
-            </a:fontRef>
-          </p:style>
-          <p:txBody>
-            <a:bodyPr rtlCol="0" anchor="ctr"/>
-            <a:lstStyle/>
-            <a:p>
-              <a:pPr algn="ctr"/>
-              <a:r>
-                <a:rPr lang="en-US" altLang="zh-CN" sz="1200" dirty="0" err="1" smtClean="0">
-                  <a:solidFill>
-                    <a:schemeClr val="tx1"/>
-                  </a:solidFill>
-                </a:rPr>
-                <a:t>redis</a:t>
-              </a:r>
-              <a:endParaRPr lang="zh-CN" altLang="en-US" sz="1200" dirty="0">
-                <a:solidFill>
-                  <a:schemeClr val="tx1"/>
-                </a:solidFill>
-              </a:endParaRPr>
-            </a:p>
-          </p:txBody>
-        </p:sp>
-        <p:sp>
-          <p:nvSpPr>
-            <p:cNvPr id="28" name="立方体 27"/>
-            <p:cNvSpPr/>
-            <p:nvPr/>
-          </p:nvSpPr>
-          <p:spPr>
-            <a:xfrm>
-              <a:off x="4832923" y="1989006"/>
-              <a:ext cx="882195" cy="288032"/>
-            </a:xfrm>
-            <a:prstGeom prst="cube">
-              <a:avLst/>
-            </a:prstGeom>
-            <a:solidFill>
-              <a:schemeClr val="accent5">
-                <a:lumMod val="40000"/>
-                <a:lumOff val="60000"/>
-              </a:schemeClr>
-            </a:solidFill>
-            <a:ln w="3175">
-              <a:noFill/>
-            </a:ln>
-          </p:spPr>
-          <p:style>
-            <a:lnRef idx="2">
-              <a:schemeClr val="accent1">
-                <a:shade val="50000"/>
-              </a:schemeClr>
-            </a:lnRef>
-            <a:fillRef idx="1">
-              <a:schemeClr val="accent1"/>
-            </a:fillRef>
-            <a:effectRef idx="0">
-              <a:schemeClr val="accent1"/>
-            </a:effectRef>
-            <a:fontRef idx="minor">
-              <a:schemeClr val="lt1"/>
-            </a:fontRef>
-          </p:style>
-          <p:txBody>
-            <a:bodyPr rtlCol="0" anchor="ctr"/>
-            <a:lstStyle/>
-            <a:p>
-              <a:pPr algn="ctr"/>
-              <a:r>
-                <a:rPr lang="en-US" altLang="zh-CN" sz="1200" dirty="0" smtClean="0">
-                  <a:solidFill>
-                    <a:schemeClr val="tx1"/>
-                  </a:solidFill>
-                </a:rPr>
-                <a:t>beanstalk</a:t>
-              </a:r>
-              <a:endParaRPr lang="zh-CN" altLang="en-US" sz="1200" dirty="0">
-                <a:solidFill>
-                  <a:schemeClr val="tx1"/>
-                </a:solidFill>
-              </a:endParaRPr>
-            </a:p>
-          </p:txBody>
-        </p:sp>
-        <p:sp>
-          <p:nvSpPr>
-            <p:cNvPr id="29" name="立方体 28"/>
-            <p:cNvSpPr/>
-            <p:nvPr/>
-          </p:nvSpPr>
-          <p:spPr>
-            <a:xfrm>
-              <a:off x="5720445" y="1989006"/>
-              <a:ext cx="671757" cy="288032"/>
-            </a:xfrm>
-            <a:prstGeom prst="cube">
-              <a:avLst/>
-            </a:prstGeom>
-            <a:solidFill>
-              <a:schemeClr val="accent5">
-                <a:lumMod val="40000"/>
-                <a:lumOff val="60000"/>
-              </a:schemeClr>
-            </a:solidFill>
-            <a:ln w="3175">
-              <a:noFill/>
-            </a:ln>
-          </p:spPr>
-          <p:style>
-            <a:lnRef idx="2">
-              <a:schemeClr val="accent1">
-                <a:shade val="50000"/>
-              </a:schemeClr>
-            </a:lnRef>
-            <a:fillRef idx="1">
-              <a:schemeClr val="accent1"/>
-            </a:fillRef>
-            <a:effectRef idx="0">
-              <a:schemeClr val="accent1"/>
-            </a:effectRef>
-            <a:fontRef idx="minor">
-              <a:schemeClr val="lt1"/>
-            </a:fontRef>
-          </p:style>
-          <p:txBody>
-            <a:bodyPr rtlCol="0" anchor="ctr"/>
-            <a:lstStyle/>
-            <a:p>
-              <a:pPr algn="ctr"/>
-              <a:r>
-                <a:rPr lang="en-US" altLang="zh-CN" sz="1200" dirty="0" err="1" smtClean="0">
-                  <a:solidFill>
-                    <a:schemeClr val="tx1"/>
-                  </a:solidFill>
-                </a:rPr>
-                <a:t>mysql</a:t>
-              </a:r>
-              <a:endParaRPr lang="zh-CN" altLang="en-US" sz="1200" dirty="0">
-                <a:solidFill>
-                  <a:schemeClr val="tx1"/>
-                </a:solidFill>
-              </a:endParaRPr>
-            </a:p>
-          </p:txBody>
-        </p:sp>
-        <p:sp>
-          <p:nvSpPr>
-            <p:cNvPr id="30" name="立方体 29"/>
-            <p:cNvSpPr/>
-            <p:nvPr/>
-          </p:nvSpPr>
-          <p:spPr>
-            <a:xfrm>
-              <a:off x="7558929" y="2540203"/>
-              <a:ext cx="530591" cy="294456"/>
+              <a:off x="9791634" y="3935708"/>
+              <a:ext cx="839083" cy="433094"/>
             </a:xfrm>
             <a:prstGeom prst="cube">
               <a:avLst/>
@@ -4574,129 +4556,7 @@
             <a:p>
               <a:pPr algn="ctr"/>
               <a:r>
-                <a:rPr lang="en-US" altLang="zh-CN" sz="1200" dirty="0" err="1" smtClean="0">
-                  <a:solidFill>
-                    <a:schemeClr val="tx1"/>
-                  </a:solidFill>
-                </a:rPr>
-                <a:t>json</a:t>
-              </a:r>
-              <a:endParaRPr lang="zh-CN" altLang="en-US" sz="1200" dirty="0">
-                <a:solidFill>
-                  <a:schemeClr val="tx1"/>
-                </a:solidFill>
-              </a:endParaRPr>
-            </a:p>
-          </p:txBody>
-        </p:sp>
-        <p:sp>
-          <p:nvSpPr>
-            <p:cNvPr id="31" name="立方体 30"/>
-            <p:cNvSpPr/>
-            <p:nvPr/>
-          </p:nvSpPr>
-          <p:spPr>
-            <a:xfrm>
-              <a:off x="7558929" y="2879960"/>
-              <a:ext cx="509147" cy="294456"/>
-            </a:xfrm>
-            <a:prstGeom prst="cube">
-              <a:avLst/>
-            </a:prstGeom>
-            <a:solidFill>
-              <a:schemeClr val="accent6">
-                <a:lumMod val="20000"/>
-                <a:lumOff val="80000"/>
-              </a:schemeClr>
-            </a:solidFill>
-            <a:ln w="3175">
-              <a:noFill/>
-            </a:ln>
-          </p:spPr>
-          <p:style>
-            <a:lnRef idx="2">
-              <a:schemeClr val="accent1">
-                <a:shade val="50000"/>
-              </a:schemeClr>
-            </a:lnRef>
-            <a:fillRef idx="1">
-              <a:schemeClr val="accent1"/>
-            </a:fillRef>
-            <a:effectRef idx="0">
-              <a:schemeClr val="accent1"/>
-            </a:effectRef>
-            <a:fontRef idx="minor">
-              <a:schemeClr val="lt1"/>
-            </a:fontRef>
-          </p:style>
-          <p:txBody>
-            <a:bodyPr rtlCol="0" anchor="ctr"/>
-            <a:lstStyle/>
-            <a:p>
-              <a:pPr algn="ctr"/>
-              <a:r>
-                <a:rPr lang="en-US" altLang="zh-CN" sz="1200" dirty="0" smtClean="0">
-                  <a:solidFill>
-                    <a:schemeClr val="tx1"/>
-                  </a:solidFill>
-                </a:rPr>
-                <a:t>xml</a:t>
-              </a:r>
-              <a:endParaRPr lang="zh-CN" altLang="en-US" sz="1200" dirty="0">
-                <a:solidFill>
-                  <a:schemeClr val="tx1"/>
-                </a:solidFill>
-              </a:endParaRPr>
-            </a:p>
-          </p:txBody>
-        </p:sp>
-        <p:sp>
-          <p:nvSpPr>
-            <p:cNvPr id="32" name="立方体 31"/>
-            <p:cNvSpPr/>
-            <p:nvPr/>
-          </p:nvSpPr>
-          <p:spPr>
-            <a:xfrm>
-              <a:off x="7558929" y="3215803"/>
-              <a:ext cx="662216" cy="294456"/>
-            </a:xfrm>
-            <a:prstGeom prst="cube">
-              <a:avLst/>
-            </a:prstGeom>
-            <a:solidFill>
-              <a:schemeClr val="accent6">
-                <a:lumMod val="20000"/>
-                <a:lumOff val="80000"/>
-              </a:schemeClr>
-            </a:solidFill>
-            <a:ln w="3175">
-              <a:noFill/>
-            </a:ln>
-          </p:spPr>
-          <p:style>
-            <a:lnRef idx="2">
-              <a:schemeClr val="accent1">
-                <a:shade val="50000"/>
-              </a:schemeClr>
-            </a:lnRef>
-            <a:fillRef idx="1">
-              <a:schemeClr val="accent1"/>
-            </a:fillRef>
-            <a:effectRef idx="0">
-              <a:schemeClr val="accent1"/>
-            </a:effectRef>
-            <a:fontRef idx="minor">
-              <a:schemeClr val="lt1"/>
-            </a:fontRef>
-          </p:style>
-          <p:txBody>
-            <a:bodyPr rtlCol="0" anchor="ctr"/>
-            <a:lstStyle/>
-            <a:p>
-              <a:pPr algn="ctr"/>
-              <a:r>
-                <a:rPr lang="en-US" altLang="zh-CN" sz="1200" dirty="0" smtClean="0">
+                <a:rPr lang="en-US" altLang="zh-CN" sz="1200" dirty="0">
                   <a:solidFill>
                     <a:schemeClr val="tx1"/>
                   </a:solidFill>
@@ -4715,15 +4575,15 @@
           <p:nvCxnSpPr>
             <p:cNvPr id="33" name="直接箭头连接符 32"/>
             <p:cNvCxnSpPr>
+              <a:cxnSpLocks/>
               <a:stCxn id="10" idx="3"/>
-              <a:endCxn id="11" idx="0"/>
             </p:cNvCxnSpPr>
             <p:nvPr/>
           </p:nvCxnSpPr>
           <p:spPr>
             <a:xfrm flipH="1">
-              <a:off x="4989188" y="3264927"/>
-              <a:ext cx="365596" cy="204374"/>
+              <a:off x="6535558" y="4007961"/>
+              <a:ext cx="463241" cy="300599"/>
             </a:xfrm>
             <a:prstGeom prst="straightConnector1">
               <a:avLst/>
@@ -4752,15 +4612,15 @@
           <p:nvCxnSpPr>
             <p:cNvPr id="34" name="直接箭头连接符 33"/>
             <p:cNvCxnSpPr>
+              <a:cxnSpLocks/>
               <a:stCxn id="10" idx="3"/>
-              <a:endCxn id="21" idx="0"/>
             </p:cNvCxnSpPr>
             <p:nvPr/>
           </p:nvCxnSpPr>
           <p:spPr>
             <a:xfrm>
-              <a:off x="5354784" y="3264927"/>
-              <a:ext cx="377884" cy="191071"/>
+              <a:off x="6998799" y="4007961"/>
+              <a:ext cx="478810" cy="281033"/>
             </a:xfrm>
             <a:prstGeom prst="straightConnector1">
               <a:avLst/>
@@ -4793,8 +4653,8 @@
           </p:nvSpPr>
           <p:spPr>
             <a:xfrm>
-              <a:off x="6591164" y="2986738"/>
-              <a:ext cx="622447" cy="288032"/>
+              <a:off x="8565395" y="3598792"/>
+              <a:ext cx="788692" cy="423646"/>
             </a:xfrm>
             <a:prstGeom prst="cube">
               <a:avLst/>
@@ -4828,7 +4688,7 @@
             <a:p>
               <a:pPr algn="ctr"/>
               <a:r>
-                <a:rPr lang="en-US" altLang="zh-CN" sz="1200" dirty="0" smtClean="0">
+                <a:rPr lang="en-US" altLang="zh-CN" sz="1200" dirty="0">
                   <a:solidFill>
                     <a:schemeClr val="tx1"/>
                   </a:solidFill>
@@ -4851,8 +4711,8 @@
           </p:nvSpPr>
           <p:spPr>
             <a:xfrm>
-              <a:off x="8370307" y="3559719"/>
-              <a:ext cx="503702" cy="294456"/>
+              <a:off x="10819717" y="4441549"/>
+              <a:ext cx="638232" cy="433094"/>
             </a:xfrm>
             <a:prstGeom prst="cube">
               <a:avLst/>
@@ -4889,7 +4749,7 @@
             <a:p>
               <a:pPr algn="ctr"/>
               <a:r>
-                <a:rPr lang="en-US" altLang="zh-CN" sz="1200" dirty="0" err="1" smtClean="0">
+                <a:rPr lang="en-US" altLang="zh-CN" sz="1200" dirty="0" err="1">
                   <a:solidFill>
                     <a:schemeClr val="tx1"/>
                   </a:solidFill>
@@ -4912,8 +4772,8 @@
           </p:nvSpPr>
           <p:spPr>
             <a:xfrm>
-              <a:off x="7544531" y="3898557"/>
-              <a:ext cx="1343985" cy="294456"/>
+              <a:off x="9773390" y="4939921"/>
+              <a:ext cx="1702941" cy="433094"/>
             </a:xfrm>
             <a:prstGeom prst="cube">
               <a:avLst/>
@@ -4950,7 +4810,7 @@
             <a:p>
               <a:pPr algn="ctr"/>
               <a:r>
-                <a:rPr lang="en-US" altLang="zh-CN" sz="1200" dirty="0" smtClean="0">
+                <a:rPr lang="en-US" altLang="zh-CN" sz="1200" dirty="0">
                   <a:solidFill>
                     <a:schemeClr val="tx1"/>
                   </a:solidFill>
@@ -4973,8 +4833,8 @@
           </p:nvSpPr>
           <p:spPr>
             <a:xfrm>
-              <a:off x="8148760" y="2540203"/>
-              <a:ext cx="739755" cy="294456"/>
+              <a:off x="10538999" y="2942016"/>
+              <a:ext cx="937331" cy="433094"/>
             </a:xfrm>
             <a:prstGeom prst="cube">
               <a:avLst/>
@@ -5011,7 +4871,7 @@
             <a:p>
               <a:pPr algn="ctr"/>
               <a:r>
-                <a:rPr lang="en-US" altLang="zh-CN" sz="1200" dirty="0" smtClean="0">
+                <a:rPr lang="en-US" altLang="zh-CN" sz="1200" dirty="0">
                   <a:solidFill>
                     <a:schemeClr val="tx1"/>
                   </a:solidFill>
@@ -5034,8 +4894,8 @@
           </p:nvSpPr>
           <p:spPr>
             <a:xfrm>
-              <a:off x="8134251" y="2873411"/>
-              <a:ext cx="754266" cy="294456"/>
+              <a:off x="10520614" y="3432108"/>
+              <a:ext cx="955718" cy="433094"/>
             </a:xfrm>
             <a:prstGeom prst="cube">
               <a:avLst/>
@@ -5072,7 +4932,7 @@
             <a:p>
               <a:pPr algn="ctr"/>
               <a:r>
-                <a:rPr lang="en-US" altLang="zh-CN" sz="1200" dirty="0" err="1" smtClean="0">
+                <a:rPr lang="en-US" altLang="zh-CN" sz="1200" dirty="0" err="1">
                   <a:solidFill>
                     <a:schemeClr val="tx1"/>
                   </a:solidFill>
@@ -5095,8 +4955,8 @@
           </p:nvSpPr>
           <p:spPr>
             <a:xfrm>
-              <a:off x="7558929" y="3556165"/>
-              <a:ext cx="754266" cy="294456"/>
+              <a:off x="9791634" y="4436322"/>
+              <a:ext cx="955718" cy="433094"/>
             </a:xfrm>
             <a:prstGeom prst="cube">
               <a:avLst/>
@@ -5133,7 +4993,7 @@
             <a:p>
               <a:pPr algn="ctr"/>
               <a:r>
-                <a:rPr lang="en-US" altLang="zh-CN" sz="1200" dirty="0" smtClean="0">
+                <a:rPr lang="en-US" altLang="zh-CN" sz="1200" dirty="0">
                   <a:solidFill>
                     <a:schemeClr val="tx1"/>
                   </a:solidFill>
@@ -5156,8 +5016,8 @@
           </p:nvSpPr>
           <p:spPr>
             <a:xfrm>
-              <a:off x="8259532" y="3215803"/>
-              <a:ext cx="628983" cy="294456"/>
+              <a:off x="10679356" y="3935708"/>
+              <a:ext cx="796974" cy="433094"/>
             </a:xfrm>
             <a:prstGeom prst="cube">
               <a:avLst/>
@@ -5194,7 +5054,7 @@
             <a:p>
               <a:pPr algn="ctr"/>
               <a:r>
-                <a:rPr lang="en-US" altLang="zh-CN" sz="1200" dirty="0" smtClean="0">
+                <a:rPr lang="en-US" altLang="zh-CN" sz="1200" dirty="0">
                   <a:solidFill>
                     <a:schemeClr val="tx1"/>
                   </a:solidFill>
@@ -5217,8 +5077,8 @@
           </p:nvSpPr>
           <p:spPr>
             <a:xfrm>
-              <a:off x="7483083" y="2438276"/>
-              <a:ext cx="1481964" cy="1805247"/>
+              <a:off x="9695530" y="2792099"/>
+              <a:ext cx="1877772" cy="2655208"/>
             </a:xfrm>
             <a:prstGeom prst="rect">
               <a:avLst/>
@@ -5265,8 +5125,8 @@
           </p:nvSpPr>
           <p:spPr>
             <a:xfrm>
-              <a:off x="1052430" y="2989568"/>
-              <a:ext cx="288032" cy="275359"/>
+              <a:off x="1547359" y="3602955"/>
+              <a:ext cx="364960" cy="405006"/>
             </a:xfrm>
             <a:prstGeom prst="leftBrace">
               <a:avLst/>
@@ -5308,8 +5168,8 @@
           </p:nvSpPr>
           <p:spPr>
             <a:xfrm>
-              <a:off x="323528" y="2976895"/>
-              <a:ext cx="778477" cy="276999"/>
+              <a:off x="623780" y="3584315"/>
+              <a:ext cx="986395" cy="407418"/>
             </a:xfrm>
             <a:prstGeom prst="rect">
               <a:avLst/>
@@ -5323,10 +5183,9 @@
             <a:lstStyle/>
             <a:p>
               <a:r>
-                <a:rPr lang="zh-CN" altLang="en-US" sz="1200" b="1" dirty="0" smtClean="0"/>
+                <a:rPr lang="zh-CN" altLang="en-US" sz="1200" b="1" dirty="0"/>
                 <a:t>基础层</a:t>
               </a:r>
-              <a:endParaRPr lang="zh-CN" altLang="en-US" sz="1200" b="1" dirty="0"/>
             </a:p>
           </p:txBody>
         </p:sp>
@@ -5338,8 +5197,8 @@
           </p:nvSpPr>
           <p:spPr>
             <a:xfrm>
-              <a:off x="323527" y="2487854"/>
-              <a:ext cx="778477" cy="276999"/>
+              <a:off x="623778" y="2865020"/>
+              <a:ext cx="986395" cy="407418"/>
             </a:xfrm>
             <a:prstGeom prst="rect">
               <a:avLst/>
@@ -5353,10 +5212,9 @@
             <a:lstStyle/>
             <a:p>
               <a:r>
-                <a:rPr lang="zh-CN" altLang="en-US" sz="1200" b="1" dirty="0" smtClean="0"/>
+                <a:rPr lang="zh-CN" altLang="en-US" sz="1200" b="1" dirty="0"/>
                 <a:t>通信层</a:t>
               </a:r>
-              <a:endParaRPr lang="zh-CN" altLang="en-US" sz="1200" b="1" dirty="0"/>
             </a:p>
           </p:txBody>
         </p:sp>
@@ -5368,8 +5226,8 @@
           </p:nvSpPr>
           <p:spPr>
             <a:xfrm>
-              <a:off x="337000" y="1983948"/>
-              <a:ext cx="778477" cy="276999"/>
+              <a:off x="640850" y="2123861"/>
+              <a:ext cx="986395" cy="407418"/>
             </a:xfrm>
             <a:prstGeom prst="rect">
               <a:avLst/>
@@ -5383,10 +5241,9 @@
             <a:lstStyle/>
             <a:p>
               <a:r>
-                <a:rPr lang="zh-CN" altLang="en-US" sz="1200" b="1" dirty="0" smtClean="0"/>
+                <a:rPr lang="zh-CN" altLang="en-US" sz="1200" b="1" dirty="0"/>
                 <a:t>协议层</a:t>
               </a:r>
-              <a:endParaRPr lang="zh-CN" altLang="en-US" sz="1200" b="1" dirty="0"/>
             </a:p>
           </p:txBody>
         </p:sp>
@@ -5398,8 +5255,8 @@
           </p:nvSpPr>
           <p:spPr>
             <a:xfrm>
-              <a:off x="337568" y="1502663"/>
-              <a:ext cx="778477" cy="276999"/>
+              <a:off x="641569" y="1415973"/>
+              <a:ext cx="986395" cy="407418"/>
             </a:xfrm>
             <a:prstGeom prst="rect">
               <a:avLst/>
@@ -5413,10 +5270,9 @@
             <a:lstStyle/>
             <a:p>
               <a:r>
-                <a:rPr lang="zh-CN" altLang="en-US" sz="1200" b="1" dirty="0" smtClean="0"/>
+                <a:rPr lang="zh-CN" altLang="en-US" sz="1200" b="1" dirty="0"/>
                 <a:t>服务层</a:t>
               </a:r>
-              <a:endParaRPr lang="zh-CN" altLang="en-US" sz="1200" b="1" dirty="0"/>
             </a:p>
           </p:txBody>
         </p:sp>
@@ -5428,8 +5284,8 @@
           </p:nvSpPr>
           <p:spPr>
             <a:xfrm>
-              <a:off x="1043608" y="2508283"/>
-              <a:ext cx="288032" cy="275359"/>
+              <a:off x="1536181" y="2895067"/>
+              <a:ext cx="364960" cy="405006"/>
             </a:xfrm>
             <a:prstGeom prst="leftBrace">
               <a:avLst/>
@@ -5471,8 +5327,8 @@
           </p:nvSpPr>
           <p:spPr>
             <a:xfrm>
-              <a:off x="1052430" y="1497966"/>
-              <a:ext cx="288032" cy="275359"/>
+              <a:off x="1547359" y="1409065"/>
+              <a:ext cx="364960" cy="405006"/>
             </a:xfrm>
             <a:prstGeom prst="leftBrace">
               <a:avLst/>
@@ -5514,8 +5370,8 @@
           </p:nvSpPr>
           <p:spPr>
             <a:xfrm>
-              <a:off x="1038256" y="2027672"/>
-              <a:ext cx="288032" cy="275359"/>
+              <a:off x="1529399" y="2188171"/>
+              <a:ext cx="364960" cy="405006"/>
             </a:xfrm>
             <a:prstGeom prst="leftBrace">
               <a:avLst/>
@@ -5557,8 +5413,8 @@
           </p:nvSpPr>
           <p:spPr>
             <a:xfrm>
-              <a:off x="6676629" y="2476504"/>
-              <a:ext cx="512392" cy="288032"/>
+              <a:off x="8673686" y="2848326"/>
+              <a:ext cx="649243" cy="423646"/>
             </a:xfrm>
             <a:prstGeom prst="cube">
               <a:avLst/>
@@ -5592,7 +5448,7 @@
             <a:p>
               <a:pPr algn="ctr"/>
               <a:r>
-                <a:rPr lang="en-US" altLang="zh-CN" sz="1200" dirty="0" err="1" smtClean="0">
+                <a:rPr lang="en-US" altLang="zh-CN" sz="1200" dirty="0" err="1">
                   <a:solidFill>
                     <a:schemeClr val="tx1"/>
                   </a:solidFill>
@@ -5615,8 +5471,8 @@
           </p:nvSpPr>
           <p:spPr>
             <a:xfrm>
-              <a:off x="1450419" y="1938026"/>
-              <a:ext cx="6639101" cy="390102"/>
+              <a:off x="2051644" y="2056317"/>
+              <a:ext cx="9289291" cy="573773"/>
             </a:xfrm>
             <a:prstGeom prst="rect">
               <a:avLst/>
@@ -5663,8 +5519,8 @@
           </p:nvSpPr>
           <p:spPr>
             <a:xfrm>
-              <a:off x="1450418" y="2442777"/>
-              <a:ext cx="5817843" cy="390102"/>
+              <a:off x="2051643" y="2798719"/>
+              <a:ext cx="7371690" cy="573773"/>
             </a:xfrm>
             <a:prstGeom prst="rect">
               <a:avLst/>
@@ -5711,8 +5567,8 @@
           </p:nvSpPr>
           <p:spPr>
             <a:xfrm>
-              <a:off x="1447696" y="2926808"/>
-              <a:ext cx="5820566" cy="390102"/>
+              <a:off x="2048194" y="3510646"/>
+              <a:ext cx="7375141" cy="573773"/>
             </a:xfrm>
             <a:prstGeom prst="rect">
               <a:avLst/>
@@ -5759,8 +5615,8 @@
           </p:nvSpPr>
           <p:spPr>
             <a:xfrm>
-              <a:off x="1447696" y="1446111"/>
-              <a:ext cx="5134798" cy="390102"/>
+              <a:off x="2048194" y="1332795"/>
+              <a:ext cx="6506216" cy="573773"/>
             </a:xfrm>
             <a:prstGeom prst="rect">
               <a:avLst/>
@@ -5801,62 +5657,14 @@
         </p:sp>
         <p:sp>
           <p:nvSpPr>
-            <p:cNvPr id="56" name="矩形 55"/>
-            <p:cNvSpPr/>
-            <p:nvPr/>
-          </p:nvSpPr>
-          <p:spPr>
-            <a:xfrm>
-              <a:off x="4584137" y="3416525"/>
-              <a:ext cx="1548175" cy="390102"/>
-            </a:xfrm>
-            <a:prstGeom prst="rect">
-              <a:avLst/>
-            </a:prstGeom>
-            <a:noFill/>
-            <a:ln w="6350">
-              <a:prstDash val="dashDot"/>
-            </a:ln>
-          </p:spPr>
-          <p:style>
-            <a:lnRef idx="2">
-              <a:schemeClr val="accent1">
-                <a:shade val="50000"/>
-              </a:schemeClr>
-            </a:lnRef>
-            <a:fillRef idx="1">
-              <a:schemeClr val="accent1"/>
-            </a:fillRef>
-            <a:effectRef idx="0">
-              <a:schemeClr val="accent1"/>
-            </a:effectRef>
-            <a:fontRef idx="minor">
-              <a:schemeClr val="lt1"/>
-            </a:fontRef>
-          </p:style>
-          <p:txBody>
-            <a:bodyPr rtlCol="0" anchor="ctr"/>
-            <a:lstStyle/>
-            <a:p>
-              <a:pPr algn="ctr"/>
-              <a:endParaRPr lang="zh-CN" altLang="en-US">
-                <a:solidFill>
-                  <a:schemeClr val="tx1"/>
-                </a:solidFill>
-              </a:endParaRPr>
-            </a:p>
-          </p:txBody>
-        </p:sp>
-        <p:sp>
-          <p:nvSpPr>
             <p:cNvPr id="57" name="立方体 56"/>
             <p:cNvSpPr/>
             <p:nvPr/>
           </p:nvSpPr>
           <p:spPr>
             <a:xfrm>
-              <a:off x="6804248" y="1489115"/>
-              <a:ext cx="753172" cy="288032"/>
+              <a:off x="8835390" y="1396047"/>
+              <a:ext cx="954331" cy="423646"/>
             </a:xfrm>
             <a:prstGeom prst="cube">
               <a:avLst/>
@@ -5890,7 +5698,7 @@
             <a:p>
               <a:pPr algn="ctr"/>
               <a:r>
-                <a:rPr lang="en-US" altLang="zh-CN" sz="1200" b="1" dirty="0" smtClean="0">
+                <a:rPr lang="en-US" altLang="zh-CN" sz="1200" b="1" dirty="0">
                   <a:solidFill>
                     <a:schemeClr val="tx1"/>
                   </a:solidFill>
@@ -5913,8 +5721,8 @@
           </p:nvSpPr>
           <p:spPr>
             <a:xfrm>
-              <a:off x="6582493" y="1563638"/>
-              <a:ext cx="190521" cy="140194"/>
+              <a:off x="8554408" y="1505657"/>
+              <a:ext cx="241406" cy="206201"/>
             </a:xfrm>
             <a:prstGeom prst="leftArrow">
               <a:avLst/>
@@ -5959,8 +5767,8 @@
           </p:nvSpPr>
           <p:spPr>
             <a:xfrm>
-              <a:off x="1499449" y="1003031"/>
-              <a:ext cx="753172" cy="288032"/>
+              <a:off x="2113769" y="681101"/>
+              <a:ext cx="954331" cy="423646"/>
             </a:xfrm>
             <a:prstGeom prst="cube">
               <a:avLst/>
@@ -5994,7 +5802,7 @@
             <a:p>
               <a:pPr algn="ctr"/>
               <a:r>
-                <a:rPr lang="en-US" altLang="zh-CN" sz="1200" dirty="0" smtClean="0">
+                <a:rPr lang="en-US" altLang="zh-CN" sz="1200" dirty="0">
                   <a:solidFill>
                     <a:schemeClr val="tx1"/>
                   </a:solidFill>
@@ -6017,8 +5825,8 @@
           </p:nvSpPr>
           <p:spPr>
             <a:xfrm>
-              <a:off x="2347907" y="1003031"/>
-              <a:ext cx="753172" cy="288032"/>
+              <a:off x="3188836" y="681101"/>
+              <a:ext cx="954331" cy="423646"/>
             </a:xfrm>
             <a:prstGeom prst="cube">
               <a:avLst/>
@@ -6052,7 +5860,7 @@
             <a:p>
               <a:pPr algn="ctr"/>
               <a:r>
-                <a:rPr lang="en-US" altLang="zh-CN" sz="1200" dirty="0" smtClean="0">
+                <a:rPr lang="en-US" altLang="zh-CN" sz="1200" dirty="0">
                   <a:solidFill>
                     <a:schemeClr val="tx1"/>
                   </a:solidFill>
@@ -6075,8 +5883,8 @@
           </p:nvSpPr>
           <p:spPr>
             <a:xfrm>
-              <a:off x="3196365" y="1003031"/>
-              <a:ext cx="753172" cy="288032"/>
+              <a:off x="4263903" y="681101"/>
+              <a:ext cx="954331" cy="423646"/>
             </a:xfrm>
             <a:prstGeom prst="cube">
               <a:avLst/>
@@ -6110,7 +5918,7 @@
             <a:p>
               <a:pPr algn="ctr"/>
               <a:r>
-                <a:rPr lang="en-US" altLang="zh-CN" sz="1200" dirty="0" smtClean="0">
+                <a:rPr lang="en-US" altLang="zh-CN" sz="1200" dirty="0">
                   <a:solidFill>
                     <a:schemeClr val="tx1"/>
                   </a:solidFill>
@@ -6133,8 +5941,8 @@
           </p:nvSpPr>
           <p:spPr>
             <a:xfrm>
-              <a:off x="4044823" y="1003938"/>
-              <a:ext cx="753172" cy="288032"/>
+              <a:off x="5338969" y="682435"/>
+              <a:ext cx="954331" cy="423646"/>
             </a:xfrm>
             <a:prstGeom prst="cube">
               <a:avLst/>
@@ -6168,7 +5976,7 @@
             <a:p>
               <a:pPr algn="ctr"/>
               <a:r>
-                <a:rPr lang="en-US" altLang="zh-CN" sz="1200" dirty="0" smtClean="0">
+                <a:rPr lang="en-US" altLang="zh-CN" sz="1200" dirty="0">
                   <a:solidFill>
                     <a:schemeClr val="tx1"/>
                   </a:solidFill>
@@ -6191,8 +5999,8 @@
           </p:nvSpPr>
           <p:spPr>
             <a:xfrm>
-              <a:off x="4893255" y="1003031"/>
-              <a:ext cx="753172" cy="288032"/>
+              <a:off x="6414003" y="681101"/>
+              <a:ext cx="954331" cy="423646"/>
             </a:xfrm>
             <a:prstGeom prst="cube">
               <a:avLst/>
@@ -6226,7 +6034,7 @@
             <a:p>
               <a:pPr algn="ctr"/>
               <a:r>
-                <a:rPr lang="en-US" altLang="zh-CN" sz="1200" dirty="0" smtClean="0">
+                <a:rPr lang="en-US" altLang="zh-CN" sz="1200" dirty="0">
                   <a:solidFill>
                     <a:schemeClr val="tx1"/>
                   </a:solidFill>
@@ -6249,8 +6057,8 @@
           </p:nvSpPr>
           <p:spPr>
             <a:xfrm>
-              <a:off x="323526" y="1011880"/>
-              <a:ext cx="778477" cy="276999"/>
+              <a:off x="623777" y="694116"/>
+              <a:ext cx="986395" cy="407418"/>
             </a:xfrm>
             <a:prstGeom prst="rect">
               <a:avLst/>
@@ -6264,10 +6072,9 @@
             <a:lstStyle/>
             <a:p>
               <a:r>
-                <a:rPr lang="zh-CN" altLang="en-US" sz="1200" b="1" dirty="0" smtClean="0"/>
+                <a:rPr lang="zh-CN" altLang="en-US" sz="1200" b="1" dirty="0"/>
                 <a:t>应用层</a:t>
               </a:r>
-              <a:endParaRPr lang="zh-CN" altLang="en-US" sz="1200" b="1" dirty="0"/>
             </a:p>
           </p:txBody>
         </p:sp>
@@ -6279,8 +6086,8 @@
           </p:nvSpPr>
           <p:spPr>
             <a:xfrm>
-              <a:off x="1038390" y="1009367"/>
-              <a:ext cx="288032" cy="275359"/>
+              <a:off x="1529569" y="690420"/>
+              <a:ext cx="364960" cy="405006"/>
             </a:xfrm>
             <a:prstGeom prst="leftBrace">
               <a:avLst/>
@@ -6322,8 +6129,8 @@
           </p:nvSpPr>
           <p:spPr>
             <a:xfrm>
-              <a:off x="1433655" y="957512"/>
-              <a:ext cx="6798536" cy="390102"/>
+              <a:off x="2030403" y="614150"/>
+              <a:ext cx="8614310" cy="573773"/>
             </a:xfrm>
             <a:prstGeom prst="rect">
               <a:avLst/>
@@ -6370,8 +6177,8 @@
           </p:nvSpPr>
           <p:spPr>
             <a:xfrm>
-              <a:off x="5741687" y="1009367"/>
-              <a:ext cx="753172" cy="288032"/>
+              <a:off x="7489037" y="690420"/>
+              <a:ext cx="954331" cy="423646"/>
             </a:xfrm>
             <a:prstGeom prst="cube">
               <a:avLst/>
@@ -6405,7 +6212,7 @@
             <a:p>
               <a:pPr algn="ctr"/>
               <a:r>
-                <a:rPr lang="en-US" altLang="zh-CN" sz="1200" dirty="0" smtClean="0">
+                <a:rPr lang="en-US" altLang="zh-CN" sz="1200" dirty="0">
                   <a:solidFill>
                     <a:schemeClr val="tx1"/>
                   </a:solidFill>
@@ -6428,8 +6235,8 @@
           </p:nvSpPr>
           <p:spPr>
             <a:xfrm>
-              <a:off x="6590119" y="1007198"/>
-              <a:ext cx="753172" cy="288032"/>
+              <a:off x="8564071" y="687230"/>
+              <a:ext cx="954331" cy="423646"/>
             </a:xfrm>
             <a:prstGeom prst="cube">
               <a:avLst/>
@@ -6463,7 +6270,7 @@
             <a:p>
               <a:pPr algn="ctr"/>
               <a:r>
-                <a:rPr lang="en-US" altLang="zh-CN" sz="1200" dirty="0" smtClean="0">
+                <a:rPr lang="en-US" altLang="zh-CN" sz="1200" dirty="0">
                   <a:solidFill>
                     <a:schemeClr val="tx1"/>
                   </a:solidFill>
@@ -6486,8 +6293,8 @@
           </p:nvSpPr>
           <p:spPr>
             <a:xfrm>
-              <a:off x="7438551" y="1003938"/>
-              <a:ext cx="753172" cy="288032"/>
+              <a:off x="9639105" y="682435"/>
+              <a:ext cx="954331" cy="423646"/>
             </a:xfrm>
             <a:prstGeom prst="cube">
               <a:avLst/>
@@ -6521,7 +6328,7 @@
             <a:p>
               <a:pPr algn="ctr"/>
               <a:r>
-                <a:rPr lang="en-US" altLang="zh-CN" sz="1200" dirty="0" smtClean="0">
+                <a:rPr lang="en-US" altLang="zh-CN" sz="1200" dirty="0">
                   <a:solidFill>
                     <a:schemeClr val="tx1"/>
                   </a:solidFill>
@@ -6544,59 +6351,10 @@
           </p:nvSpPr>
           <p:spPr>
             <a:xfrm>
-              <a:off x="7242460" y="3010717"/>
-              <a:ext cx="293415" cy="243177"/>
+              <a:off x="9390641" y="3634061"/>
+              <a:ext cx="371781" cy="357672"/>
             </a:xfrm>
             <a:prstGeom prst="rightArrow">
-              <a:avLst/>
-            </a:prstGeom>
-            <a:solidFill>
-              <a:schemeClr val="accent6">
-                <a:lumMod val="60000"/>
-                <a:lumOff val="40000"/>
-              </a:schemeClr>
-            </a:solidFill>
-            <a:ln>
-              <a:noFill/>
-            </a:ln>
-          </p:spPr>
-          <p:style>
-            <a:lnRef idx="2">
-              <a:schemeClr val="accent1">
-                <a:shade val="50000"/>
-              </a:schemeClr>
-            </a:lnRef>
-            <a:fillRef idx="1">
-              <a:schemeClr val="accent1"/>
-            </a:fillRef>
-            <a:effectRef idx="0">
-              <a:schemeClr val="accent1"/>
-            </a:effectRef>
-            <a:fontRef idx="minor">
-              <a:schemeClr val="lt1"/>
-            </a:fontRef>
-          </p:style>
-          <p:txBody>
-            <a:bodyPr rtlCol="0" anchor="ctr"/>
-            <a:lstStyle/>
-            <a:p>
-              <a:pPr algn="ctr"/>
-              <a:endParaRPr lang="zh-CN" altLang="en-US"/>
-            </a:p>
-          </p:txBody>
-        </p:sp>
-        <p:sp>
-          <p:nvSpPr>
-            <p:cNvPr id="71" name="下箭头 70"/>
-            <p:cNvSpPr/>
-            <p:nvPr/>
-          </p:nvSpPr>
-          <p:spPr>
-            <a:xfrm>
-              <a:off x="5244390" y="3264927"/>
-              <a:ext cx="210749" cy="148798"/>
-            </a:xfrm>
-            <a:prstGeom prst="downArrow">
               <a:avLst/>
             </a:prstGeom>
             <a:solidFill>
@@ -6642,8 +6400,8 @@
           </p:nvSpPr>
           <p:spPr>
             <a:xfrm>
-              <a:off x="1505988" y="3949067"/>
-              <a:ext cx="5683033" cy="294456"/>
+              <a:off x="2122055" y="4372954"/>
+              <a:ext cx="7200875" cy="433094"/>
             </a:xfrm>
             <a:prstGeom prst="cube">
               <a:avLst/>
@@ -6679,7 +6437,7 @@
             <a:p>
               <a:pPr algn="ctr"/>
               <a:r>
-                <a:rPr lang="en-US" altLang="zh-CN" sz="1200" dirty="0" smtClean="0">
+                <a:rPr lang="en-US" altLang="zh-CN" sz="1200" dirty="0">
                   <a:solidFill>
                     <a:schemeClr val="tx1"/>
                   </a:solidFill>
@@ -6702,8 +6460,8 @@
           </p:nvSpPr>
           <p:spPr>
             <a:xfrm>
-              <a:off x="1505988" y="4294768"/>
-              <a:ext cx="617740" cy="288032"/>
+              <a:off x="2122055" y="4881421"/>
+              <a:ext cx="782728" cy="423646"/>
             </a:xfrm>
             <a:prstGeom prst="cube">
               <a:avLst/>
@@ -6740,7 +6498,7 @@
             <a:p>
               <a:pPr algn="ctr"/>
               <a:r>
-                <a:rPr lang="en-US" altLang="zh-CN" sz="1200" dirty="0" smtClean="0">
+                <a:rPr lang="en-US" altLang="zh-CN" sz="1200" dirty="0">
                   <a:solidFill>
                     <a:schemeClr val="tx1"/>
                   </a:solidFill>
@@ -6763,8 +6521,8 @@
           </p:nvSpPr>
           <p:spPr>
             <a:xfrm>
-              <a:off x="2312926" y="4285270"/>
-              <a:ext cx="775221" cy="288032"/>
+              <a:off x="3144512" y="4867451"/>
+              <a:ext cx="982269" cy="423646"/>
             </a:xfrm>
             <a:prstGeom prst="cube">
               <a:avLst/>
@@ -6801,7 +6559,7 @@
             <a:p>
               <a:pPr algn="ctr"/>
               <a:r>
-                <a:rPr lang="en-US" altLang="zh-CN" sz="1200" dirty="0" smtClean="0">
+                <a:rPr lang="en-US" altLang="zh-CN" sz="1200" dirty="0">
                   <a:solidFill>
                     <a:schemeClr val="tx1"/>
                   </a:solidFill>
@@ -6824,8 +6582,8 @@
           </p:nvSpPr>
           <p:spPr>
             <a:xfrm>
-              <a:off x="4255452" y="4294768"/>
-              <a:ext cx="869789" cy="288032"/>
+              <a:off x="5605854" y="4881421"/>
+              <a:ext cx="1102095" cy="423646"/>
             </a:xfrm>
             <a:prstGeom prst="cube">
               <a:avLst/>
@@ -6862,7 +6620,7 @@
             <a:p>
               <a:pPr algn="ctr"/>
               <a:r>
-                <a:rPr lang="en-US" altLang="zh-CN" sz="1200" dirty="0" smtClean="0">
+                <a:rPr lang="en-US" altLang="zh-CN" sz="1200" dirty="0">
                   <a:solidFill>
                     <a:schemeClr val="tx1"/>
                   </a:solidFill>
@@ -6885,8 +6643,8 @@
           </p:nvSpPr>
           <p:spPr>
             <a:xfrm>
-              <a:off x="3295604" y="4285270"/>
-              <a:ext cx="775221" cy="288032"/>
+              <a:off x="4389647" y="4867451"/>
+              <a:ext cx="982269" cy="423646"/>
             </a:xfrm>
             <a:prstGeom prst="cube">
               <a:avLst/>
@@ -6923,7 +6681,7 @@
             <a:p>
               <a:pPr algn="ctr"/>
               <a:r>
-                <a:rPr lang="en-US" altLang="zh-CN" sz="1200" dirty="0" err="1" smtClean="0">
+                <a:rPr lang="en-US" altLang="zh-CN" sz="1200" dirty="0" err="1">
                   <a:solidFill>
                     <a:schemeClr val="tx1"/>
                   </a:solidFill>
@@ -6946,8 +6704,8 @@
           </p:nvSpPr>
           <p:spPr>
             <a:xfrm>
-              <a:off x="5309869" y="4294768"/>
-              <a:ext cx="908096" cy="288032"/>
+              <a:off x="6941888" y="4881421"/>
+              <a:ext cx="1150633" cy="423646"/>
             </a:xfrm>
             <a:prstGeom prst="cube">
               <a:avLst/>
@@ -6984,7 +6742,7 @@
             <a:p>
               <a:pPr algn="ctr"/>
               <a:r>
-                <a:rPr lang="en-US" altLang="zh-CN" sz="1200" dirty="0" smtClean="0">
+                <a:rPr lang="en-US" altLang="zh-CN" sz="1200" dirty="0">
                   <a:solidFill>
                     <a:schemeClr val="tx1"/>
                   </a:solidFill>
@@ -7007,8 +6765,8 @@
           </p:nvSpPr>
           <p:spPr>
             <a:xfrm>
-              <a:off x="6402593" y="4294768"/>
-              <a:ext cx="786429" cy="288032"/>
+              <a:off x="8326460" y="4881421"/>
+              <a:ext cx="996471" cy="423646"/>
             </a:xfrm>
             <a:prstGeom prst="cube">
               <a:avLst/>
@@ -7045,7 +6803,7 @@
             <a:p>
               <a:pPr algn="ctr"/>
               <a:r>
-                <a:rPr lang="en-US" altLang="zh-CN" sz="1200" dirty="0" smtClean="0">
+                <a:rPr lang="en-US" altLang="zh-CN" sz="1200" dirty="0">
                   <a:solidFill>
                     <a:schemeClr val="tx1"/>
                   </a:solidFill>
@@ -7068,8 +6826,8 @@
           </p:nvSpPr>
           <p:spPr>
             <a:xfrm>
-              <a:off x="1450254" y="3863092"/>
-              <a:ext cx="5822811" cy="833843"/>
+              <a:off x="2051435" y="4246499"/>
+              <a:ext cx="7377985" cy="1226440"/>
             </a:xfrm>
             <a:prstGeom prst="rect">
               <a:avLst/>
@@ -7116,8 +6874,8 @@
           </p:nvSpPr>
           <p:spPr>
             <a:xfrm>
-              <a:off x="1040172" y="3949068"/>
-              <a:ext cx="288032" cy="604098"/>
+              <a:off x="1531827" y="4372955"/>
+              <a:ext cx="364960" cy="888524"/>
             </a:xfrm>
             <a:prstGeom prst="leftBrace">
               <a:avLst/>
@@ -7159,8 +6917,8 @@
           </p:nvSpPr>
           <p:spPr>
             <a:xfrm>
-              <a:off x="337000" y="4096295"/>
-              <a:ext cx="778477" cy="276999"/>
+              <a:off x="640850" y="4589501"/>
+              <a:ext cx="986395" cy="407418"/>
             </a:xfrm>
             <a:prstGeom prst="rect">
               <a:avLst/>
@@ -7174,10 +6932,9 @@
             <a:lstStyle/>
             <a:p>
               <a:r>
-                <a:rPr lang="zh-CN" altLang="en-US" sz="1200" b="1" dirty="0" smtClean="0"/>
+                <a:rPr lang="zh-CN" altLang="en-US" sz="1200" b="1" dirty="0"/>
                 <a:t>适配层</a:t>
               </a:r>
-              <a:endParaRPr lang="zh-CN" altLang="en-US" sz="1200" b="1" dirty="0"/>
             </a:p>
           </p:txBody>
         </p:sp>
@@ -7189,8 +6946,8 @@
           </p:nvSpPr>
           <p:spPr>
             <a:xfrm>
-              <a:off x="6402593" y="1997266"/>
-              <a:ext cx="971998" cy="288032"/>
+              <a:off x="9193347" y="2143449"/>
+              <a:ext cx="1231602" cy="423646"/>
             </a:xfrm>
             <a:prstGeom prst="cube">
               <a:avLst/>
@@ -7227,7 +6984,7 @@
             <a:p>
               <a:pPr algn="ctr"/>
               <a:r>
-                <a:rPr lang="en-US" altLang="zh-CN" sz="1200" dirty="0" err="1" smtClean="0">
+                <a:rPr lang="en-US" altLang="zh-CN" sz="1200" dirty="0" err="1">
                   <a:solidFill>
                     <a:schemeClr val="tx1"/>
                   </a:solidFill>
@@ -7250,8 +7007,8 @@
           </p:nvSpPr>
           <p:spPr>
             <a:xfrm>
-              <a:off x="7384982" y="1983948"/>
-              <a:ext cx="634268" cy="288032"/>
+              <a:off x="10438115" y="2123861"/>
+              <a:ext cx="803670" cy="423646"/>
             </a:xfrm>
             <a:prstGeom prst="cube">
               <a:avLst/>
@@ -7288,12 +7045,79 @@
             <a:p>
               <a:pPr algn="ctr"/>
               <a:r>
-                <a:rPr lang="en-US" altLang="zh-CN" sz="1200" dirty="0" err="1" smtClean="0">
+                <a:rPr lang="en-US" altLang="zh-CN" sz="1200" dirty="0" err="1">
                   <a:solidFill>
                     <a:schemeClr val="tx1"/>
                   </a:solidFill>
                 </a:rPr>
                 <a:t>sqlite</a:t>
+              </a:r>
+              <a:endParaRPr lang="zh-CN" altLang="en-US" sz="1200" dirty="0">
+                <a:solidFill>
+                  <a:schemeClr val="tx1"/>
+                </a:solidFill>
+              </a:endParaRPr>
+            </a:p>
+          </p:txBody>
+        </p:sp>
+        <p:sp>
+          <p:nvSpPr>
+            <p:cNvPr id="84" name="立方体 83">
+              <a:extLst>
+                <a:ext uri="{FF2B5EF4-FFF2-40B4-BE49-F238E27FC236}">
+                  <a16:creationId xmlns:a16="http://schemas.microsoft.com/office/drawing/2014/main" id="{958551F2-A828-4D43-802D-47800FA75D83}"/>
+                </a:ext>
+              </a:extLst>
+            </p:cNvPr>
+            <p:cNvSpPr/>
+            <p:nvPr/>
+          </p:nvSpPr>
+          <p:spPr>
+            <a:xfrm>
+              <a:off x="6423613" y="2140821"/>
+              <a:ext cx="719532" cy="423646"/>
+            </a:xfrm>
+            <a:prstGeom prst="cube">
+              <a:avLst/>
+            </a:prstGeom>
+            <a:solidFill>
+              <a:schemeClr val="accent5">
+                <a:lumMod val="40000"/>
+                <a:lumOff val="60000"/>
+              </a:schemeClr>
+            </a:solidFill>
+            <a:ln w="3175">
+              <a:noFill/>
+            </a:ln>
+          </p:spPr>
+          <p:style>
+            <a:lnRef idx="2">
+              <a:schemeClr val="accent1">
+                <a:shade val="50000"/>
+              </a:schemeClr>
+            </a:lnRef>
+            <a:fillRef idx="1">
+              <a:schemeClr val="accent1"/>
+            </a:fillRef>
+            <a:effectRef idx="0">
+              <a:schemeClr val="accent1"/>
+            </a:effectRef>
+            <a:fontRef idx="minor">
+              <a:schemeClr val="lt1"/>
+            </a:fontRef>
+          </p:style>
+          <p:txBody>
+            <a:bodyPr rtlCol="0" anchor="ctr"/>
+            <a:lstStyle/>
+            <a:p>
+              <a:pPr algn="ctr"/>
+              <a:r>
+                <a:rPr lang="en-US" altLang="zh-CN" sz="1200" dirty="0" err="1">
+                  <a:solidFill>
+                    <a:schemeClr val="tx1"/>
+                  </a:solidFill>
+                </a:rPr>
+                <a:t>mqtt</a:t>
               </a:r>
               <a:endParaRPr lang="zh-CN" altLang="en-US" sz="1200" dirty="0">
                 <a:solidFill>
@@ -7377,7 +7201,7 @@
           <a:p>
             <a:pPr algn="ctr"/>
             <a:r>
-              <a:rPr lang="en-US" altLang="zh-CN" sz="1200" dirty="0" smtClean="0">
+              <a:rPr lang="en-US" altLang="zh-CN" sz="1200" dirty="0">
                 <a:solidFill>
                   <a:schemeClr val="tx1"/>
                 </a:solidFill>
@@ -7440,15 +7264,7 @@
                   <a:schemeClr val="tx1"/>
                 </a:solidFill>
               </a:rPr>
-              <a:t>d</a:t>
-            </a:r>
-            <a:r>
-              <a:rPr lang="en-US" altLang="zh-CN" sz="1200" dirty="0" smtClean="0">
-                <a:solidFill>
-                  <a:schemeClr val="tx1"/>
-                </a:solidFill>
-              </a:rPr>
-              <a:t>ata structure</a:t>
+              <a:t>data structure</a:t>
             </a:r>
             <a:endParaRPr lang="zh-CN" altLang="en-US" sz="1200" dirty="0">
               <a:solidFill>
@@ -7501,7 +7317,7 @@
           <a:p>
             <a:pPr algn="ctr"/>
             <a:r>
-              <a:rPr lang="en-US" altLang="zh-CN" sz="1200" dirty="0" smtClean="0">
+              <a:rPr lang="en-US" altLang="zh-CN" sz="1200" dirty="0">
                 <a:solidFill>
                   <a:schemeClr val="tx1"/>
                 </a:solidFill>
@@ -7559,7 +7375,7 @@
           <a:p>
             <a:pPr algn="ctr"/>
             <a:r>
-              <a:rPr lang="en-US" altLang="zh-CN" sz="1200" dirty="0" smtClean="0">
+              <a:rPr lang="en-US" altLang="zh-CN" sz="1200" dirty="0">
                 <a:solidFill>
                   <a:schemeClr val="tx1"/>
                 </a:solidFill>
@@ -7617,7 +7433,7 @@
           <a:p>
             <a:pPr algn="ctr"/>
             <a:r>
-              <a:rPr lang="en-US" altLang="zh-CN" sz="1200" dirty="0" smtClean="0">
+              <a:rPr lang="en-US" altLang="zh-CN" sz="1200" dirty="0">
                 <a:solidFill>
                   <a:schemeClr val="tx1"/>
                 </a:solidFill>
@@ -7675,7 +7491,7 @@
           <a:p>
             <a:pPr algn="ctr"/>
             <a:r>
-              <a:rPr lang="en-US" altLang="zh-CN" sz="1200" dirty="0" smtClean="0">
+              <a:rPr lang="en-US" altLang="zh-CN" sz="1200" dirty="0">
                 <a:solidFill>
                   <a:schemeClr val="tx1"/>
                 </a:solidFill>
@@ -7736,7 +7552,7 @@
           <a:p>
             <a:pPr algn="ctr"/>
             <a:r>
-              <a:rPr lang="en-US" altLang="zh-CN" sz="1200" dirty="0" err="1" smtClean="0">
+              <a:rPr lang="en-US" altLang="zh-CN" sz="1200" dirty="0" err="1">
                 <a:solidFill>
                   <a:schemeClr val="tx1"/>
                 </a:solidFill>
@@ -7794,7 +7610,7 @@
           <a:p>
             <a:pPr algn="ctr"/>
             <a:r>
-              <a:rPr lang="en-US" altLang="zh-CN" sz="1200" dirty="0" smtClean="0">
+              <a:rPr lang="en-US" altLang="zh-CN" sz="1200" dirty="0">
                 <a:solidFill>
                   <a:schemeClr val="tx1"/>
                 </a:solidFill>
@@ -7852,7 +7668,7 @@
           <a:p>
             <a:pPr algn="ctr"/>
             <a:r>
-              <a:rPr lang="en-US" altLang="zh-CN" sz="1200" dirty="0" smtClean="0">
+              <a:rPr lang="en-US" altLang="zh-CN" sz="1200" dirty="0">
                 <a:solidFill>
                   <a:schemeClr val="tx1"/>
                 </a:solidFill>
@@ -7860,7 +7676,7 @@
               <a:t>events(select/poll/</a:t>
             </a:r>
             <a:r>
-              <a:rPr lang="en-US" altLang="zh-CN" sz="1200" dirty="0" err="1" smtClean="0">
+              <a:rPr lang="en-US" altLang="zh-CN" sz="1200" dirty="0" err="1">
                 <a:solidFill>
                   <a:schemeClr val="tx1"/>
                 </a:solidFill>
@@ -7868,7 +7684,7 @@
               <a:t>epoll</a:t>
             </a:r>
             <a:r>
-              <a:rPr lang="en-US" altLang="zh-CN" sz="1200" dirty="0" smtClean="0">
+              <a:rPr lang="en-US" altLang="zh-CN" sz="1200" dirty="0">
                 <a:solidFill>
                   <a:schemeClr val="tx1"/>
                 </a:solidFill>
@@ -7876,7 +7692,7 @@
               <a:t>/</a:t>
             </a:r>
             <a:r>
-              <a:rPr lang="en-US" altLang="zh-CN" sz="1200" dirty="0" err="1" smtClean="0">
+              <a:rPr lang="en-US" altLang="zh-CN" sz="1200" dirty="0" err="1">
                 <a:solidFill>
                   <a:schemeClr val="tx1"/>
                 </a:solidFill>
@@ -7884,7 +7700,7 @@
               <a:t>kqueue</a:t>
             </a:r>
             <a:r>
-              <a:rPr lang="en-US" altLang="zh-CN" sz="1200" dirty="0" smtClean="0">
+              <a:rPr lang="en-US" altLang="zh-CN" sz="1200" dirty="0">
                 <a:solidFill>
                   <a:schemeClr val="tx1"/>
                 </a:solidFill>
@@ -7892,7 +7708,7 @@
               <a:t>/</a:t>
             </a:r>
             <a:r>
-              <a:rPr lang="en-US" altLang="zh-CN" sz="1200" dirty="0" err="1" smtClean="0">
+              <a:rPr lang="en-US" altLang="zh-CN" sz="1200" dirty="0" err="1">
                 <a:solidFill>
                   <a:schemeClr val="tx1"/>
                 </a:solidFill>
@@ -7900,7 +7716,7 @@
               <a:t>iocp</a:t>
             </a:r>
             <a:r>
-              <a:rPr lang="en-US" altLang="zh-CN" sz="1200" dirty="0" smtClean="0">
+              <a:rPr lang="en-US" altLang="zh-CN" sz="1200" dirty="0">
                 <a:solidFill>
                   <a:schemeClr val="tx1"/>
                 </a:solidFill>
@@ -7908,7 +7724,7 @@
               <a:t>/</a:t>
             </a:r>
             <a:r>
-              <a:rPr lang="en-US" altLang="zh-CN" sz="1200" dirty="0" err="1" smtClean="0">
+              <a:rPr lang="en-US" altLang="zh-CN" sz="1200" dirty="0" err="1">
                 <a:solidFill>
                   <a:schemeClr val="tx1"/>
                 </a:solidFill>
@@ -7916,7 +7732,7 @@
               <a:t>wmsg</a:t>
             </a:r>
             <a:r>
-              <a:rPr lang="en-US" altLang="zh-CN" sz="1200" dirty="0" smtClean="0">
+              <a:rPr lang="en-US" altLang="zh-CN" sz="1200" dirty="0">
                 <a:solidFill>
                   <a:schemeClr val="tx1"/>
                 </a:solidFill>
@@ -7974,7 +7790,7 @@
           <a:p>
             <a:pPr algn="ctr"/>
             <a:r>
-              <a:rPr lang="en-US" altLang="zh-CN" sz="1200" dirty="0" smtClean="0">
+              <a:rPr lang="en-US" altLang="zh-CN" sz="1200" dirty="0">
                 <a:solidFill>
                   <a:schemeClr val="tx1"/>
                 </a:solidFill>
@@ -8032,7 +7848,7 @@
           <a:p>
             <a:pPr algn="ctr"/>
             <a:r>
-              <a:rPr lang="en-US" altLang="zh-CN" sz="1200" dirty="0" smtClean="0">
+              <a:rPr lang="en-US" altLang="zh-CN" sz="1200" dirty="0">
                 <a:solidFill>
                   <a:schemeClr val="tx1"/>
                 </a:solidFill>
@@ -8090,7 +7906,7 @@
           <a:p>
             <a:pPr algn="ctr"/>
             <a:r>
-              <a:rPr lang="en-US" altLang="zh-CN" sz="1200" dirty="0" smtClean="0">
+              <a:rPr lang="en-US" altLang="zh-CN" sz="1200" dirty="0">
                 <a:solidFill>
                   <a:schemeClr val="tx1"/>
                 </a:solidFill>
@@ -8148,7 +7964,7 @@
           <a:p>
             <a:pPr algn="ctr"/>
             <a:r>
-              <a:rPr lang="en-US" altLang="zh-CN" sz="1200" dirty="0" err="1" smtClean="0">
+              <a:rPr lang="en-US" altLang="zh-CN" sz="1200" dirty="0" err="1">
                 <a:solidFill>
                   <a:schemeClr val="tx1"/>
                 </a:solidFill>
@@ -8206,7 +8022,7 @@
           <a:p>
             <a:pPr algn="ctr"/>
             <a:r>
-              <a:rPr lang="en-US" altLang="zh-CN" sz="1200" dirty="0" smtClean="0">
+              <a:rPr lang="en-US" altLang="zh-CN" sz="1200" dirty="0">
                 <a:solidFill>
                   <a:schemeClr val="tx1"/>
                 </a:solidFill>
@@ -8264,7 +8080,7 @@
           <a:p>
             <a:pPr algn="ctr"/>
             <a:r>
-              <a:rPr lang="en-US" altLang="zh-CN" sz="1200" dirty="0" err="1" smtClean="0">
+              <a:rPr lang="en-US" altLang="zh-CN" sz="1200" dirty="0" err="1">
                 <a:solidFill>
                   <a:schemeClr val="tx1"/>
                 </a:solidFill>
@@ -8322,7 +8138,7 @@
           <a:p>
             <a:pPr algn="ctr"/>
             <a:r>
-              <a:rPr lang="en-US" altLang="zh-CN" sz="1200" dirty="0" smtClean="0">
+              <a:rPr lang="en-US" altLang="zh-CN" sz="1200" dirty="0">
                 <a:solidFill>
                   <a:schemeClr val="tx1"/>
                 </a:solidFill>
@@ -8383,7 +8199,7 @@
           <a:p>
             <a:pPr algn="ctr"/>
             <a:r>
-              <a:rPr lang="en-US" altLang="zh-CN" sz="1200" dirty="0" err="1" smtClean="0">
+              <a:rPr lang="en-US" altLang="zh-CN" sz="1200" dirty="0" err="1">
                 <a:solidFill>
                   <a:schemeClr val="tx1"/>
                 </a:solidFill>
@@ -8441,7 +8257,7 @@
           <a:p>
             <a:pPr algn="ctr"/>
             <a:r>
-              <a:rPr lang="en-US" altLang="zh-CN" sz="1200" dirty="0" err="1" smtClean="0">
+              <a:rPr lang="en-US" altLang="zh-CN" sz="1200" dirty="0" err="1">
                 <a:solidFill>
                   <a:schemeClr val="tx1"/>
                 </a:solidFill>
@@ -8502,7 +8318,7 @@
           <a:p>
             <a:pPr algn="ctr"/>
             <a:r>
-              <a:rPr lang="en-US" altLang="zh-CN" sz="1200" dirty="0" smtClean="0">
+              <a:rPr lang="en-US" altLang="zh-CN" sz="1200" dirty="0">
                 <a:solidFill>
                   <a:schemeClr val="tx1"/>
                 </a:solidFill>
@@ -8563,7 +8379,7 @@
           <a:p>
             <a:pPr algn="ctr"/>
             <a:r>
-              <a:rPr lang="en-US" altLang="zh-CN" sz="1200" dirty="0" err="1" smtClean="0">
+              <a:rPr lang="en-US" altLang="zh-CN" sz="1200" dirty="0" err="1">
                 <a:solidFill>
                   <a:schemeClr val="tx1"/>
                 </a:solidFill>
@@ -8624,7 +8440,7 @@
           <a:p>
             <a:pPr algn="ctr"/>
             <a:r>
-              <a:rPr lang="en-US" altLang="zh-CN" sz="1200" dirty="0" err="1" smtClean="0">
+              <a:rPr lang="en-US" altLang="zh-CN" sz="1200" dirty="0" err="1">
                 <a:solidFill>
                   <a:schemeClr val="tx1"/>
                 </a:solidFill>
@@ -8685,7 +8501,7 @@
           <a:p>
             <a:pPr algn="ctr"/>
             <a:r>
-              <a:rPr lang="en-US" altLang="zh-CN" sz="1200" dirty="0" err="1" smtClean="0">
+              <a:rPr lang="en-US" altLang="zh-CN" sz="1200" dirty="0" err="1">
                 <a:solidFill>
                   <a:schemeClr val="tx1"/>
                 </a:solidFill>
@@ -8746,7 +8562,7 @@
           <a:p>
             <a:pPr algn="ctr"/>
             <a:r>
-              <a:rPr lang="en-US" altLang="zh-CN" sz="1200" dirty="0" err="1" smtClean="0">
+              <a:rPr lang="en-US" altLang="zh-CN" sz="1200" dirty="0" err="1">
                 <a:solidFill>
                   <a:schemeClr val="tx1"/>
                 </a:solidFill>
@@ -8807,7 +8623,7 @@
           <a:p>
             <a:pPr algn="ctr"/>
             <a:r>
-              <a:rPr lang="en-US" altLang="zh-CN" sz="1200" dirty="0" smtClean="0">
+              <a:rPr lang="en-US" altLang="zh-CN" sz="1200" dirty="0">
                 <a:solidFill>
                   <a:schemeClr val="tx1"/>
                 </a:solidFill>
@@ -8868,7 +8684,7 @@
           <a:p>
             <a:pPr algn="ctr"/>
             <a:r>
-              <a:rPr lang="en-US" altLang="zh-CN" sz="1200" dirty="0" err="1" smtClean="0">
+              <a:rPr lang="en-US" altLang="zh-CN" sz="1200" dirty="0" err="1">
                 <a:solidFill>
                   <a:schemeClr val="tx1"/>
                 </a:solidFill>
@@ -8929,7 +8745,7 @@
           <a:p>
             <a:pPr algn="ctr"/>
             <a:r>
-              <a:rPr lang="en-US" altLang="zh-CN" sz="1200" dirty="0" err="1" smtClean="0">
+              <a:rPr lang="en-US" altLang="zh-CN" sz="1200" dirty="0" err="1">
                 <a:solidFill>
                   <a:schemeClr val="tx1"/>
                 </a:solidFill>
@@ -8990,7 +8806,7 @@
           <a:p>
             <a:pPr algn="ctr"/>
             <a:r>
-              <a:rPr lang="en-US" altLang="zh-CN" sz="1200" dirty="0" smtClean="0">
+              <a:rPr lang="en-US" altLang="zh-CN" sz="1200" dirty="0">
                 <a:solidFill>
                   <a:schemeClr val="tx1"/>
                 </a:solidFill>
@@ -9051,7 +8867,7 @@
           <a:p>
             <a:pPr algn="ctr"/>
             <a:r>
-              <a:rPr lang="en-US" altLang="zh-CN" sz="1200" dirty="0" smtClean="0">
+              <a:rPr lang="en-US" altLang="zh-CN" sz="1200" dirty="0">
                 <a:solidFill>
                   <a:schemeClr val="tx1"/>
                 </a:solidFill>
@@ -9183,7 +8999,7 @@
           <a:p>
             <a:pPr algn="ctr"/>
             <a:r>
-              <a:rPr lang="en-US" altLang="zh-CN" sz="1200" dirty="0" smtClean="0">
+              <a:rPr lang="en-US" altLang="zh-CN" sz="1200" dirty="0">
                 <a:solidFill>
                   <a:schemeClr val="tx1"/>
                 </a:solidFill>
@@ -9244,7 +9060,7 @@
           <a:p>
             <a:pPr algn="ctr"/>
             <a:r>
-              <a:rPr lang="en-US" altLang="zh-CN" sz="1200" dirty="0" err="1" smtClean="0">
+              <a:rPr lang="en-US" altLang="zh-CN" sz="1200" dirty="0" err="1">
                 <a:solidFill>
                   <a:schemeClr val="tx1"/>
                 </a:solidFill>
@@ -9305,7 +9121,7 @@
           <a:p>
             <a:pPr algn="ctr"/>
             <a:r>
-              <a:rPr lang="en-US" altLang="zh-CN" sz="1200" dirty="0" smtClean="0">
+              <a:rPr lang="en-US" altLang="zh-CN" sz="1200" dirty="0">
                 <a:solidFill>
                   <a:schemeClr val="tx1"/>
                 </a:solidFill>
@@ -9366,7 +9182,7 @@
           <a:p>
             <a:pPr algn="ctr"/>
             <a:r>
-              <a:rPr lang="en-US" altLang="zh-CN" sz="1200" dirty="0" smtClean="0">
+              <a:rPr lang="en-US" altLang="zh-CN" sz="1200" dirty="0">
                 <a:solidFill>
                   <a:schemeClr val="tx1"/>
                 </a:solidFill>
@@ -9427,7 +9243,7 @@
           <a:p>
             <a:pPr algn="ctr"/>
             <a:r>
-              <a:rPr lang="en-US" altLang="zh-CN" sz="1200" dirty="0" err="1" smtClean="0">
+              <a:rPr lang="en-US" altLang="zh-CN" sz="1200" dirty="0" err="1">
                 <a:solidFill>
                   <a:schemeClr val="tx1"/>
                 </a:solidFill>
@@ -9488,7 +9304,7 @@
           <a:p>
             <a:pPr algn="ctr"/>
             <a:r>
-              <a:rPr lang="en-US" altLang="zh-CN" sz="1200" dirty="0" smtClean="0">
+              <a:rPr lang="en-US" altLang="zh-CN" sz="1200" dirty="0">
                 <a:solidFill>
                   <a:schemeClr val="tx1"/>
                 </a:solidFill>
@@ -9549,7 +9365,7 @@
           <a:p>
             <a:pPr algn="ctr"/>
             <a:r>
-              <a:rPr lang="en-US" altLang="zh-CN" sz="1200" dirty="0" smtClean="0">
+              <a:rPr lang="en-US" altLang="zh-CN" sz="1200" dirty="0">
                 <a:solidFill>
                   <a:schemeClr val="tx1"/>
                 </a:solidFill>
@@ -9678,7 +9494,7 @@
           <a:lstStyle/>
           <a:p>
             <a:r>
-              <a:rPr lang="en-US" altLang="zh-CN" sz="1200" b="1" dirty="0" smtClean="0"/>
+              <a:rPr lang="en-US" altLang="zh-CN" sz="1200" b="1" dirty="0"/>
               <a:t>Base</a:t>
             </a:r>
             <a:endParaRPr lang="zh-CN" altLang="en-US" sz="1200" b="1" dirty="0"/>
@@ -9708,7 +9524,7 @@
           <a:lstStyle/>
           <a:p>
             <a:r>
-              <a:rPr lang="en-US" altLang="zh-CN" sz="1200" b="1" dirty="0" smtClean="0"/>
+              <a:rPr lang="en-US" altLang="zh-CN" sz="1200" b="1" dirty="0"/>
               <a:t>Communication</a:t>
             </a:r>
             <a:endParaRPr lang="zh-CN" altLang="en-US" sz="1200" b="1" dirty="0"/>
@@ -9738,7 +9554,7 @@
           <a:lstStyle/>
           <a:p>
             <a:r>
-              <a:rPr lang="en-US" altLang="zh-CN" sz="1200" b="1" dirty="0" smtClean="0"/>
+              <a:rPr lang="en-US" altLang="zh-CN" sz="1200" b="1" dirty="0"/>
               <a:t>Protocols</a:t>
             </a:r>
             <a:endParaRPr lang="zh-CN" altLang="en-US" sz="1200" b="1" dirty="0"/>
@@ -9768,7 +9584,7 @@
           <a:lstStyle/>
           <a:p>
             <a:r>
-              <a:rPr lang="en-US" altLang="zh-CN" sz="1200" b="1" dirty="0" smtClean="0"/>
+              <a:rPr lang="en-US" altLang="zh-CN" sz="1200" b="1" dirty="0"/>
               <a:t>Servers</a:t>
             </a:r>
             <a:endParaRPr lang="zh-CN" altLang="en-US" sz="1200" b="1" dirty="0"/>
@@ -9947,7 +9763,7 @@
           <a:p>
             <a:pPr algn="ctr"/>
             <a:r>
-              <a:rPr lang="en-US" altLang="zh-CN" sz="1200" dirty="0" err="1" smtClean="0">
+              <a:rPr lang="en-US" altLang="zh-CN" sz="1200" dirty="0" err="1">
                 <a:solidFill>
                   <a:schemeClr val="tx1"/>
                 </a:solidFill>
@@ -10245,7 +10061,7 @@
           <a:p>
             <a:pPr algn="ctr"/>
             <a:r>
-              <a:rPr lang="en-US" altLang="zh-CN" sz="1200" b="1" dirty="0" smtClean="0">
+              <a:rPr lang="en-US" altLang="zh-CN" sz="1200" b="1" dirty="0">
                 <a:solidFill>
                   <a:schemeClr val="tx1"/>
                 </a:solidFill>
@@ -10349,7 +10165,7 @@
           <a:p>
             <a:pPr algn="ctr"/>
             <a:r>
-              <a:rPr lang="en-US" altLang="zh-CN" sz="1200" dirty="0" smtClean="0">
+              <a:rPr lang="en-US" altLang="zh-CN" sz="1200" dirty="0">
                 <a:solidFill>
                   <a:schemeClr val="tx1"/>
                 </a:solidFill>
@@ -10407,7 +10223,7 @@
           <a:p>
             <a:pPr algn="ctr"/>
             <a:r>
-              <a:rPr lang="en-US" altLang="zh-CN" sz="1200" dirty="0" smtClean="0">
+              <a:rPr lang="en-US" altLang="zh-CN" sz="1200" dirty="0">
                 <a:solidFill>
                   <a:schemeClr val="tx1"/>
                 </a:solidFill>
@@ -10465,7 +10281,7 @@
           <a:p>
             <a:pPr algn="ctr"/>
             <a:r>
-              <a:rPr lang="en-US" altLang="zh-CN" sz="1200" dirty="0" smtClean="0">
+              <a:rPr lang="en-US" altLang="zh-CN" sz="1200" dirty="0">
                 <a:solidFill>
                   <a:schemeClr val="tx1"/>
                 </a:solidFill>
@@ -10523,7 +10339,7 @@
           <a:p>
             <a:pPr algn="ctr"/>
             <a:r>
-              <a:rPr lang="en-US" altLang="zh-CN" sz="1200" dirty="0" smtClean="0">
+              <a:rPr lang="en-US" altLang="zh-CN" sz="1200" dirty="0">
                 <a:solidFill>
                   <a:schemeClr val="tx1"/>
                 </a:solidFill>
@@ -10581,7 +10397,7 @@
           <a:p>
             <a:pPr algn="ctr"/>
             <a:r>
-              <a:rPr lang="en-US" altLang="zh-CN" sz="1200" dirty="0" smtClean="0">
+              <a:rPr lang="en-US" altLang="zh-CN" sz="1200" dirty="0">
                 <a:solidFill>
                   <a:schemeClr val="tx1"/>
                 </a:solidFill>
@@ -10619,7 +10435,7 @@
           <a:lstStyle/>
           <a:p>
             <a:r>
-              <a:rPr lang="en-US" altLang="zh-CN" sz="1200" b="1" dirty="0" smtClean="0"/>
+              <a:rPr lang="en-US" altLang="zh-CN" sz="1200" b="1" dirty="0"/>
               <a:t>Applications</a:t>
             </a:r>
             <a:endParaRPr lang="zh-CN" altLang="en-US" sz="1200" b="1" dirty="0"/>
@@ -10760,7 +10576,7 @@
           <a:p>
             <a:pPr algn="ctr"/>
             <a:r>
-              <a:rPr lang="en-US" altLang="zh-CN" sz="1200" dirty="0" smtClean="0">
+              <a:rPr lang="en-US" altLang="zh-CN" sz="1200" dirty="0">
                 <a:solidFill>
                   <a:schemeClr val="tx1"/>
                 </a:solidFill>
@@ -10818,7 +10634,7 @@
           <a:p>
             <a:pPr algn="ctr"/>
             <a:r>
-              <a:rPr lang="en-US" altLang="zh-CN" sz="1200" dirty="0" smtClean="0">
+              <a:rPr lang="en-US" altLang="zh-CN" sz="1200" dirty="0">
                 <a:solidFill>
                   <a:schemeClr val="tx1"/>
                 </a:solidFill>
@@ -10876,7 +10692,7 @@
           <a:p>
             <a:pPr algn="ctr"/>
             <a:r>
-              <a:rPr lang="en-US" altLang="zh-CN" sz="1200" dirty="0" smtClean="0">
+              <a:rPr lang="en-US" altLang="zh-CN" sz="1200" dirty="0">
                 <a:solidFill>
                   <a:schemeClr val="tx1"/>
                 </a:solidFill>
@@ -11034,7 +10850,7 @@
           <a:p>
             <a:pPr algn="ctr"/>
             <a:r>
-              <a:rPr lang="en-US" altLang="zh-CN" sz="1200" dirty="0" smtClean="0">
+              <a:rPr lang="en-US" altLang="zh-CN" sz="1200" dirty="0">
                 <a:solidFill>
                   <a:schemeClr val="tx1"/>
                 </a:solidFill>
@@ -11095,7 +10911,7 @@
           <a:p>
             <a:pPr algn="ctr"/>
             <a:r>
-              <a:rPr lang="en-US" altLang="zh-CN" sz="1200" dirty="0" smtClean="0">
+              <a:rPr lang="en-US" altLang="zh-CN" sz="1200" dirty="0">
                 <a:solidFill>
                   <a:schemeClr val="tx1"/>
                 </a:solidFill>
@@ -11156,7 +10972,7 @@
           <a:p>
             <a:pPr algn="ctr"/>
             <a:r>
-              <a:rPr lang="en-US" altLang="zh-CN" sz="1200" dirty="0" smtClean="0">
+              <a:rPr lang="en-US" altLang="zh-CN" sz="1200" dirty="0">
                 <a:solidFill>
                   <a:schemeClr val="tx1"/>
                 </a:solidFill>
@@ -11217,7 +11033,7 @@
           <a:p>
             <a:pPr algn="ctr"/>
             <a:r>
-              <a:rPr lang="en-US" altLang="zh-CN" sz="1200" dirty="0" smtClean="0">
+              <a:rPr lang="en-US" altLang="zh-CN" sz="1200" dirty="0">
                 <a:solidFill>
                   <a:schemeClr val="tx1"/>
                 </a:solidFill>
@@ -11278,7 +11094,7 @@
           <a:p>
             <a:pPr algn="ctr"/>
             <a:r>
-              <a:rPr lang="en-US" altLang="zh-CN" sz="1200" dirty="0" err="1" smtClean="0">
+              <a:rPr lang="en-US" altLang="zh-CN" sz="1200" dirty="0" err="1">
                 <a:solidFill>
                   <a:schemeClr val="tx1"/>
                 </a:solidFill>
@@ -11339,7 +11155,7 @@
           <a:p>
             <a:pPr algn="ctr"/>
             <a:r>
-              <a:rPr lang="en-US" altLang="zh-CN" sz="1200" dirty="0" smtClean="0">
+              <a:rPr lang="en-US" altLang="zh-CN" sz="1200" dirty="0">
                 <a:solidFill>
                   <a:schemeClr val="tx1"/>
                 </a:solidFill>
@@ -11400,7 +11216,7 @@
           <a:p>
             <a:pPr algn="ctr"/>
             <a:r>
-              <a:rPr lang="en-US" altLang="zh-CN" sz="1200" dirty="0" smtClean="0">
+              <a:rPr lang="en-US" altLang="zh-CN" sz="1200" dirty="0">
                 <a:solidFill>
                   <a:schemeClr val="tx1"/>
                 </a:solidFill>
@@ -11529,7 +11345,7 @@
           <a:lstStyle/>
           <a:p>
             <a:r>
-              <a:rPr lang="en-US" altLang="zh-CN" sz="1200" b="1" dirty="0" smtClean="0"/>
+              <a:rPr lang="en-US" altLang="zh-CN" sz="1200" b="1" dirty="0"/>
               <a:t>Adaptor</a:t>
             </a:r>
             <a:endParaRPr lang="zh-CN" altLang="en-US" sz="1200" b="1" dirty="0"/>
@@ -11582,7 +11398,7 @@
           <a:p>
             <a:pPr algn="ctr"/>
             <a:r>
-              <a:rPr lang="en-US" altLang="zh-CN" sz="1200" dirty="0" err="1" smtClean="0">
+              <a:rPr lang="en-US" altLang="zh-CN" sz="1200" dirty="0" err="1">
                 <a:solidFill>
                   <a:schemeClr val="tx1"/>
                 </a:solidFill>
@@ -11643,7 +11459,7 @@
           <a:p>
             <a:pPr algn="ctr"/>
             <a:r>
-              <a:rPr lang="en-US" altLang="zh-CN" sz="1200" dirty="0" err="1" smtClean="0">
+              <a:rPr lang="en-US" altLang="zh-CN" sz="1200" dirty="0" err="1">
                 <a:solidFill>
                   <a:schemeClr val="tx1"/>
                 </a:solidFill>

--- a/doc/architecture.pptx
+++ b/doc/architecture.pptx
@@ -7,6 +7,7 @@
   <p:sldIdLst>
     <p:sldId id="257" r:id="rId2"/>
     <p:sldId id="258" r:id="rId3"/>
+    <p:sldId id="259" r:id="rId4"/>
   </p:sldIdLst>
   <p:sldSz cx="12192000" cy="6858000"/>
   <p:notesSz cx="6858000" cy="9144000"/>
@@ -242,7 +243,7 @@
           <a:p>
             <a:fld id="{051CACA7-F75C-4DDA-9C7F-09BEA03FA6D5}" type="datetimeFigureOut">
               <a:rPr lang="zh-CN" altLang="en-US" smtClean="0"/>
-              <a:t>2021/5/16</a:t>
+              <a:t>2022/5/14</a:t>
             </a:fld>
             <a:endParaRPr lang="zh-CN" altLang="en-US"/>
           </a:p>
@@ -410,7 +411,7 @@
           <a:p>
             <a:fld id="{051CACA7-F75C-4DDA-9C7F-09BEA03FA6D5}" type="datetimeFigureOut">
               <a:rPr lang="zh-CN" altLang="en-US" smtClean="0"/>
-              <a:t>2021/5/16</a:t>
+              <a:t>2022/5/14</a:t>
             </a:fld>
             <a:endParaRPr lang="zh-CN" altLang="en-US"/>
           </a:p>
@@ -588,7 +589,7 @@
           <a:p>
             <a:fld id="{051CACA7-F75C-4DDA-9C7F-09BEA03FA6D5}" type="datetimeFigureOut">
               <a:rPr lang="zh-CN" altLang="en-US" smtClean="0"/>
-              <a:t>2021/5/16</a:t>
+              <a:t>2022/5/14</a:t>
             </a:fld>
             <a:endParaRPr lang="zh-CN" altLang="en-US"/>
           </a:p>
@@ -756,7 +757,7 @@
           <a:p>
             <a:fld id="{051CACA7-F75C-4DDA-9C7F-09BEA03FA6D5}" type="datetimeFigureOut">
               <a:rPr lang="zh-CN" altLang="en-US" smtClean="0"/>
-              <a:t>2021/5/16</a:t>
+              <a:t>2022/5/14</a:t>
             </a:fld>
             <a:endParaRPr lang="zh-CN" altLang="en-US"/>
           </a:p>
@@ -1001,7 +1002,7 @@
           <a:p>
             <a:fld id="{051CACA7-F75C-4DDA-9C7F-09BEA03FA6D5}" type="datetimeFigureOut">
               <a:rPr lang="zh-CN" altLang="en-US" smtClean="0"/>
-              <a:t>2021/5/16</a:t>
+              <a:t>2022/5/14</a:t>
             </a:fld>
             <a:endParaRPr lang="zh-CN" altLang="en-US"/>
           </a:p>
@@ -1230,7 +1231,7 @@
           <a:p>
             <a:fld id="{051CACA7-F75C-4DDA-9C7F-09BEA03FA6D5}" type="datetimeFigureOut">
               <a:rPr lang="zh-CN" altLang="en-US" smtClean="0"/>
-              <a:t>2021/5/16</a:t>
+              <a:t>2022/5/14</a:t>
             </a:fld>
             <a:endParaRPr lang="zh-CN" altLang="en-US"/>
           </a:p>
@@ -1594,7 +1595,7 @@
           <a:p>
             <a:fld id="{051CACA7-F75C-4DDA-9C7F-09BEA03FA6D5}" type="datetimeFigureOut">
               <a:rPr lang="zh-CN" altLang="en-US" smtClean="0"/>
-              <a:t>2021/5/16</a:t>
+              <a:t>2022/5/14</a:t>
             </a:fld>
             <a:endParaRPr lang="zh-CN" altLang="en-US"/>
           </a:p>
@@ -1711,7 +1712,7 @@
           <a:p>
             <a:fld id="{051CACA7-F75C-4DDA-9C7F-09BEA03FA6D5}" type="datetimeFigureOut">
               <a:rPr lang="zh-CN" altLang="en-US" smtClean="0"/>
-              <a:t>2021/5/16</a:t>
+              <a:t>2022/5/14</a:t>
             </a:fld>
             <a:endParaRPr lang="zh-CN" altLang="en-US"/>
           </a:p>
@@ -1806,7 +1807,7 @@
           <a:p>
             <a:fld id="{051CACA7-F75C-4DDA-9C7F-09BEA03FA6D5}" type="datetimeFigureOut">
               <a:rPr lang="zh-CN" altLang="en-US" smtClean="0"/>
-              <a:t>2021/5/16</a:t>
+              <a:t>2022/5/14</a:t>
             </a:fld>
             <a:endParaRPr lang="zh-CN" altLang="en-US"/>
           </a:p>
@@ -2081,7 +2082,7 @@
           <a:p>
             <a:fld id="{051CACA7-F75C-4DDA-9C7F-09BEA03FA6D5}" type="datetimeFigureOut">
               <a:rPr lang="zh-CN" altLang="en-US" smtClean="0"/>
-              <a:t>2021/5/16</a:t>
+              <a:t>2022/5/14</a:t>
             </a:fld>
             <a:endParaRPr lang="zh-CN" altLang="en-US"/>
           </a:p>
@@ -2333,7 +2334,7 @@
           <a:p>
             <a:fld id="{051CACA7-F75C-4DDA-9C7F-09BEA03FA6D5}" type="datetimeFigureOut">
               <a:rPr lang="zh-CN" altLang="en-US" smtClean="0"/>
-              <a:t>2021/5/16</a:t>
+              <a:t>2022/5/14</a:t>
             </a:fld>
             <a:endParaRPr lang="zh-CN" altLang="en-US"/>
           </a:p>
@@ -2544,7 +2545,7 @@
           <a:p>
             <a:fld id="{051CACA7-F75C-4DDA-9C7F-09BEA03FA6D5}" type="datetimeFigureOut">
               <a:rPr lang="zh-CN" altLang="en-US" smtClean="0"/>
-              <a:t>2021/5/16</a:t>
+              <a:t>2022/5/14</a:t>
             </a:fld>
             <a:endParaRPr lang="zh-CN" altLang="en-US"/>
           </a:p>
@@ -3423,71 +3424,7 @@
                     <a:schemeClr val="tx1"/>
                   </a:solidFill>
                 </a:rPr>
-                <a:t>events(select/poll/</a:t>
-              </a:r>
-              <a:r>
-                <a:rPr lang="en-US" altLang="zh-CN" sz="1200" dirty="0" err="1">
-                  <a:solidFill>
-                    <a:schemeClr val="tx1"/>
-                  </a:solidFill>
-                </a:rPr>
-                <a:t>epoll</a:t>
-              </a:r>
-              <a:r>
-                <a:rPr lang="en-US" altLang="zh-CN" sz="1200" dirty="0">
-                  <a:solidFill>
-                    <a:schemeClr val="tx1"/>
-                  </a:solidFill>
-                </a:rPr>
-                <a:t>/</a:t>
-              </a:r>
-              <a:r>
-                <a:rPr lang="en-US" altLang="zh-CN" sz="1200" dirty="0" err="1">
-                  <a:solidFill>
-                    <a:schemeClr val="tx1"/>
-                  </a:solidFill>
-                </a:rPr>
-                <a:t>kqueue</a:t>
-              </a:r>
-              <a:r>
-                <a:rPr lang="en-US" altLang="zh-CN" sz="1200" dirty="0">
-                  <a:solidFill>
-                    <a:schemeClr val="tx1"/>
-                  </a:solidFill>
-                </a:rPr>
-                <a:t>/</a:t>
-              </a:r>
-              <a:r>
-                <a:rPr lang="en-US" altLang="zh-CN" sz="1200" dirty="0" err="1">
-                  <a:solidFill>
-                    <a:schemeClr val="tx1"/>
-                  </a:solidFill>
-                </a:rPr>
-                <a:t>iocp</a:t>
-              </a:r>
-              <a:r>
-                <a:rPr lang="en-US" altLang="zh-CN" sz="1200" dirty="0">
-                  <a:solidFill>
-                    <a:schemeClr val="tx1"/>
-                  </a:solidFill>
-                </a:rPr>
-                <a:t>/</a:t>
-              </a:r>
-              <a:r>
-                <a:rPr lang="en-US" altLang="zh-CN" sz="1200" dirty="0" err="1">
-                  <a:solidFill>
-                    <a:schemeClr val="tx1"/>
-                  </a:solidFill>
-                </a:rPr>
-                <a:t>wmsg</a:t>
-              </a:r>
-              <a:r>
-                <a:rPr lang="en-US" altLang="zh-CN" sz="1200" dirty="0">
-                  <a:solidFill>
-                    <a:schemeClr val="tx1"/>
-                  </a:solidFill>
-                </a:rPr>
-                <a:t>)</a:t>
+                <a:t>events(select/poll/epoll/kqueue/iocp/wmsg)</a:t>
               </a:r>
               <a:endParaRPr lang="zh-CN" altLang="en-US" sz="1200" dirty="0">
                 <a:solidFill>
@@ -3714,7 +3651,7 @@
             <a:p>
               <a:pPr algn="ctr"/>
               <a:r>
-                <a:rPr lang="en-US" altLang="zh-CN" sz="1200" dirty="0" err="1">
+                <a:rPr lang="en-US" altLang="zh-CN" sz="1200" dirty="0">
                   <a:solidFill>
                     <a:schemeClr val="tx1"/>
                   </a:solidFill>
@@ -3830,7 +3767,7 @@
             <a:p>
               <a:pPr algn="ctr"/>
               <a:r>
-                <a:rPr lang="en-US" altLang="zh-CN" sz="1200" dirty="0" err="1">
+                <a:rPr lang="en-US" altLang="zh-CN" sz="1200" dirty="0">
                   <a:solidFill>
                     <a:schemeClr val="tx1"/>
                   </a:solidFill>
@@ -3946,7 +3883,7 @@
             <a:p>
               <a:pPr algn="ctr"/>
               <a:r>
-                <a:rPr lang="en-US" altLang="zh-CN" sz="1200" dirty="0" err="1">
+                <a:rPr lang="en-US" altLang="zh-CN" sz="1200" dirty="0">
                   <a:solidFill>
                     <a:schemeClr val="tx1"/>
                   </a:solidFill>
@@ -4068,7 +4005,7 @@
             <a:p>
               <a:pPr algn="ctr"/>
               <a:r>
-                <a:rPr lang="en-US" altLang="zh-CN" sz="1200" dirty="0" err="1">
+                <a:rPr lang="en-US" altLang="zh-CN" sz="1200" dirty="0">
                   <a:solidFill>
                     <a:schemeClr val="tx1"/>
                   </a:solidFill>
@@ -4129,7 +4066,7 @@
             <a:p>
               <a:pPr algn="ctr"/>
               <a:r>
-                <a:rPr lang="en-US" altLang="zh-CN" sz="1200" dirty="0" err="1">
+                <a:rPr lang="en-US" altLang="zh-CN" sz="1200" dirty="0">
                   <a:solidFill>
                     <a:schemeClr val="tx1"/>
                   </a:solidFill>
@@ -4190,7 +4127,7 @@
             <a:p>
               <a:pPr algn="ctr"/>
               <a:r>
-                <a:rPr lang="en-US" altLang="zh-CN" sz="1200" dirty="0" err="1">
+                <a:rPr lang="en-US" altLang="zh-CN" sz="1200" dirty="0">
                   <a:solidFill>
                     <a:schemeClr val="tx1"/>
                   </a:solidFill>
@@ -4251,7 +4188,7 @@
             <a:p>
               <a:pPr algn="ctr"/>
               <a:r>
-                <a:rPr lang="en-US" altLang="zh-CN" sz="1200" dirty="0" err="1">
+                <a:rPr lang="en-US" altLang="zh-CN" sz="1200" dirty="0">
                   <a:solidFill>
                     <a:schemeClr val="tx1"/>
                   </a:solidFill>
@@ -4373,7 +4310,7 @@
             <a:p>
               <a:pPr algn="ctr"/>
               <a:r>
-                <a:rPr lang="en-US" altLang="zh-CN" sz="1200" dirty="0" err="1">
+                <a:rPr lang="en-US" altLang="zh-CN" sz="1200" dirty="0">
                   <a:solidFill>
                     <a:schemeClr val="tx1"/>
                   </a:solidFill>
@@ -4434,7 +4371,7 @@
             <a:p>
               <a:pPr algn="ctr"/>
               <a:r>
-                <a:rPr lang="en-US" altLang="zh-CN" sz="1200" dirty="0" err="1">
+                <a:rPr lang="en-US" altLang="zh-CN" sz="1200" dirty="0">
                   <a:solidFill>
                     <a:schemeClr val="tx1"/>
                   </a:solidFill>
@@ -4749,7 +4686,7 @@
             <a:p>
               <a:pPr algn="ctr"/>
               <a:r>
-                <a:rPr lang="en-US" altLang="zh-CN" sz="1200" dirty="0" err="1">
+                <a:rPr lang="en-US" altLang="zh-CN" sz="1200" dirty="0">
                   <a:solidFill>
                     <a:schemeClr val="tx1"/>
                   </a:solidFill>
@@ -4932,7 +4869,7 @@
             <a:p>
               <a:pPr algn="ctr"/>
               <a:r>
-                <a:rPr lang="en-US" altLang="zh-CN" sz="1200" dirty="0" err="1">
+                <a:rPr lang="en-US" altLang="zh-CN" sz="1200" dirty="0">
                   <a:solidFill>
                     <a:schemeClr val="tx1"/>
                   </a:solidFill>
@@ -5448,7 +5385,7 @@
             <a:p>
               <a:pPr algn="ctr"/>
               <a:r>
-                <a:rPr lang="en-US" altLang="zh-CN" sz="1200" dirty="0" err="1">
+                <a:rPr lang="en-US" altLang="zh-CN" sz="1200" dirty="0">
                   <a:solidFill>
                     <a:schemeClr val="tx1"/>
                   </a:solidFill>
@@ -6681,7 +6618,7 @@
             <a:p>
               <a:pPr algn="ctr"/>
               <a:r>
-                <a:rPr lang="en-US" altLang="zh-CN" sz="1200" dirty="0" err="1">
+                <a:rPr lang="en-US" altLang="zh-CN" sz="1200" dirty="0">
                   <a:solidFill>
                     <a:schemeClr val="tx1"/>
                   </a:solidFill>
@@ -6808,7 +6745,7 @@
                     <a:schemeClr val="tx1"/>
                   </a:solidFill>
                 </a:rPr>
-                <a:t>IOS</a:t>
+                <a:t>iOS</a:t>
               </a:r>
               <a:endParaRPr lang="zh-CN" altLang="en-US" sz="1200" dirty="0">
                 <a:solidFill>
@@ -6984,7 +6921,7 @@
             <a:p>
               <a:pPr algn="ctr"/>
               <a:r>
-                <a:rPr lang="en-US" altLang="zh-CN" sz="1200" dirty="0" err="1">
+                <a:rPr lang="en-US" altLang="zh-CN" sz="1200" dirty="0">
                   <a:solidFill>
                     <a:schemeClr val="tx1"/>
                   </a:solidFill>
@@ -7045,7 +6982,7 @@
             <a:p>
               <a:pPr algn="ctr"/>
               <a:r>
-                <a:rPr lang="en-US" altLang="zh-CN" sz="1200" dirty="0" err="1">
+                <a:rPr lang="en-US" altLang="zh-CN" sz="1200" dirty="0">
                   <a:solidFill>
                     <a:schemeClr val="tx1"/>
                   </a:solidFill>
@@ -7112,7 +7049,7 @@
             <a:p>
               <a:pPr algn="ctr"/>
               <a:r>
-                <a:rPr lang="en-US" altLang="zh-CN" sz="1200" dirty="0" err="1">
+                <a:rPr lang="en-US" altLang="zh-CN" sz="1200" dirty="0">
                   <a:solidFill>
                     <a:schemeClr val="tx1"/>
                   </a:solidFill>
@@ -7552,7 +7489,7 @@
           <a:p>
             <a:pPr algn="ctr"/>
             <a:r>
-              <a:rPr lang="en-US" altLang="zh-CN" sz="1200" dirty="0" err="1">
+              <a:rPr lang="en-US" altLang="zh-CN" sz="1200" dirty="0">
                 <a:solidFill>
                   <a:schemeClr val="tx1"/>
                 </a:solidFill>
@@ -7673,71 +7610,7 @@
                   <a:schemeClr val="tx1"/>
                 </a:solidFill>
               </a:rPr>
-              <a:t>events(select/poll/</a:t>
-            </a:r>
-            <a:r>
-              <a:rPr lang="en-US" altLang="zh-CN" sz="1200" dirty="0" err="1">
-                <a:solidFill>
-                  <a:schemeClr val="tx1"/>
-                </a:solidFill>
-              </a:rPr>
-              <a:t>epoll</a:t>
-            </a:r>
-            <a:r>
-              <a:rPr lang="en-US" altLang="zh-CN" sz="1200" dirty="0">
-                <a:solidFill>
-                  <a:schemeClr val="tx1"/>
-                </a:solidFill>
-              </a:rPr>
-              <a:t>/</a:t>
-            </a:r>
-            <a:r>
-              <a:rPr lang="en-US" altLang="zh-CN" sz="1200" dirty="0" err="1">
-                <a:solidFill>
-                  <a:schemeClr val="tx1"/>
-                </a:solidFill>
-              </a:rPr>
-              <a:t>kqueue</a:t>
-            </a:r>
-            <a:r>
-              <a:rPr lang="en-US" altLang="zh-CN" sz="1200" dirty="0">
-                <a:solidFill>
-                  <a:schemeClr val="tx1"/>
-                </a:solidFill>
-              </a:rPr>
-              <a:t>/</a:t>
-            </a:r>
-            <a:r>
-              <a:rPr lang="en-US" altLang="zh-CN" sz="1200" dirty="0" err="1">
-                <a:solidFill>
-                  <a:schemeClr val="tx1"/>
-                </a:solidFill>
-              </a:rPr>
-              <a:t>iocp</a:t>
-            </a:r>
-            <a:r>
-              <a:rPr lang="en-US" altLang="zh-CN" sz="1200" dirty="0">
-                <a:solidFill>
-                  <a:schemeClr val="tx1"/>
-                </a:solidFill>
-              </a:rPr>
-              <a:t>/</a:t>
-            </a:r>
-            <a:r>
-              <a:rPr lang="en-US" altLang="zh-CN" sz="1200" dirty="0" err="1">
-                <a:solidFill>
-                  <a:schemeClr val="tx1"/>
-                </a:solidFill>
-              </a:rPr>
-              <a:t>wmsg</a:t>
-            </a:r>
-            <a:r>
-              <a:rPr lang="en-US" altLang="zh-CN" sz="1200" dirty="0">
-                <a:solidFill>
-                  <a:schemeClr val="tx1"/>
-                </a:solidFill>
-              </a:rPr>
-              <a:t>)</a:t>
+              <a:t>events(select/poll/epoll/kqueue/iocp/wmsg)</a:t>
             </a:r>
             <a:endParaRPr lang="zh-CN" altLang="en-US" sz="1200" dirty="0">
               <a:solidFill>
@@ -7964,7 +7837,7 @@
           <a:p>
             <a:pPr algn="ctr"/>
             <a:r>
-              <a:rPr lang="en-US" altLang="zh-CN" sz="1200" dirty="0" err="1">
+              <a:rPr lang="en-US" altLang="zh-CN" sz="1200" dirty="0">
                 <a:solidFill>
                   <a:schemeClr val="tx1"/>
                 </a:solidFill>
@@ -8080,7 +7953,7 @@
           <a:p>
             <a:pPr algn="ctr"/>
             <a:r>
-              <a:rPr lang="en-US" altLang="zh-CN" sz="1200" dirty="0" err="1">
+              <a:rPr lang="en-US" altLang="zh-CN" sz="1200" dirty="0">
                 <a:solidFill>
                   <a:schemeClr val="tx1"/>
                 </a:solidFill>
@@ -8199,7 +8072,7 @@
           <a:p>
             <a:pPr algn="ctr"/>
             <a:r>
-              <a:rPr lang="en-US" altLang="zh-CN" sz="1200" dirty="0" err="1">
+              <a:rPr lang="en-US" altLang="zh-CN" sz="1200" dirty="0">
                 <a:solidFill>
                   <a:schemeClr val="tx1"/>
                 </a:solidFill>
@@ -8257,7 +8130,7 @@
           <a:p>
             <a:pPr algn="ctr"/>
             <a:r>
-              <a:rPr lang="en-US" altLang="zh-CN" sz="1200" dirty="0" err="1">
+              <a:rPr lang="en-US" altLang="zh-CN" sz="1200" dirty="0">
                 <a:solidFill>
                   <a:schemeClr val="tx1"/>
                 </a:solidFill>
@@ -8379,7 +8252,7 @@
           <a:p>
             <a:pPr algn="ctr"/>
             <a:r>
-              <a:rPr lang="en-US" altLang="zh-CN" sz="1200" dirty="0" err="1">
+              <a:rPr lang="en-US" altLang="zh-CN" sz="1200" dirty="0">
                 <a:solidFill>
                   <a:schemeClr val="tx1"/>
                 </a:solidFill>
@@ -8440,7 +8313,7 @@
           <a:p>
             <a:pPr algn="ctr"/>
             <a:r>
-              <a:rPr lang="en-US" altLang="zh-CN" sz="1200" dirty="0" err="1">
+              <a:rPr lang="en-US" altLang="zh-CN" sz="1200" dirty="0">
                 <a:solidFill>
                   <a:schemeClr val="tx1"/>
                 </a:solidFill>
@@ -8501,7 +8374,7 @@
           <a:p>
             <a:pPr algn="ctr"/>
             <a:r>
-              <a:rPr lang="en-US" altLang="zh-CN" sz="1200" dirty="0" err="1">
+              <a:rPr lang="en-US" altLang="zh-CN" sz="1200" dirty="0">
                 <a:solidFill>
                   <a:schemeClr val="tx1"/>
                 </a:solidFill>
@@ -8562,7 +8435,7 @@
           <a:p>
             <a:pPr algn="ctr"/>
             <a:r>
-              <a:rPr lang="en-US" altLang="zh-CN" sz="1200" dirty="0" err="1">
+              <a:rPr lang="en-US" altLang="zh-CN" sz="1200" dirty="0">
                 <a:solidFill>
                   <a:schemeClr val="tx1"/>
                 </a:solidFill>
@@ -8684,7 +8557,7 @@
           <a:p>
             <a:pPr algn="ctr"/>
             <a:r>
-              <a:rPr lang="en-US" altLang="zh-CN" sz="1200" dirty="0" err="1">
+              <a:rPr lang="en-US" altLang="zh-CN" sz="1200" dirty="0">
                 <a:solidFill>
                   <a:schemeClr val="tx1"/>
                 </a:solidFill>
@@ -8745,7 +8618,7 @@
           <a:p>
             <a:pPr algn="ctr"/>
             <a:r>
-              <a:rPr lang="en-US" altLang="zh-CN" sz="1200" dirty="0" err="1">
+              <a:rPr lang="en-US" altLang="zh-CN" sz="1200" dirty="0">
                 <a:solidFill>
                   <a:schemeClr val="tx1"/>
                 </a:solidFill>
@@ -9060,7 +8933,7 @@
           <a:p>
             <a:pPr algn="ctr"/>
             <a:r>
-              <a:rPr lang="en-US" altLang="zh-CN" sz="1200" dirty="0" err="1">
+              <a:rPr lang="en-US" altLang="zh-CN" sz="1200" dirty="0">
                 <a:solidFill>
                   <a:schemeClr val="tx1"/>
                 </a:solidFill>
@@ -9243,7 +9116,7 @@
           <a:p>
             <a:pPr algn="ctr"/>
             <a:r>
-              <a:rPr lang="en-US" altLang="zh-CN" sz="1200" dirty="0" err="1">
+              <a:rPr lang="en-US" altLang="zh-CN" sz="1200" dirty="0">
                 <a:solidFill>
                   <a:schemeClr val="tx1"/>
                 </a:solidFill>
@@ -9763,7 +9636,7 @@
           <a:p>
             <a:pPr algn="ctr"/>
             <a:r>
-              <a:rPr lang="en-US" altLang="zh-CN" sz="1200" dirty="0" err="1">
+              <a:rPr lang="en-US" altLang="zh-CN" sz="1200" dirty="0">
                 <a:solidFill>
                   <a:schemeClr val="tx1"/>
                 </a:solidFill>
@@ -11094,7 +10967,7 @@
           <a:p>
             <a:pPr algn="ctr"/>
             <a:r>
-              <a:rPr lang="en-US" altLang="zh-CN" sz="1200" dirty="0" err="1">
+              <a:rPr lang="en-US" altLang="zh-CN" sz="1200" dirty="0">
                 <a:solidFill>
                   <a:schemeClr val="tx1"/>
                 </a:solidFill>
@@ -11221,7 +11094,7 @@
                   <a:schemeClr val="tx1"/>
                 </a:solidFill>
               </a:rPr>
-              <a:t>IOS</a:t>
+              <a:t>iOS</a:t>
             </a:r>
             <a:endParaRPr lang="zh-CN" altLang="en-US" sz="1200" dirty="0">
               <a:solidFill>
@@ -11398,7 +11271,7 @@
           <a:p>
             <a:pPr algn="ctr"/>
             <a:r>
-              <a:rPr lang="en-US" altLang="zh-CN" sz="1200" dirty="0" err="1">
+              <a:rPr lang="en-US" altLang="zh-CN" sz="1200" dirty="0">
                 <a:solidFill>
                   <a:schemeClr val="tx1"/>
                 </a:solidFill>
@@ -11459,7 +11332,7 @@
           <a:p>
             <a:pPr algn="ctr"/>
             <a:r>
-              <a:rPr lang="en-US" altLang="zh-CN" sz="1200" dirty="0" err="1">
+              <a:rPr lang="en-US" altLang="zh-CN" sz="1200" dirty="0">
                 <a:solidFill>
                   <a:schemeClr val="tx1"/>
                 </a:solidFill>
@@ -11478,6 +11351,2509 @@
     <p:extLst>
       <p:ext uri="{BB962C8B-B14F-4D97-AF65-F5344CB8AC3E}">
         <p14:creationId xmlns:p14="http://schemas.microsoft.com/office/powerpoint/2010/main" val="2051681517"/>
+      </p:ext>
+    </p:extLst>
+  </p:cSld>
+  <p:clrMapOvr>
+    <a:masterClrMapping/>
+  </p:clrMapOvr>
+</p:sld>
+</file>
+
+<file path=ppt/slides/slide3.xml><?xml version="1.0" encoding="utf-8"?>
+<p:sld xmlns:a="http://schemas.openxmlformats.org/drawingml/2006/main" xmlns:r="http://schemas.openxmlformats.org/officeDocument/2006/relationships" xmlns:p="http://schemas.openxmlformats.org/presentationml/2006/main">
+  <p:cSld>
+    <p:spTree>
+      <p:nvGrpSpPr>
+        <p:cNvPr id="1" name=""/>
+        <p:cNvGrpSpPr/>
+        <p:nvPr/>
+      </p:nvGrpSpPr>
+      <p:grpSpPr>
+        <a:xfrm>
+          <a:off x="0" y="0"/>
+          <a:ext cx="0" cy="0"/>
+          <a:chOff x="0" y="0"/>
+          <a:chExt cx="0" cy="0"/>
+        </a:xfrm>
+      </p:grpSpPr>
+      <p:sp>
+        <p:nvSpPr>
+          <p:cNvPr id="2" name="椭圆 1"/>
+          <p:cNvSpPr/>
+          <p:nvPr/>
+        </p:nvSpPr>
+        <p:spPr>
+          <a:xfrm>
+            <a:off x="4564905" y="3662628"/>
+            <a:ext cx="1787857" cy="858130"/>
+          </a:xfrm>
+          <a:prstGeom prst="ellipse">
+            <a:avLst/>
+          </a:prstGeom>
+          <a:solidFill>
+            <a:schemeClr val="accent6">
+              <a:lumMod val="50000"/>
+            </a:schemeClr>
+          </a:solidFill>
+          <a:ln>
+            <a:noFill/>
+          </a:ln>
+        </p:spPr>
+        <p:style>
+          <a:lnRef idx="2">
+            <a:schemeClr val="accent1">
+              <a:shade val="50000"/>
+            </a:schemeClr>
+          </a:lnRef>
+          <a:fillRef idx="1">
+            <a:schemeClr val="accent1"/>
+          </a:fillRef>
+          <a:effectRef idx="0">
+            <a:schemeClr val="accent1"/>
+          </a:effectRef>
+          <a:fontRef idx="minor">
+            <a:schemeClr val="lt1"/>
+          </a:fontRef>
+        </p:style>
+        <p:txBody>
+          <a:bodyPr rtlCol="0" anchor="ctr"/>
+          <a:lstStyle/>
+          <a:p>
+            <a:pPr algn="ctr"/>
+            <a:r>
+              <a:rPr lang="zh-CN" altLang="en-US" sz="1400" dirty="0"/>
+              <a:t>异步事件引擎</a:t>
+            </a:r>
+          </a:p>
+        </p:txBody>
+      </p:sp>
+      <p:sp>
+        <p:nvSpPr>
+          <p:cNvPr id="3" name="椭圆 2"/>
+          <p:cNvSpPr/>
+          <p:nvPr/>
+        </p:nvSpPr>
+        <p:spPr>
+          <a:xfrm>
+            <a:off x="1771789" y="4766254"/>
+            <a:ext cx="1018545" cy="559558"/>
+          </a:xfrm>
+          <a:prstGeom prst="ellipse">
+            <a:avLst/>
+          </a:prstGeom>
+          <a:solidFill>
+            <a:schemeClr val="accent6">
+              <a:lumMod val="75000"/>
+            </a:schemeClr>
+          </a:solidFill>
+          <a:ln>
+            <a:noFill/>
+          </a:ln>
+        </p:spPr>
+        <p:style>
+          <a:lnRef idx="2">
+            <a:schemeClr val="accent1">
+              <a:shade val="50000"/>
+            </a:schemeClr>
+          </a:lnRef>
+          <a:fillRef idx="1">
+            <a:schemeClr val="accent1"/>
+          </a:fillRef>
+          <a:effectRef idx="0">
+            <a:schemeClr val="accent1"/>
+          </a:effectRef>
+          <a:fontRef idx="minor">
+            <a:schemeClr val="lt1"/>
+          </a:fontRef>
+        </p:style>
+        <p:txBody>
+          <a:bodyPr rtlCol="0" anchor="ctr"/>
+          <a:lstStyle/>
+          <a:p>
+            <a:pPr algn="ctr"/>
+            <a:r>
+              <a:rPr lang="en-US" altLang="zh-CN" sz="1400" dirty="0"/>
+              <a:t>select</a:t>
+            </a:r>
+            <a:endParaRPr lang="zh-CN" altLang="en-US" sz="1400" dirty="0"/>
+          </a:p>
+        </p:txBody>
+      </p:sp>
+      <p:sp>
+        <p:nvSpPr>
+          <p:cNvPr id="4" name="椭圆 3"/>
+          <p:cNvSpPr/>
+          <p:nvPr/>
+        </p:nvSpPr>
+        <p:spPr>
+          <a:xfrm>
+            <a:off x="3069744" y="4744526"/>
+            <a:ext cx="996774" cy="559558"/>
+          </a:xfrm>
+          <a:prstGeom prst="ellipse">
+            <a:avLst/>
+          </a:prstGeom>
+          <a:solidFill>
+            <a:schemeClr val="accent6">
+              <a:lumMod val="75000"/>
+            </a:schemeClr>
+          </a:solidFill>
+          <a:ln>
+            <a:noFill/>
+          </a:ln>
+        </p:spPr>
+        <p:style>
+          <a:lnRef idx="2">
+            <a:schemeClr val="accent1">
+              <a:shade val="50000"/>
+            </a:schemeClr>
+          </a:lnRef>
+          <a:fillRef idx="1">
+            <a:schemeClr val="accent1"/>
+          </a:fillRef>
+          <a:effectRef idx="0">
+            <a:schemeClr val="accent1"/>
+          </a:effectRef>
+          <a:fontRef idx="minor">
+            <a:schemeClr val="lt1"/>
+          </a:fontRef>
+        </p:style>
+        <p:txBody>
+          <a:bodyPr rtlCol="0" anchor="ctr"/>
+          <a:lstStyle/>
+          <a:p>
+            <a:pPr algn="ctr"/>
+            <a:r>
+              <a:rPr lang="en-US" altLang="zh-CN" sz="1400" dirty="0"/>
+              <a:t>poll</a:t>
+            </a:r>
+          </a:p>
+        </p:txBody>
+      </p:sp>
+      <p:sp>
+        <p:nvSpPr>
+          <p:cNvPr id="5" name="椭圆 4"/>
+          <p:cNvSpPr/>
+          <p:nvPr/>
+        </p:nvSpPr>
+        <p:spPr>
+          <a:xfrm>
+            <a:off x="4340680" y="4766254"/>
+            <a:ext cx="1010302" cy="559558"/>
+          </a:xfrm>
+          <a:prstGeom prst="ellipse">
+            <a:avLst/>
+          </a:prstGeom>
+          <a:solidFill>
+            <a:schemeClr val="accent6">
+              <a:lumMod val="75000"/>
+            </a:schemeClr>
+          </a:solidFill>
+          <a:ln>
+            <a:noFill/>
+          </a:ln>
+        </p:spPr>
+        <p:style>
+          <a:lnRef idx="2">
+            <a:schemeClr val="accent1">
+              <a:shade val="50000"/>
+            </a:schemeClr>
+          </a:lnRef>
+          <a:fillRef idx="1">
+            <a:schemeClr val="accent1"/>
+          </a:fillRef>
+          <a:effectRef idx="0">
+            <a:schemeClr val="accent1"/>
+          </a:effectRef>
+          <a:fontRef idx="minor">
+            <a:schemeClr val="lt1"/>
+          </a:fontRef>
+        </p:style>
+        <p:txBody>
+          <a:bodyPr rtlCol="0" anchor="ctr"/>
+          <a:lstStyle/>
+          <a:p>
+            <a:pPr algn="ctr"/>
+            <a:r>
+              <a:rPr lang="en-US" altLang="zh-CN" sz="1400" dirty="0"/>
+              <a:t>epoll</a:t>
+            </a:r>
+          </a:p>
+        </p:txBody>
+      </p:sp>
+      <p:sp>
+        <p:nvSpPr>
+          <p:cNvPr id="6" name="椭圆 5"/>
+          <p:cNvSpPr/>
+          <p:nvPr/>
+        </p:nvSpPr>
+        <p:spPr>
+          <a:xfrm>
+            <a:off x="5630392" y="4734101"/>
+            <a:ext cx="1050880" cy="559558"/>
+          </a:xfrm>
+          <a:prstGeom prst="ellipse">
+            <a:avLst/>
+          </a:prstGeom>
+          <a:solidFill>
+            <a:schemeClr val="accent6">
+              <a:lumMod val="75000"/>
+            </a:schemeClr>
+          </a:solidFill>
+          <a:ln>
+            <a:noFill/>
+          </a:ln>
+        </p:spPr>
+        <p:style>
+          <a:lnRef idx="2">
+            <a:schemeClr val="accent1">
+              <a:shade val="50000"/>
+            </a:schemeClr>
+          </a:lnRef>
+          <a:fillRef idx="1">
+            <a:schemeClr val="accent1"/>
+          </a:fillRef>
+          <a:effectRef idx="0">
+            <a:schemeClr val="accent1"/>
+          </a:effectRef>
+          <a:fontRef idx="minor">
+            <a:schemeClr val="lt1"/>
+          </a:fontRef>
+        </p:style>
+        <p:txBody>
+          <a:bodyPr rtlCol="0" anchor="ctr"/>
+          <a:lstStyle/>
+          <a:p>
+            <a:pPr algn="ctr"/>
+            <a:r>
+              <a:rPr lang="en-US" altLang="zh-CN" sz="1400" dirty="0"/>
+              <a:t>kqueue</a:t>
+            </a:r>
+          </a:p>
+        </p:txBody>
+      </p:sp>
+      <p:sp>
+        <p:nvSpPr>
+          <p:cNvPr id="7" name="椭圆 6"/>
+          <p:cNvSpPr/>
+          <p:nvPr/>
+        </p:nvSpPr>
+        <p:spPr>
+          <a:xfrm>
+            <a:off x="6960682" y="4761715"/>
+            <a:ext cx="988858" cy="559558"/>
+          </a:xfrm>
+          <a:prstGeom prst="ellipse">
+            <a:avLst/>
+          </a:prstGeom>
+          <a:solidFill>
+            <a:schemeClr val="accent6">
+              <a:lumMod val="75000"/>
+            </a:schemeClr>
+          </a:solidFill>
+          <a:ln>
+            <a:noFill/>
+          </a:ln>
+        </p:spPr>
+        <p:style>
+          <a:lnRef idx="2">
+            <a:schemeClr val="accent1">
+              <a:shade val="50000"/>
+            </a:schemeClr>
+          </a:lnRef>
+          <a:fillRef idx="1">
+            <a:schemeClr val="accent1"/>
+          </a:fillRef>
+          <a:effectRef idx="0">
+            <a:schemeClr val="accent1"/>
+          </a:effectRef>
+          <a:fontRef idx="minor">
+            <a:schemeClr val="lt1"/>
+          </a:fontRef>
+        </p:style>
+        <p:txBody>
+          <a:bodyPr rtlCol="0" anchor="ctr"/>
+          <a:lstStyle/>
+          <a:p>
+            <a:pPr algn="ctr"/>
+            <a:r>
+              <a:rPr lang="en-US" altLang="zh-CN" sz="1400" dirty="0"/>
+              <a:t>iocp</a:t>
+            </a:r>
+          </a:p>
+        </p:txBody>
+      </p:sp>
+      <p:sp>
+        <p:nvSpPr>
+          <p:cNvPr id="8" name="椭圆 7"/>
+          <p:cNvSpPr/>
+          <p:nvPr/>
+        </p:nvSpPr>
+        <p:spPr>
+          <a:xfrm>
+            <a:off x="8228950" y="4744526"/>
+            <a:ext cx="1055552" cy="559558"/>
+          </a:xfrm>
+          <a:prstGeom prst="ellipse">
+            <a:avLst/>
+          </a:prstGeom>
+          <a:solidFill>
+            <a:schemeClr val="accent6">
+              <a:lumMod val="75000"/>
+            </a:schemeClr>
+          </a:solidFill>
+          <a:ln>
+            <a:noFill/>
+          </a:ln>
+        </p:spPr>
+        <p:style>
+          <a:lnRef idx="2">
+            <a:schemeClr val="accent1">
+              <a:shade val="50000"/>
+            </a:schemeClr>
+          </a:lnRef>
+          <a:fillRef idx="1">
+            <a:schemeClr val="accent1"/>
+          </a:fillRef>
+          <a:effectRef idx="0">
+            <a:schemeClr val="accent1"/>
+          </a:effectRef>
+          <a:fontRef idx="minor">
+            <a:schemeClr val="lt1"/>
+          </a:fontRef>
+        </p:style>
+        <p:txBody>
+          <a:bodyPr rtlCol="0" anchor="ctr"/>
+          <a:lstStyle/>
+          <a:p>
+            <a:pPr algn="ctr"/>
+            <a:r>
+              <a:rPr lang="en-US" altLang="zh-CN" sz="1400" dirty="0"/>
+              <a:t>winmsg</a:t>
+            </a:r>
+          </a:p>
+        </p:txBody>
+      </p:sp>
+      <p:cxnSp>
+        <p:nvCxnSpPr>
+          <p:cNvPr id="10" name="曲线连接符 9"/>
+          <p:cNvCxnSpPr>
+            <a:stCxn id="2" idx="2"/>
+            <a:endCxn id="3" idx="0"/>
+          </p:cNvCxnSpPr>
+          <p:nvPr/>
+        </p:nvCxnSpPr>
+        <p:spPr>
+          <a:xfrm rot="10800000" flipV="1">
+            <a:off x="2281063" y="4091692"/>
+            <a:ext cx="2283843" cy="674561"/>
+          </a:xfrm>
+          <a:prstGeom prst="curvedConnector2">
+            <a:avLst/>
+          </a:prstGeom>
+          <a:ln>
+            <a:tailEnd type="triangle"/>
+          </a:ln>
+        </p:spPr>
+        <p:style>
+          <a:lnRef idx="1">
+            <a:schemeClr val="accent1"/>
+          </a:lnRef>
+          <a:fillRef idx="0">
+            <a:schemeClr val="accent1"/>
+          </a:fillRef>
+          <a:effectRef idx="0">
+            <a:schemeClr val="accent1"/>
+          </a:effectRef>
+          <a:fontRef idx="minor">
+            <a:schemeClr val="tx1"/>
+          </a:fontRef>
+        </p:style>
+      </p:cxnSp>
+      <p:cxnSp>
+        <p:nvCxnSpPr>
+          <p:cNvPr id="12" name="曲线连接符 11"/>
+          <p:cNvCxnSpPr>
+            <a:stCxn id="2" idx="3"/>
+            <a:endCxn id="4" idx="0"/>
+          </p:cNvCxnSpPr>
+          <p:nvPr/>
+        </p:nvCxnSpPr>
+        <p:spPr>
+          <a:xfrm rot="5400000">
+            <a:off x="4022712" y="3940507"/>
+            <a:ext cx="349438" cy="1258600"/>
+          </a:xfrm>
+          <a:prstGeom prst="curvedConnector3">
+            <a:avLst/>
+          </a:prstGeom>
+          <a:ln>
+            <a:tailEnd type="triangle"/>
+          </a:ln>
+        </p:spPr>
+        <p:style>
+          <a:lnRef idx="1">
+            <a:schemeClr val="accent1"/>
+          </a:lnRef>
+          <a:fillRef idx="0">
+            <a:schemeClr val="accent1"/>
+          </a:fillRef>
+          <a:effectRef idx="0">
+            <a:schemeClr val="accent1"/>
+          </a:effectRef>
+          <a:fontRef idx="minor">
+            <a:schemeClr val="tx1"/>
+          </a:fontRef>
+        </p:style>
+      </p:cxnSp>
+      <p:cxnSp>
+        <p:nvCxnSpPr>
+          <p:cNvPr id="14" name="曲线连接符 13"/>
+          <p:cNvCxnSpPr>
+            <a:stCxn id="2" idx="4"/>
+            <a:endCxn id="5" idx="0"/>
+          </p:cNvCxnSpPr>
+          <p:nvPr/>
+        </p:nvCxnSpPr>
+        <p:spPr>
+          <a:xfrm rot="5400000">
+            <a:off x="5029585" y="4337005"/>
+            <a:ext cx="245496" cy="613003"/>
+          </a:xfrm>
+          <a:prstGeom prst="curvedConnector3">
+            <a:avLst/>
+          </a:prstGeom>
+          <a:ln>
+            <a:tailEnd type="triangle"/>
+          </a:ln>
+        </p:spPr>
+        <p:style>
+          <a:lnRef idx="1">
+            <a:schemeClr val="accent1"/>
+          </a:lnRef>
+          <a:fillRef idx="0">
+            <a:schemeClr val="accent1"/>
+          </a:fillRef>
+          <a:effectRef idx="0">
+            <a:schemeClr val="accent1"/>
+          </a:effectRef>
+          <a:fontRef idx="minor">
+            <a:schemeClr val="tx1"/>
+          </a:fontRef>
+        </p:style>
+      </p:cxnSp>
+      <p:cxnSp>
+        <p:nvCxnSpPr>
+          <p:cNvPr id="16" name="曲线连接符 15"/>
+          <p:cNvCxnSpPr>
+            <a:stCxn id="2" idx="4"/>
+            <a:endCxn id="6" idx="0"/>
+          </p:cNvCxnSpPr>
+          <p:nvPr/>
+        </p:nvCxnSpPr>
+        <p:spPr>
+          <a:xfrm rot="16200000" flipH="1">
+            <a:off x="5700662" y="4278930"/>
+            <a:ext cx="213343" cy="696998"/>
+          </a:xfrm>
+          <a:prstGeom prst="curvedConnector3">
+            <a:avLst/>
+          </a:prstGeom>
+          <a:ln>
+            <a:tailEnd type="triangle"/>
+          </a:ln>
+        </p:spPr>
+        <p:style>
+          <a:lnRef idx="1">
+            <a:schemeClr val="accent1"/>
+          </a:lnRef>
+          <a:fillRef idx="0">
+            <a:schemeClr val="accent1"/>
+          </a:fillRef>
+          <a:effectRef idx="0">
+            <a:schemeClr val="accent1"/>
+          </a:effectRef>
+          <a:fontRef idx="minor">
+            <a:schemeClr val="tx1"/>
+          </a:fontRef>
+        </p:style>
+      </p:cxnSp>
+      <p:cxnSp>
+        <p:nvCxnSpPr>
+          <p:cNvPr id="18" name="曲线连接符 17"/>
+          <p:cNvCxnSpPr>
+            <a:stCxn id="2" idx="5"/>
+            <a:endCxn id="7" idx="0"/>
+          </p:cNvCxnSpPr>
+          <p:nvPr/>
+        </p:nvCxnSpPr>
+        <p:spPr>
+          <a:xfrm rot="16200000" flipH="1">
+            <a:off x="6589710" y="3896313"/>
+            <a:ext cx="366627" cy="1364175"/>
+          </a:xfrm>
+          <a:prstGeom prst="curvedConnector3">
+            <a:avLst/>
+          </a:prstGeom>
+          <a:ln>
+            <a:tailEnd type="triangle"/>
+          </a:ln>
+        </p:spPr>
+        <p:style>
+          <a:lnRef idx="1">
+            <a:schemeClr val="accent1"/>
+          </a:lnRef>
+          <a:fillRef idx="0">
+            <a:schemeClr val="accent1"/>
+          </a:fillRef>
+          <a:effectRef idx="0">
+            <a:schemeClr val="accent1"/>
+          </a:effectRef>
+          <a:fontRef idx="minor">
+            <a:schemeClr val="tx1"/>
+          </a:fontRef>
+        </p:style>
+      </p:cxnSp>
+      <p:cxnSp>
+        <p:nvCxnSpPr>
+          <p:cNvPr id="20" name="曲线连接符 19"/>
+          <p:cNvCxnSpPr>
+            <a:stCxn id="2" idx="6"/>
+            <a:endCxn id="8" idx="0"/>
+          </p:cNvCxnSpPr>
+          <p:nvPr/>
+        </p:nvCxnSpPr>
+        <p:spPr>
+          <a:xfrm>
+            <a:off x="6352762" y="4091693"/>
+            <a:ext cx="2403964" cy="652833"/>
+          </a:xfrm>
+          <a:prstGeom prst="curvedConnector2">
+            <a:avLst/>
+          </a:prstGeom>
+          <a:ln>
+            <a:tailEnd type="triangle"/>
+          </a:ln>
+        </p:spPr>
+        <p:style>
+          <a:lnRef idx="1">
+            <a:schemeClr val="accent1"/>
+          </a:lnRef>
+          <a:fillRef idx="0">
+            <a:schemeClr val="accent1"/>
+          </a:fillRef>
+          <a:effectRef idx="0">
+            <a:schemeClr val="accent1"/>
+          </a:effectRef>
+          <a:fontRef idx="minor">
+            <a:schemeClr val="tx1"/>
+          </a:fontRef>
+        </p:style>
+      </p:cxnSp>
+      <p:sp>
+        <p:nvSpPr>
+          <p:cNvPr id="22" name="椭圆 21"/>
+          <p:cNvSpPr/>
+          <p:nvPr/>
+        </p:nvSpPr>
+        <p:spPr>
+          <a:xfrm>
+            <a:off x="1941296" y="2856742"/>
+            <a:ext cx="1201003" cy="559558"/>
+          </a:xfrm>
+          <a:prstGeom prst="ellipse">
+            <a:avLst/>
+          </a:prstGeom>
+          <a:solidFill>
+            <a:schemeClr val="accent3">
+              <a:lumMod val="50000"/>
+            </a:schemeClr>
+          </a:solidFill>
+          <a:ln>
+            <a:noFill/>
+          </a:ln>
+        </p:spPr>
+        <p:style>
+          <a:lnRef idx="2">
+            <a:schemeClr val="accent1">
+              <a:shade val="50000"/>
+            </a:schemeClr>
+          </a:lnRef>
+          <a:fillRef idx="1">
+            <a:schemeClr val="accent1"/>
+          </a:fillRef>
+          <a:effectRef idx="0">
+            <a:schemeClr val="accent1"/>
+          </a:effectRef>
+          <a:fontRef idx="minor">
+            <a:schemeClr val="lt1"/>
+          </a:fontRef>
+        </p:style>
+        <p:txBody>
+          <a:bodyPr rtlCol="0" anchor="ctr"/>
+          <a:lstStyle/>
+          <a:p>
+            <a:pPr algn="ctr"/>
+            <a:r>
+              <a:rPr lang="en-US" altLang="zh-CN" sz="1400" dirty="0"/>
+              <a:t>accept</a:t>
+            </a:r>
+            <a:endParaRPr lang="zh-CN" altLang="en-US" sz="1400" dirty="0"/>
+          </a:p>
+        </p:txBody>
+      </p:sp>
+      <p:sp>
+        <p:nvSpPr>
+          <p:cNvPr id="23" name="椭圆 22"/>
+          <p:cNvSpPr/>
+          <p:nvPr/>
+        </p:nvSpPr>
+        <p:spPr>
+          <a:xfrm>
+            <a:off x="3306532" y="2856742"/>
+            <a:ext cx="1378424" cy="559558"/>
+          </a:xfrm>
+          <a:prstGeom prst="ellipse">
+            <a:avLst/>
+          </a:prstGeom>
+          <a:solidFill>
+            <a:schemeClr val="accent3">
+              <a:lumMod val="50000"/>
+            </a:schemeClr>
+          </a:solidFill>
+          <a:ln>
+            <a:noFill/>
+          </a:ln>
+        </p:spPr>
+        <p:style>
+          <a:lnRef idx="2">
+            <a:schemeClr val="accent1">
+              <a:shade val="50000"/>
+            </a:schemeClr>
+          </a:lnRef>
+          <a:fillRef idx="1">
+            <a:schemeClr val="accent1"/>
+          </a:fillRef>
+          <a:effectRef idx="0">
+            <a:schemeClr val="accent1"/>
+          </a:effectRef>
+          <a:fontRef idx="minor">
+            <a:schemeClr val="lt1"/>
+          </a:fontRef>
+        </p:style>
+        <p:txBody>
+          <a:bodyPr rtlCol="0" anchor="ctr"/>
+          <a:lstStyle/>
+          <a:p>
+            <a:pPr algn="ctr"/>
+            <a:r>
+              <a:rPr lang="en-US" altLang="zh-CN" sz="1400" dirty="0"/>
+              <a:t>connect</a:t>
+            </a:r>
+          </a:p>
+        </p:txBody>
+      </p:sp>
+      <p:sp>
+        <p:nvSpPr>
+          <p:cNvPr id="24" name="椭圆 23"/>
+          <p:cNvSpPr/>
+          <p:nvPr/>
+        </p:nvSpPr>
+        <p:spPr>
+          <a:xfrm>
+            <a:off x="4845831" y="2847041"/>
+            <a:ext cx="1219203" cy="559558"/>
+          </a:xfrm>
+          <a:prstGeom prst="ellipse">
+            <a:avLst/>
+          </a:prstGeom>
+          <a:solidFill>
+            <a:schemeClr val="accent3">
+              <a:lumMod val="50000"/>
+            </a:schemeClr>
+          </a:solidFill>
+          <a:ln>
+            <a:noFill/>
+          </a:ln>
+        </p:spPr>
+        <p:style>
+          <a:lnRef idx="2">
+            <a:schemeClr val="accent1">
+              <a:shade val="50000"/>
+            </a:schemeClr>
+          </a:lnRef>
+          <a:fillRef idx="1">
+            <a:schemeClr val="accent1"/>
+          </a:fillRef>
+          <a:effectRef idx="0">
+            <a:schemeClr val="accent1"/>
+          </a:effectRef>
+          <a:fontRef idx="minor">
+            <a:schemeClr val="lt1"/>
+          </a:fontRef>
+        </p:style>
+        <p:txBody>
+          <a:bodyPr rtlCol="0" anchor="ctr"/>
+          <a:lstStyle/>
+          <a:p>
+            <a:pPr algn="ctr"/>
+            <a:r>
+              <a:rPr lang="en-US" altLang="zh-CN" sz="1400" dirty="0"/>
+              <a:t>resolve</a:t>
+            </a:r>
+          </a:p>
+        </p:txBody>
+      </p:sp>
+      <p:sp>
+        <p:nvSpPr>
+          <p:cNvPr id="25" name="椭圆 24"/>
+          <p:cNvSpPr/>
+          <p:nvPr/>
+        </p:nvSpPr>
+        <p:spPr>
+          <a:xfrm>
+            <a:off x="6186464" y="2857574"/>
+            <a:ext cx="1269244" cy="559558"/>
+          </a:xfrm>
+          <a:prstGeom prst="ellipse">
+            <a:avLst/>
+          </a:prstGeom>
+          <a:solidFill>
+            <a:schemeClr val="accent3">
+              <a:lumMod val="50000"/>
+            </a:schemeClr>
+          </a:solidFill>
+          <a:ln>
+            <a:noFill/>
+          </a:ln>
+        </p:spPr>
+        <p:style>
+          <a:lnRef idx="2">
+            <a:schemeClr val="accent1">
+              <a:shade val="50000"/>
+            </a:schemeClr>
+          </a:lnRef>
+          <a:fillRef idx="1">
+            <a:schemeClr val="accent1"/>
+          </a:fillRef>
+          <a:effectRef idx="0">
+            <a:schemeClr val="accent1"/>
+          </a:effectRef>
+          <a:fontRef idx="minor">
+            <a:schemeClr val="lt1"/>
+          </a:fontRef>
+        </p:style>
+        <p:txBody>
+          <a:bodyPr rtlCol="0" anchor="ctr"/>
+          <a:lstStyle/>
+          <a:p>
+            <a:pPr algn="ctr"/>
+            <a:r>
+              <a:rPr lang="en-US" altLang="zh-CN" sz="1400" dirty="0"/>
+              <a:t>write</a:t>
+            </a:r>
+          </a:p>
+        </p:txBody>
+      </p:sp>
+      <p:sp>
+        <p:nvSpPr>
+          <p:cNvPr id="26" name="椭圆 25"/>
+          <p:cNvSpPr/>
+          <p:nvPr/>
+        </p:nvSpPr>
+        <p:spPr>
+          <a:xfrm>
+            <a:off x="7622529" y="2847041"/>
+            <a:ext cx="1134197" cy="559558"/>
+          </a:xfrm>
+          <a:prstGeom prst="ellipse">
+            <a:avLst/>
+          </a:prstGeom>
+          <a:solidFill>
+            <a:schemeClr val="accent3">
+              <a:lumMod val="50000"/>
+            </a:schemeClr>
+          </a:solidFill>
+          <a:ln>
+            <a:noFill/>
+          </a:ln>
+        </p:spPr>
+        <p:style>
+          <a:lnRef idx="2">
+            <a:schemeClr val="accent1">
+              <a:shade val="50000"/>
+            </a:schemeClr>
+          </a:lnRef>
+          <a:fillRef idx="1">
+            <a:schemeClr val="accent1"/>
+          </a:fillRef>
+          <a:effectRef idx="0">
+            <a:schemeClr val="accent1"/>
+          </a:effectRef>
+          <a:fontRef idx="minor">
+            <a:schemeClr val="lt1"/>
+          </a:fontRef>
+        </p:style>
+        <p:txBody>
+          <a:bodyPr rtlCol="0" anchor="ctr"/>
+          <a:lstStyle/>
+          <a:p>
+            <a:pPr algn="ctr"/>
+            <a:r>
+              <a:rPr lang="en-US" altLang="zh-CN" sz="1400" dirty="0"/>
+              <a:t>read</a:t>
+            </a:r>
+          </a:p>
+        </p:txBody>
+      </p:sp>
+      <p:sp>
+        <p:nvSpPr>
+          <p:cNvPr id="27" name="椭圆 26"/>
+          <p:cNvSpPr/>
+          <p:nvPr/>
+        </p:nvSpPr>
+        <p:spPr>
+          <a:xfrm>
+            <a:off x="9112910" y="2347679"/>
+            <a:ext cx="1296010" cy="423490"/>
+          </a:xfrm>
+          <a:prstGeom prst="ellipse">
+            <a:avLst/>
+          </a:prstGeom>
+          <a:solidFill>
+            <a:schemeClr val="accent4">
+              <a:lumMod val="75000"/>
+            </a:schemeClr>
+          </a:solidFill>
+          <a:ln>
+            <a:noFill/>
+          </a:ln>
+        </p:spPr>
+        <p:style>
+          <a:lnRef idx="2">
+            <a:schemeClr val="accent1">
+              <a:shade val="50000"/>
+            </a:schemeClr>
+          </a:lnRef>
+          <a:fillRef idx="1">
+            <a:schemeClr val="accent1"/>
+          </a:fillRef>
+          <a:effectRef idx="0">
+            <a:schemeClr val="accent1"/>
+          </a:effectRef>
+          <a:fontRef idx="minor">
+            <a:schemeClr val="lt1"/>
+          </a:fontRef>
+        </p:style>
+        <p:txBody>
+          <a:bodyPr rtlCol="0" anchor="ctr"/>
+          <a:lstStyle/>
+          <a:p>
+            <a:pPr algn="ctr"/>
+            <a:r>
+              <a:rPr lang="en-US" altLang="zh-CN" sz="1400" dirty="0"/>
+              <a:t>Read-N</a:t>
+            </a:r>
+          </a:p>
+        </p:txBody>
+      </p:sp>
+      <p:sp>
+        <p:nvSpPr>
+          <p:cNvPr id="34" name="椭圆 33"/>
+          <p:cNvSpPr/>
+          <p:nvPr/>
+        </p:nvSpPr>
+        <p:spPr>
+          <a:xfrm>
+            <a:off x="9112910" y="2935752"/>
+            <a:ext cx="1296009" cy="382136"/>
+          </a:xfrm>
+          <a:prstGeom prst="ellipse">
+            <a:avLst/>
+          </a:prstGeom>
+          <a:solidFill>
+            <a:schemeClr val="accent4">
+              <a:lumMod val="75000"/>
+            </a:schemeClr>
+          </a:solidFill>
+          <a:ln>
+            <a:noFill/>
+          </a:ln>
+        </p:spPr>
+        <p:style>
+          <a:lnRef idx="2">
+            <a:schemeClr val="accent1">
+              <a:shade val="50000"/>
+            </a:schemeClr>
+          </a:lnRef>
+          <a:fillRef idx="1">
+            <a:schemeClr val="accent1"/>
+          </a:fillRef>
+          <a:effectRef idx="0">
+            <a:schemeClr val="accent1"/>
+          </a:effectRef>
+          <a:fontRef idx="minor">
+            <a:schemeClr val="lt1"/>
+          </a:fontRef>
+        </p:style>
+        <p:txBody>
+          <a:bodyPr rtlCol="0" anchor="ctr"/>
+          <a:lstStyle/>
+          <a:p>
+            <a:pPr algn="ctr"/>
+            <a:r>
+              <a:rPr lang="en-US" altLang="zh-CN" sz="1400" dirty="0"/>
+              <a:t>Readline</a:t>
+            </a:r>
+          </a:p>
+        </p:txBody>
+      </p:sp>
+      <p:sp>
+        <p:nvSpPr>
+          <p:cNvPr id="35" name="椭圆 34"/>
+          <p:cNvSpPr/>
+          <p:nvPr/>
+        </p:nvSpPr>
+        <p:spPr>
+          <a:xfrm>
+            <a:off x="9112912" y="3552927"/>
+            <a:ext cx="1296008" cy="360488"/>
+          </a:xfrm>
+          <a:prstGeom prst="ellipse">
+            <a:avLst/>
+          </a:prstGeom>
+          <a:solidFill>
+            <a:schemeClr val="accent4">
+              <a:lumMod val="75000"/>
+            </a:schemeClr>
+          </a:solidFill>
+          <a:ln>
+            <a:noFill/>
+          </a:ln>
+        </p:spPr>
+        <p:style>
+          <a:lnRef idx="2">
+            <a:schemeClr val="accent1">
+              <a:shade val="50000"/>
+            </a:schemeClr>
+          </a:lnRef>
+          <a:fillRef idx="1">
+            <a:schemeClr val="accent1"/>
+          </a:fillRef>
+          <a:effectRef idx="0">
+            <a:schemeClr val="accent1"/>
+          </a:effectRef>
+          <a:fontRef idx="minor">
+            <a:schemeClr val="lt1"/>
+          </a:fontRef>
+        </p:style>
+        <p:txBody>
+          <a:bodyPr rtlCol="0" anchor="ctr"/>
+          <a:lstStyle/>
+          <a:p>
+            <a:pPr algn="ctr"/>
+            <a:r>
+              <a:rPr lang="en-US" altLang="zh-CN" sz="1400" dirty="0"/>
+              <a:t>Read wait</a:t>
+            </a:r>
+          </a:p>
+        </p:txBody>
+      </p:sp>
+      <p:cxnSp>
+        <p:nvCxnSpPr>
+          <p:cNvPr id="37" name="直接箭头连接符 36"/>
+          <p:cNvCxnSpPr>
+            <a:stCxn id="26" idx="6"/>
+            <a:endCxn id="27" idx="2"/>
+          </p:cNvCxnSpPr>
+          <p:nvPr/>
+        </p:nvCxnSpPr>
+        <p:spPr>
+          <a:xfrm flipV="1">
+            <a:off x="8756726" y="2559424"/>
+            <a:ext cx="356184" cy="567396"/>
+          </a:xfrm>
+          <a:prstGeom prst="straightConnector1">
+            <a:avLst/>
+          </a:prstGeom>
+          <a:ln>
+            <a:tailEnd type="triangle"/>
+          </a:ln>
+        </p:spPr>
+        <p:style>
+          <a:lnRef idx="1">
+            <a:schemeClr val="accent1"/>
+          </a:lnRef>
+          <a:fillRef idx="0">
+            <a:schemeClr val="accent1"/>
+          </a:fillRef>
+          <a:effectRef idx="0">
+            <a:schemeClr val="accent1"/>
+          </a:effectRef>
+          <a:fontRef idx="minor">
+            <a:schemeClr val="tx1"/>
+          </a:fontRef>
+        </p:style>
+      </p:cxnSp>
+      <p:cxnSp>
+        <p:nvCxnSpPr>
+          <p:cNvPr id="39" name="直接箭头连接符 38"/>
+          <p:cNvCxnSpPr>
+            <a:stCxn id="26" idx="6"/>
+            <a:endCxn id="34" idx="2"/>
+          </p:cNvCxnSpPr>
+          <p:nvPr/>
+        </p:nvCxnSpPr>
+        <p:spPr>
+          <a:xfrm>
+            <a:off x="8756726" y="3126820"/>
+            <a:ext cx="356184" cy="0"/>
+          </a:xfrm>
+          <a:prstGeom prst="straightConnector1">
+            <a:avLst/>
+          </a:prstGeom>
+          <a:ln>
+            <a:tailEnd type="triangle"/>
+          </a:ln>
+        </p:spPr>
+        <p:style>
+          <a:lnRef idx="1">
+            <a:schemeClr val="accent1"/>
+          </a:lnRef>
+          <a:fillRef idx="0">
+            <a:schemeClr val="accent1"/>
+          </a:fillRef>
+          <a:effectRef idx="0">
+            <a:schemeClr val="accent1"/>
+          </a:effectRef>
+          <a:fontRef idx="minor">
+            <a:schemeClr val="tx1"/>
+          </a:fontRef>
+        </p:style>
+      </p:cxnSp>
+      <p:cxnSp>
+        <p:nvCxnSpPr>
+          <p:cNvPr id="41" name="直接箭头连接符 40"/>
+          <p:cNvCxnSpPr>
+            <a:stCxn id="26" idx="6"/>
+            <a:endCxn id="35" idx="2"/>
+          </p:cNvCxnSpPr>
+          <p:nvPr/>
+        </p:nvCxnSpPr>
+        <p:spPr>
+          <a:xfrm>
+            <a:off x="8756726" y="3126820"/>
+            <a:ext cx="356186" cy="606351"/>
+          </a:xfrm>
+          <a:prstGeom prst="straightConnector1">
+            <a:avLst/>
+          </a:prstGeom>
+          <a:ln>
+            <a:tailEnd type="triangle"/>
+          </a:ln>
+        </p:spPr>
+        <p:style>
+          <a:lnRef idx="1">
+            <a:schemeClr val="accent1"/>
+          </a:lnRef>
+          <a:fillRef idx="0">
+            <a:schemeClr val="accent1"/>
+          </a:fillRef>
+          <a:effectRef idx="0">
+            <a:schemeClr val="accent1"/>
+          </a:effectRef>
+          <a:fontRef idx="minor">
+            <a:schemeClr val="tx1"/>
+          </a:fontRef>
+        </p:style>
+      </p:cxnSp>
+      <p:cxnSp>
+        <p:nvCxnSpPr>
+          <p:cNvPr id="55" name="直接箭头连接符 54"/>
+          <p:cNvCxnSpPr>
+            <a:stCxn id="2" idx="1"/>
+            <a:endCxn id="22" idx="4"/>
+          </p:cNvCxnSpPr>
+          <p:nvPr/>
+        </p:nvCxnSpPr>
+        <p:spPr>
+          <a:xfrm flipH="1" flipV="1">
+            <a:off x="2541798" y="3416300"/>
+            <a:ext cx="2284933" cy="371998"/>
+          </a:xfrm>
+          <a:prstGeom prst="straightConnector1">
+            <a:avLst/>
+          </a:prstGeom>
+          <a:ln>
+            <a:tailEnd type="triangle"/>
+          </a:ln>
+        </p:spPr>
+        <p:style>
+          <a:lnRef idx="1">
+            <a:schemeClr val="accent1"/>
+          </a:lnRef>
+          <a:fillRef idx="0">
+            <a:schemeClr val="accent1"/>
+          </a:fillRef>
+          <a:effectRef idx="0">
+            <a:schemeClr val="accent1"/>
+          </a:effectRef>
+          <a:fontRef idx="minor">
+            <a:schemeClr val="tx1"/>
+          </a:fontRef>
+        </p:style>
+      </p:cxnSp>
+      <p:cxnSp>
+        <p:nvCxnSpPr>
+          <p:cNvPr id="58" name="直接箭头连接符 57"/>
+          <p:cNvCxnSpPr>
+            <a:stCxn id="2" idx="1"/>
+            <a:endCxn id="23" idx="4"/>
+          </p:cNvCxnSpPr>
+          <p:nvPr/>
+        </p:nvCxnSpPr>
+        <p:spPr>
+          <a:xfrm flipH="1" flipV="1">
+            <a:off x="3995744" y="3416300"/>
+            <a:ext cx="830987" cy="371998"/>
+          </a:xfrm>
+          <a:prstGeom prst="straightConnector1">
+            <a:avLst/>
+          </a:prstGeom>
+          <a:ln>
+            <a:tailEnd type="triangle"/>
+          </a:ln>
+        </p:spPr>
+        <p:style>
+          <a:lnRef idx="1">
+            <a:schemeClr val="accent1"/>
+          </a:lnRef>
+          <a:fillRef idx="0">
+            <a:schemeClr val="accent1"/>
+          </a:fillRef>
+          <a:effectRef idx="0">
+            <a:schemeClr val="accent1"/>
+          </a:effectRef>
+          <a:fontRef idx="minor">
+            <a:schemeClr val="tx1"/>
+          </a:fontRef>
+        </p:style>
+      </p:cxnSp>
+      <p:cxnSp>
+        <p:nvCxnSpPr>
+          <p:cNvPr id="60" name="直接箭头连接符 59"/>
+          <p:cNvCxnSpPr>
+            <a:stCxn id="2" idx="0"/>
+            <a:endCxn id="24" idx="4"/>
+          </p:cNvCxnSpPr>
+          <p:nvPr/>
+        </p:nvCxnSpPr>
+        <p:spPr>
+          <a:xfrm flipH="1" flipV="1">
+            <a:off x="5455433" y="3406599"/>
+            <a:ext cx="3401" cy="256029"/>
+          </a:xfrm>
+          <a:prstGeom prst="straightConnector1">
+            <a:avLst/>
+          </a:prstGeom>
+          <a:ln>
+            <a:tailEnd type="triangle"/>
+          </a:ln>
+        </p:spPr>
+        <p:style>
+          <a:lnRef idx="1">
+            <a:schemeClr val="accent1"/>
+          </a:lnRef>
+          <a:fillRef idx="0">
+            <a:schemeClr val="accent1"/>
+          </a:fillRef>
+          <a:effectRef idx="0">
+            <a:schemeClr val="accent1"/>
+          </a:effectRef>
+          <a:fontRef idx="minor">
+            <a:schemeClr val="tx1"/>
+          </a:fontRef>
+        </p:style>
+      </p:cxnSp>
+      <p:cxnSp>
+        <p:nvCxnSpPr>
+          <p:cNvPr id="62" name="直接箭头连接符 61"/>
+          <p:cNvCxnSpPr>
+            <a:stCxn id="2" idx="7"/>
+            <a:endCxn id="25" idx="4"/>
+          </p:cNvCxnSpPr>
+          <p:nvPr/>
+        </p:nvCxnSpPr>
+        <p:spPr>
+          <a:xfrm flipV="1">
+            <a:off x="6090936" y="3417132"/>
+            <a:ext cx="730150" cy="371166"/>
+          </a:xfrm>
+          <a:prstGeom prst="straightConnector1">
+            <a:avLst/>
+          </a:prstGeom>
+          <a:ln>
+            <a:tailEnd type="triangle"/>
+          </a:ln>
+        </p:spPr>
+        <p:style>
+          <a:lnRef idx="1">
+            <a:schemeClr val="accent1"/>
+          </a:lnRef>
+          <a:fillRef idx="0">
+            <a:schemeClr val="accent1"/>
+          </a:fillRef>
+          <a:effectRef idx="0">
+            <a:schemeClr val="accent1"/>
+          </a:effectRef>
+          <a:fontRef idx="minor">
+            <a:schemeClr val="tx1"/>
+          </a:fontRef>
+        </p:style>
+      </p:cxnSp>
+      <p:cxnSp>
+        <p:nvCxnSpPr>
+          <p:cNvPr id="64" name="直接箭头连接符 63"/>
+          <p:cNvCxnSpPr>
+            <a:stCxn id="2" idx="7"/>
+            <a:endCxn id="26" idx="4"/>
+          </p:cNvCxnSpPr>
+          <p:nvPr/>
+        </p:nvCxnSpPr>
+        <p:spPr>
+          <a:xfrm flipV="1">
+            <a:off x="6090936" y="3406599"/>
+            <a:ext cx="2098692" cy="381699"/>
+          </a:xfrm>
+          <a:prstGeom prst="straightConnector1">
+            <a:avLst/>
+          </a:prstGeom>
+          <a:ln>
+            <a:tailEnd type="triangle"/>
+          </a:ln>
+        </p:spPr>
+        <p:style>
+          <a:lnRef idx="1">
+            <a:schemeClr val="accent1"/>
+          </a:lnRef>
+          <a:fillRef idx="0">
+            <a:schemeClr val="accent1"/>
+          </a:fillRef>
+          <a:effectRef idx="0">
+            <a:schemeClr val="accent1"/>
+          </a:effectRef>
+          <a:fontRef idx="minor">
+            <a:schemeClr val="tx1"/>
+          </a:fontRef>
+        </p:style>
+      </p:cxnSp>
+      <p:sp>
+        <p:nvSpPr>
+          <p:cNvPr id="65" name="椭圆 64"/>
+          <p:cNvSpPr/>
+          <p:nvPr/>
+        </p:nvSpPr>
+        <p:spPr>
+          <a:xfrm>
+            <a:off x="1901158" y="1554547"/>
+            <a:ext cx="1284594" cy="559558"/>
+          </a:xfrm>
+          <a:prstGeom prst="ellipse">
+            <a:avLst/>
+          </a:prstGeom>
+          <a:solidFill>
+            <a:schemeClr val="accent3">
+              <a:lumMod val="75000"/>
+            </a:schemeClr>
+          </a:solidFill>
+          <a:ln>
+            <a:noFill/>
+          </a:ln>
+        </p:spPr>
+        <p:style>
+          <a:lnRef idx="2">
+            <a:schemeClr val="accent1">
+              <a:shade val="50000"/>
+            </a:schemeClr>
+          </a:lnRef>
+          <a:fillRef idx="1">
+            <a:schemeClr val="accent1"/>
+          </a:fillRef>
+          <a:effectRef idx="0">
+            <a:schemeClr val="accent1"/>
+          </a:effectRef>
+          <a:fontRef idx="minor">
+            <a:schemeClr val="lt1"/>
+          </a:fontRef>
+        </p:style>
+        <p:txBody>
+          <a:bodyPr rtlCol="0" anchor="ctr"/>
+          <a:lstStyle/>
+          <a:p>
+            <a:pPr algn="ctr"/>
+            <a:r>
+              <a:rPr lang="en-US" altLang="zh-CN" sz="1400" dirty="0"/>
+              <a:t>OnAccept</a:t>
+            </a:r>
+            <a:endParaRPr lang="zh-CN" altLang="en-US" sz="1400" dirty="0"/>
+          </a:p>
+        </p:txBody>
+      </p:sp>
+      <p:sp>
+        <p:nvSpPr>
+          <p:cNvPr id="66" name="椭圆 65"/>
+          <p:cNvSpPr/>
+          <p:nvPr/>
+        </p:nvSpPr>
+        <p:spPr>
+          <a:xfrm>
+            <a:off x="3278538" y="1554547"/>
+            <a:ext cx="1432447" cy="559558"/>
+          </a:xfrm>
+          <a:prstGeom prst="ellipse">
+            <a:avLst/>
+          </a:prstGeom>
+          <a:solidFill>
+            <a:schemeClr val="accent3">
+              <a:lumMod val="75000"/>
+            </a:schemeClr>
+          </a:solidFill>
+          <a:ln>
+            <a:noFill/>
+          </a:ln>
+        </p:spPr>
+        <p:style>
+          <a:lnRef idx="2">
+            <a:schemeClr val="accent1">
+              <a:shade val="50000"/>
+            </a:schemeClr>
+          </a:lnRef>
+          <a:fillRef idx="1">
+            <a:schemeClr val="accent1"/>
+          </a:fillRef>
+          <a:effectRef idx="0">
+            <a:schemeClr val="accent1"/>
+          </a:effectRef>
+          <a:fontRef idx="minor">
+            <a:schemeClr val="lt1"/>
+          </a:fontRef>
+        </p:style>
+        <p:txBody>
+          <a:bodyPr rtlCol="0" anchor="ctr"/>
+          <a:lstStyle/>
+          <a:p>
+            <a:pPr algn="ctr"/>
+            <a:r>
+              <a:rPr lang="en-US" altLang="zh-CN" sz="1400" dirty="0"/>
+              <a:t>OnConnect</a:t>
+            </a:r>
+          </a:p>
+        </p:txBody>
+      </p:sp>
+      <p:sp>
+        <p:nvSpPr>
+          <p:cNvPr id="67" name="椭圆 66"/>
+          <p:cNvSpPr/>
+          <p:nvPr/>
+        </p:nvSpPr>
+        <p:spPr>
+          <a:xfrm>
+            <a:off x="4739921" y="1551777"/>
+            <a:ext cx="1422371" cy="559558"/>
+          </a:xfrm>
+          <a:prstGeom prst="ellipse">
+            <a:avLst/>
+          </a:prstGeom>
+          <a:solidFill>
+            <a:schemeClr val="accent3">
+              <a:lumMod val="75000"/>
+            </a:schemeClr>
+          </a:solidFill>
+          <a:ln>
+            <a:noFill/>
+          </a:ln>
+        </p:spPr>
+        <p:style>
+          <a:lnRef idx="2">
+            <a:schemeClr val="accent1">
+              <a:shade val="50000"/>
+            </a:schemeClr>
+          </a:lnRef>
+          <a:fillRef idx="1">
+            <a:schemeClr val="accent1"/>
+          </a:fillRef>
+          <a:effectRef idx="0">
+            <a:schemeClr val="accent1"/>
+          </a:effectRef>
+          <a:fontRef idx="minor">
+            <a:schemeClr val="lt1"/>
+          </a:fontRef>
+        </p:style>
+        <p:txBody>
+          <a:bodyPr rtlCol="0" anchor="ctr"/>
+          <a:lstStyle/>
+          <a:p>
+            <a:pPr algn="ctr"/>
+            <a:r>
+              <a:rPr lang="en-US" altLang="zh-CN" sz="1400" dirty="0"/>
+              <a:t>OnResolve</a:t>
+            </a:r>
+          </a:p>
+        </p:txBody>
+      </p:sp>
+      <p:sp>
+        <p:nvSpPr>
+          <p:cNvPr id="68" name="椭圆 67"/>
+          <p:cNvSpPr/>
+          <p:nvPr/>
+        </p:nvSpPr>
+        <p:spPr>
+          <a:xfrm>
+            <a:off x="6224305" y="1551777"/>
+            <a:ext cx="1193562" cy="559558"/>
+          </a:xfrm>
+          <a:prstGeom prst="ellipse">
+            <a:avLst/>
+          </a:prstGeom>
+          <a:solidFill>
+            <a:schemeClr val="accent3">
+              <a:lumMod val="75000"/>
+            </a:schemeClr>
+          </a:solidFill>
+          <a:ln>
+            <a:noFill/>
+          </a:ln>
+        </p:spPr>
+        <p:style>
+          <a:lnRef idx="2">
+            <a:schemeClr val="accent1">
+              <a:shade val="50000"/>
+            </a:schemeClr>
+          </a:lnRef>
+          <a:fillRef idx="1">
+            <a:schemeClr val="accent1"/>
+          </a:fillRef>
+          <a:effectRef idx="0">
+            <a:schemeClr val="accent1"/>
+          </a:effectRef>
+          <a:fontRef idx="minor">
+            <a:schemeClr val="lt1"/>
+          </a:fontRef>
+        </p:style>
+        <p:txBody>
+          <a:bodyPr rtlCol="0" anchor="ctr"/>
+          <a:lstStyle/>
+          <a:p>
+            <a:pPr algn="ctr"/>
+            <a:r>
+              <a:rPr lang="en-US" altLang="zh-CN" sz="1400" dirty="0"/>
+              <a:t>OnWrite</a:t>
+            </a:r>
+          </a:p>
+        </p:txBody>
+      </p:sp>
+      <p:sp>
+        <p:nvSpPr>
+          <p:cNvPr id="69" name="椭圆 68"/>
+          <p:cNvSpPr/>
+          <p:nvPr/>
+        </p:nvSpPr>
+        <p:spPr>
+          <a:xfrm>
+            <a:off x="7622529" y="1551777"/>
+            <a:ext cx="1144487" cy="559558"/>
+          </a:xfrm>
+          <a:prstGeom prst="ellipse">
+            <a:avLst/>
+          </a:prstGeom>
+          <a:solidFill>
+            <a:schemeClr val="accent3">
+              <a:lumMod val="75000"/>
+            </a:schemeClr>
+          </a:solidFill>
+          <a:ln>
+            <a:noFill/>
+          </a:ln>
+        </p:spPr>
+        <p:style>
+          <a:lnRef idx="2">
+            <a:schemeClr val="accent1">
+              <a:shade val="50000"/>
+            </a:schemeClr>
+          </a:lnRef>
+          <a:fillRef idx="1">
+            <a:schemeClr val="accent1"/>
+          </a:fillRef>
+          <a:effectRef idx="0">
+            <a:schemeClr val="accent1"/>
+          </a:effectRef>
+          <a:fontRef idx="minor">
+            <a:schemeClr val="lt1"/>
+          </a:fontRef>
+        </p:style>
+        <p:txBody>
+          <a:bodyPr rtlCol="0" anchor="ctr"/>
+          <a:lstStyle/>
+          <a:p>
+            <a:pPr algn="ctr"/>
+            <a:r>
+              <a:rPr lang="en-US" altLang="zh-CN" sz="1400" dirty="0"/>
+              <a:t>OnRead</a:t>
+            </a:r>
+          </a:p>
+        </p:txBody>
+      </p:sp>
+      <p:cxnSp>
+        <p:nvCxnSpPr>
+          <p:cNvPr id="71" name="直接箭头连接符 70"/>
+          <p:cNvCxnSpPr>
+            <a:stCxn id="22" idx="0"/>
+            <a:endCxn id="65" idx="4"/>
+          </p:cNvCxnSpPr>
+          <p:nvPr/>
+        </p:nvCxnSpPr>
+        <p:spPr>
+          <a:xfrm flipV="1">
+            <a:off x="2541798" y="2114105"/>
+            <a:ext cx="1657" cy="742637"/>
+          </a:xfrm>
+          <a:prstGeom prst="straightConnector1">
+            <a:avLst/>
+          </a:prstGeom>
+          <a:ln>
+            <a:tailEnd type="triangle"/>
+          </a:ln>
+        </p:spPr>
+        <p:style>
+          <a:lnRef idx="1">
+            <a:schemeClr val="accent1"/>
+          </a:lnRef>
+          <a:fillRef idx="0">
+            <a:schemeClr val="accent1"/>
+          </a:fillRef>
+          <a:effectRef idx="0">
+            <a:schemeClr val="accent1"/>
+          </a:effectRef>
+          <a:fontRef idx="minor">
+            <a:schemeClr val="tx1"/>
+          </a:fontRef>
+        </p:style>
+      </p:cxnSp>
+      <p:cxnSp>
+        <p:nvCxnSpPr>
+          <p:cNvPr id="73" name="直接箭头连接符 72"/>
+          <p:cNvCxnSpPr>
+            <a:stCxn id="23" idx="0"/>
+            <a:endCxn id="66" idx="4"/>
+          </p:cNvCxnSpPr>
+          <p:nvPr/>
+        </p:nvCxnSpPr>
+        <p:spPr>
+          <a:xfrm flipH="1" flipV="1">
+            <a:off x="3994762" y="2114105"/>
+            <a:ext cx="982" cy="742637"/>
+          </a:xfrm>
+          <a:prstGeom prst="straightConnector1">
+            <a:avLst/>
+          </a:prstGeom>
+          <a:ln>
+            <a:tailEnd type="triangle"/>
+          </a:ln>
+        </p:spPr>
+        <p:style>
+          <a:lnRef idx="1">
+            <a:schemeClr val="accent1"/>
+          </a:lnRef>
+          <a:fillRef idx="0">
+            <a:schemeClr val="accent1"/>
+          </a:fillRef>
+          <a:effectRef idx="0">
+            <a:schemeClr val="accent1"/>
+          </a:effectRef>
+          <a:fontRef idx="minor">
+            <a:schemeClr val="tx1"/>
+          </a:fontRef>
+        </p:style>
+      </p:cxnSp>
+      <p:cxnSp>
+        <p:nvCxnSpPr>
+          <p:cNvPr id="75" name="直接箭头连接符 74"/>
+          <p:cNvCxnSpPr>
+            <a:stCxn id="24" idx="0"/>
+            <a:endCxn id="67" idx="4"/>
+          </p:cNvCxnSpPr>
+          <p:nvPr/>
+        </p:nvCxnSpPr>
+        <p:spPr>
+          <a:xfrm flipH="1" flipV="1">
+            <a:off x="5451107" y="2111335"/>
+            <a:ext cx="4326" cy="735706"/>
+          </a:xfrm>
+          <a:prstGeom prst="straightConnector1">
+            <a:avLst/>
+          </a:prstGeom>
+          <a:ln>
+            <a:tailEnd type="triangle"/>
+          </a:ln>
+        </p:spPr>
+        <p:style>
+          <a:lnRef idx="1">
+            <a:schemeClr val="accent1"/>
+          </a:lnRef>
+          <a:fillRef idx="0">
+            <a:schemeClr val="accent1"/>
+          </a:fillRef>
+          <a:effectRef idx="0">
+            <a:schemeClr val="accent1"/>
+          </a:effectRef>
+          <a:fontRef idx="minor">
+            <a:schemeClr val="tx1"/>
+          </a:fontRef>
+        </p:style>
+      </p:cxnSp>
+      <p:cxnSp>
+        <p:nvCxnSpPr>
+          <p:cNvPr id="77" name="直接箭头连接符 76"/>
+          <p:cNvCxnSpPr>
+            <a:stCxn id="25" idx="0"/>
+            <a:endCxn id="189" idx="2"/>
+          </p:cNvCxnSpPr>
+          <p:nvPr/>
+        </p:nvCxnSpPr>
+        <p:spPr>
+          <a:xfrm flipV="1">
+            <a:off x="6821086" y="2698210"/>
+            <a:ext cx="588204" cy="159364"/>
+          </a:xfrm>
+          <a:prstGeom prst="straightConnector1">
+            <a:avLst/>
+          </a:prstGeom>
+          <a:ln>
+            <a:tailEnd type="triangle"/>
+          </a:ln>
+        </p:spPr>
+        <p:style>
+          <a:lnRef idx="1">
+            <a:schemeClr val="accent1"/>
+          </a:lnRef>
+          <a:fillRef idx="0">
+            <a:schemeClr val="accent1"/>
+          </a:fillRef>
+          <a:effectRef idx="0">
+            <a:schemeClr val="accent1"/>
+          </a:effectRef>
+          <a:fontRef idx="minor">
+            <a:schemeClr val="tx1"/>
+          </a:fontRef>
+        </p:style>
+      </p:cxnSp>
+      <p:cxnSp>
+        <p:nvCxnSpPr>
+          <p:cNvPr id="79" name="直接箭头连接符 78"/>
+          <p:cNvCxnSpPr>
+            <a:stCxn id="26" idx="0"/>
+            <a:endCxn id="189" idx="2"/>
+          </p:cNvCxnSpPr>
+          <p:nvPr/>
+        </p:nvCxnSpPr>
+        <p:spPr>
+          <a:xfrm flipH="1" flipV="1">
+            <a:off x="7409290" y="2698210"/>
+            <a:ext cx="780338" cy="148831"/>
+          </a:xfrm>
+          <a:prstGeom prst="straightConnector1">
+            <a:avLst/>
+          </a:prstGeom>
+          <a:ln>
+            <a:tailEnd type="triangle"/>
+          </a:ln>
+        </p:spPr>
+        <p:style>
+          <a:lnRef idx="1">
+            <a:schemeClr val="accent1"/>
+          </a:lnRef>
+          <a:fillRef idx="0">
+            <a:schemeClr val="accent1"/>
+          </a:fillRef>
+          <a:effectRef idx="0">
+            <a:schemeClr val="accent1"/>
+          </a:effectRef>
+          <a:fontRef idx="minor">
+            <a:schemeClr val="tx1"/>
+          </a:fontRef>
+        </p:style>
+      </p:cxnSp>
+      <p:sp>
+        <p:nvSpPr>
+          <p:cNvPr id="107" name="左大括号 106"/>
+          <p:cNvSpPr/>
+          <p:nvPr/>
+        </p:nvSpPr>
+        <p:spPr>
+          <a:xfrm rot="16200000">
+            <a:off x="5313043" y="2346537"/>
+            <a:ext cx="422579" cy="6464788"/>
+          </a:xfrm>
+          <a:prstGeom prst="leftBrace">
+            <a:avLst>
+              <a:gd name="adj1" fmla="val 8333"/>
+              <a:gd name="adj2" fmla="val 50336"/>
+            </a:avLst>
+          </a:prstGeom>
+        </p:spPr>
+        <p:style>
+          <a:lnRef idx="1">
+            <a:schemeClr val="accent1"/>
+          </a:lnRef>
+          <a:fillRef idx="0">
+            <a:schemeClr val="accent1"/>
+          </a:fillRef>
+          <a:effectRef idx="0">
+            <a:schemeClr val="accent1"/>
+          </a:effectRef>
+          <a:fontRef idx="minor">
+            <a:schemeClr val="tx1"/>
+          </a:fontRef>
+        </p:style>
+        <p:txBody>
+          <a:bodyPr rtlCol="0" anchor="ctr"/>
+          <a:lstStyle/>
+          <a:p>
+            <a:pPr algn="ctr"/>
+            <a:endParaRPr lang="zh-CN" altLang="en-US" sz="1400"/>
+          </a:p>
+        </p:txBody>
+      </p:sp>
+      <p:sp>
+        <p:nvSpPr>
+          <p:cNvPr id="177" name="文本框 176"/>
+          <p:cNvSpPr txBox="1"/>
+          <p:nvPr/>
+        </p:nvSpPr>
+        <p:spPr>
+          <a:xfrm>
+            <a:off x="10049650" y="5911983"/>
+            <a:ext cx="1506931" cy="400110"/>
+          </a:xfrm>
+          <a:prstGeom prst="rect">
+            <a:avLst/>
+          </a:prstGeom>
+          <a:noFill/>
+          <a:ln>
+            <a:solidFill>
+              <a:schemeClr val="tx1"/>
+            </a:solidFill>
+            <a:prstDash val="lgDashDotDot"/>
+          </a:ln>
+        </p:spPr>
+        <p:txBody>
+          <a:bodyPr wrap="square" rtlCol="0">
+            <a:spAutoFit/>
+          </a:bodyPr>
+          <a:lstStyle/>
+          <a:p>
+            <a:r>
+              <a:rPr lang="zh-CN" altLang="en-US" sz="2000" b="1" dirty="0">
+                <a:latin typeface="方正舒体" panose="02010601030101010101" pitchFamily="2" charset="-122"/>
+                <a:ea typeface="方正舒体" panose="02010601030101010101" pitchFamily="2" charset="-122"/>
+              </a:rPr>
+              <a:t>异步</a:t>
+            </a:r>
+            <a:r>
+              <a:rPr lang="en-US" altLang="zh-CN" sz="2000" b="1" dirty="0">
+                <a:latin typeface="方正舒体" panose="02010601030101010101" pitchFamily="2" charset="-122"/>
+                <a:ea typeface="方正舒体" panose="02010601030101010101" pitchFamily="2" charset="-122"/>
+              </a:rPr>
+              <a:t>IO</a:t>
+            </a:r>
+            <a:r>
+              <a:rPr lang="zh-CN" altLang="en-US" sz="2000" b="1" dirty="0">
+                <a:latin typeface="方正舒体" panose="02010601030101010101" pitchFamily="2" charset="-122"/>
+                <a:ea typeface="方正舒体" panose="02010601030101010101" pitchFamily="2" charset="-122"/>
+              </a:rPr>
+              <a:t>框架</a:t>
+            </a:r>
+          </a:p>
+        </p:txBody>
+      </p:sp>
+      <p:sp>
+        <p:nvSpPr>
+          <p:cNvPr id="178" name="文本框 177"/>
+          <p:cNvSpPr txBox="1"/>
+          <p:nvPr/>
+        </p:nvSpPr>
+        <p:spPr>
+          <a:xfrm>
+            <a:off x="4845831" y="5895045"/>
+            <a:ext cx="1506931" cy="338554"/>
+          </a:xfrm>
+          <a:prstGeom prst="rect">
+            <a:avLst/>
+          </a:prstGeom>
+          <a:noFill/>
+        </p:spPr>
+        <p:txBody>
+          <a:bodyPr wrap="square" rtlCol="0">
+            <a:spAutoFit/>
+          </a:bodyPr>
+          <a:lstStyle/>
+          <a:p>
+            <a:r>
+              <a:rPr lang="zh-CN" altLang="en-US" sz="1600" b="1" dirty="0"/>
+              <a:t>系统事件引擎</a:t>
+            </a:r>
+          </a:p>
+        </p:txBody>
+      </p:sp>
+      <p:sp>
+        <p:nvSpPr>
+          <p:cNvPr id="179" name="文本框 178"/>
+          <p:cNvSpPr txBox="1"/>
+          <p:nvPr/>
+        </p:nvSpPr>
+        <p:spPr>
+          <a:xfrm>
+            <a:off x="168634" y="2979334"/>
+            <a:ext cx="1506931" cy="338554"/>
+          </a:xfrm>
+          <a:prstGeom prst="rect">
+            <a:avLst/>
+          </a:prstGeom>
+          <a:noFill/>
+        </p:spPr>
+        <p:txBody>
+          <a:bodyPr wrap="square" rtlCol="0">
+            <a:spAutoFit/>
+          </a:bodyPr>
+          <a:lstStyle/>
+          <a:p>
+            <a:r>
+              <a:rPr lang="zh-CN" altLang="en-US" sz="1600" b="1" dirty="0"/>
+              <a:t>系统</a:t>
+            </a:r>
+            <a:r>
+              <a:rPr lang="en-US" altLang="zh-CN" sz="1600" b="1" dirty="0"/>
+              <a:t>API</a:t>
+            </a:r>
+            <a:r>
+              <a:rPr lang="zh-CN" altLang="en-US" sz="1600" b="1" dirty="0"/>
+              <a:t>异步化</a:t>
+            </a:r>
+          </a:p>
+        </p:txBody>
+      </p:sp>
+      <p:sp>
+        <p:nvSpPr>
+          <p:cNvPr id="180" name="文本框 179"/>
+          <p:cNvSpPr txBox="1"/>
+          <p:nvPr/>
+        </p:nvSpPr>
+        <p:spPr>
+          <a:xfrm>
+            <a:off x="168635" y="1662279"/>
+            <a:ext cx="1506931" cy="338554"/>
+          </a:xfrm>
+          <a:prstGeom prst="rect">
+            <a:avLst/>
+          </a:prstGeom>
+          <a:noFill/>
+        </p:spPr>
+        <p:txBody>
+          <a:bodyPr wrap="square" rtlCol="0">
+            <a:spAutoFit/>
+          </a:bodyPr>
+          <a:lstStyle/>
+          <a:p>
+            <a:r>
+              <a:rPr lang="zh-CN" altLang="en-US" sz="1600" b="1" dirty="0"/>
+              <a:t>异步回调过程</a:t>
+            </a:r>
+          </a:p>
+        </p:txBody>
+      </p:sp>
+      <p:sp>
+        <p:nvSpPr>
+          <p:cNvPr id="181" name="右大括号 180"/>
+          <p:cNvSpPr/>
+          <p:nvPr/>
+        </p:nvSpPr>
+        <p:spPr>
+          <a:xfrm>
+            <a:off x="1582683" y="1620558"/>
+            <a:ext cx="262364" cy="380275"/>
+          </a:xfrm>
+          <a:prstGeom prst="rightBrace">
+            <a:avLst/>
+          </a:prstGeom>
+        </p:spPr>
+        <p:style>
+          <a:lnRef idx="1">
+            <a:schemeClr val="accent1"/>
+          </a:lnRef>
+          <a:fillRef idx="0">
+            <a:schemeClr val="accent1"/>
+          </a:fillRef>
+          <a:effectRef idx="0">
+            <a:schemeClr val="accent1"/>
+          </a:effectRef>
+          <a:fontRef idx="minor">
+            <a:schemeClr val="tx1"/>
+          </a:fontRef>
+        </p:style>
+        <p:txBody>
+          <a:bodyPr rtlCol="0" anchor="ctr"/>
+          <a:lstStyle/>
+          <a:p>
+            <a:pPr algn="ctr"/>
+            <a:endParaRPr lang="zh-CN" altLang="en-US"/>
+          </a:p>
+        </p:txBody>
+      </p:sp>
+      <p:sp>
+        <p:nvSpPr>
+          <p:cNvPr id="182" name="右大括号 181"/>
+          <p:cNvSpPr/>
+          <p:nvPr/>
+        </p:nvSpPr>
+        <p:spPr>
+          <a:xfrm>
+            <a:off x="1582683" y="2958473"/>
+            <a:ext cx="262364" cy="380275"/>
+          </a:xfrm>
+          <a:prstGeom prst="rightBrace">
+            <a:avLst/>
+          </a:prstGeom>
+        </p:spPr>
+        <p:style>
+          <a:lnRef idx="1">
+            <a:schemeClr val="accent1"/>
+          </a:lnRef>
+          <a:fillRef idx="0">
+            <a:schemeClr val="accent1"/>
+          </a:fillRef>
+          <a:effectRef idx="0">
+            <a:schemeClr val="accent1"/>
+          </a:effectRef>
+          <a:fontRef idx="minor">
+            <a:schemeClr val="tx1"/>
+          </a:fontRef>
+        </p:style>
+        <p:txBody>
+          <a:bodyPr rtlCol="0" anchor="ctr"/>
+          <a:lstStyle/>
+          <a:p>
+            <a:pPr algn="ctr"/>
+            <a:endParaRPr lang="zh-CN" altLang="en-US"/>
+          </a:p>
+        </p:txBody>
+      </p:sp>
+      <p:sp>
+        <p:nvSpPr>
+          <p:cNvPr id="183" name="文本框 182"/>
+          <p:cNvSpPr txBox="1"/>
+          <p:nvPr/>
+        </p:nvSpPr>
+        <p:spPr>
+          <a:xfrm>
+            <a:off x="10408918" y="2423714"/>
+            <a:ext cx="1506931" cy="276999"/>
+          </a:xfrm>
+          <a:prstGeom prst="rect">
+            <a:avLst/>
+          </a:prstGeom>
+          <a:noFill/>
+        </p:spPr>
+        <p:txBody>
+          <a:bodyPr wrap="square" rtlCol="0">
+            <a:spAutoFit/>
+          </a:bodyPr>
+          <a:lstStyle/>
+          <a:p>
+            <a:r>
+              <a:rPr lang="zh-CN" altLang="en-US" sz="1200" b="1" dirty="0"/>
+              <a:t>异步读</a:t>
+            </a:r>
+            <a:r>
+              <a:rPr lang="en-US" altLang="zh-CN" sz="1200" b="1" dirty="0"/>
+              <a:t>N</a:t>
+            </a:r>
+            <a:r>
+              <a:rPr lang="zh-CN" altLang="en-US" sz="1200" b="1" dirty="0"/>
+              <a:t>个字节</a:t>
+            </a:r>
+          </a:p>
+        </p:txBody>
+      </p:sp>
+      <p:sp>
+        <p:nvSpPr>
+          <p:cNvPr id="185" name="文本框 184"/>
+          <p:cNvSpPr txBox="1"/>
+          <p:nvPr/>
+        </p:nvSpPr>
+        <p:spPr>
+          <a:xfrm>
+            <a:off x="10408919" y="3002677"/>
+            <a:ext cx="1506931" cy="276999"/>
+          </a:xfrm>
+          <a:prstGeom prst="rect">
+            <a:avLst/>
+          </a:prstGeom>
+          <a:noFill/>
+        </p:spPr>
+        <p:txBody>
+          <a:bodyPr wrap="square" rtlCol="0">
+            <a:spAutoFit/>
+          </a:bodyPr>
+          <a:lstStyle/>
+          <a:p>
+            <a:r>
+              <a:rPr lang="zh-CN" altLang="en-US" sz="1200" b="1" dirty="0"/>
+              <a:t>异步按行读数据</a:t>
+            </a:r>
+          </a:p>
+        </p:txBody>
+      </p:sp>
+      <p:sp>
+        <p:nvSpPr>
+          <p:cNvPr id="186" name="文本框 185"/>
+          <p:cNvSpPr txBox="1"/>
+          <p:nvPr/>
+        </p:nvSpPr>
+        <p:spPr>
+          <a:xfrm>
+            <a:off x="10408919" y="3594671"/>
+            <a:ext cx="1506931" cy="276999"/>
+          </a:xfrm>
+          <a:prstGeom prst="rect">
+            <a:avLst/>
+          </a:prstGeom>
+          <a:noFill/>
+        </p:spPr>
+        <p:txBody>
+          <a:bodyPr wrap="square" rtlCol="0">
+            <a:spAutoFit/>
+          </a:bodyPr>
+          <a:lstStyle/>
+          <a:p>
+            <a:r>
+              <a:rPr lang="zh-CN" altLang="en-US" sz="1200" b="1" dirty="0"/>
+              <a:t>异步等待可读</a:t>
+            </a:r>
+          </a:p>
+        </p:txBody>
+      </p:sp>
+      <p:sp>
+        <p:nvSpPr>
+          <p:cNvPr id="187" name="圆角矩形 186"/>
+          <p:cNvSpPr/>
+          <p:nvPr/>
+        </p:nvSpPr>
+        <p:spPr>
+          <a:xfrm>
+            <a:off x="1941296" y="460508"/>
+            <a:ext cx="1365236" cy="427512"/>
+          </a:xfrm>
+          <a:prstGeom prst="roundRect">
+            <a:avLst/>
+          </a:prstGeom>
+          <a:solidFill>
+            <a:srgbClr val="92D050"/>
+          </a:solidFill>
+          <a:ln>
+            <a:noFill/>
+          </a:ln>
+        </p:spPr>
+        <p:style>
+          <a:lnRef idx="2">
+            <a:schemeClr val="accent1">
+              <a:shade val="50000"/>
+            </a:schemeClr>
+          </a:lnRef>
+          <a:fillRef idx="1">
+            <a:schemeClr val="accent1"/>
+          </a:fillRef>
+          <a:effectRef idx="0">
+            <a:schemeClr val="accent1"/>
+          </a:effectRef>
+          <a:fontRef idx="minor">
+            <a:schemeClr val="lt1"/>
+          </a:fontRef>
+        </p:style>
+        <p:txBody>
+          <a:bodyPr rtlCol="0" anchor="ctr"/>
+          <a:lstStyle/>
+          <a:p>
+            <a:pPr algn="ctr"/>
+            <a:r>
+              <a:rPr lang="en-US" altLang="zh-CN" sz="1400" dirty="0"/>
+              <a:t>http(s)</a:t>
+            </a:r>
+            <a:endParaRPr lang="zh-CN" altLang="en-US" sz="1400" dirty="0"/>
+          </a:p>
+        </p:txBody>
+      </p:sp>
+      <p:sp>
+        <p:nvSpPr>
+          <p:cNvPr id="188" name="圆角矩形 187"/>
+          <p:cNvSpPr/>
+          <p:nvPr/>
+        </p:nvSpPr>
+        <p:spPr>
+          <a:xfrm>
+            <a:off x="3568131" y="456579"/>
+            <a:ext cx="1495166" cy="427512"/>
+          </a:xfrm>
+          <a:prstGeom prst="roundRect">
+            <a:avLst/>
+          </a:prstGeom>
+          <a:solidFill>
+            <a:srgbClr val="92D050"/>
+          </a:solidFill>
+          <a:ln>
+            <a:noFill/>
+          </a:ln>
+        </p:spPr>
+        <p:style>
+          <a:lnRef idx="2">
+            <a:schemeClr val="accent1">
+              <a:shade val="50000"/>
+            </a:schemeClr>
+          </a:lnRef>
+          <a:fillRef idx="1">
+            <a:schemeClr val="accent1"/>
+          </a:fillRef>
+          <a:effectRef idx="0">
+            <a:schemeClr val="accent1"/>
+          </a:effectRef>
+          <a:fontRef idx="minor">
+            <a:schemeClr val="lt1"/>
+          </a:fontRef>
+        </p:style>
+        <p:txBody>
+          <a:bodyPr rtlCol="0" anchor="ctr"/>
+          <a:lstStyle/>
+          <a:p>
+            <a:pPr algn="ctr"/>
+            <a:r>
+              <a:rPr lang="en-US" altLang="zh-CN" sz="1400" dirty="0"/>
+              <a:t>Websocket(s)</a:t>
+            </a:r>
+            <a:endParaRPr lang="zh-CN" altLang="en-US" sz="1400" dirty="0"/>
+          </a:p>
+        </p:txBody>
+      </p:sp>
+      <p:sp>
+        <p:nvSpPr>
+          <p:cNvPr id="189" name="圆角矩形 188"/>
+          <p:cNvSpPr/>
+          <p:nvPr/>
+        </p:nvSpPr>
+        <p:spPr>
+          <a:xfrm>
+            <a:off x="6589630" y="2270698"/>
+            <a:ext cx="1639320" cy="427512"/>
+          </a:xfrm>
+          <a:prstGeom prst="roundRect">
+            <a:avLst/>
+          </a:prstGeom>
+          <a:solidFill>
+            <a:srgbClr val="00B050"/>
+          </a:solidFill>
+          <a:ln>
+            <a:noFill/>
+          </a:ln>
+        </p:spPr>
+        <p:style>
+          <a:lnRef idx="2">
+            <a:schemeClr val="accent1">
+              <a:shade val="50000"/>
+            </a:schemeClr>
+          </a:lnRef>
+          <a:fillRef idx="1">
+            <a:schemeClr val="accent1"/>
+          </a:fillRef>
+          <a:effectRef idx="0">
+            <a:schemeClr val="accent1"/>
+          </a:effectRef>
+          <a:fontRef idx="minor">
+            <a:schemeClr val="lt1"/>
+          </a:fontRef>
+        </p:style>
+        <p:txBody>
+          <a:bodyPr rtlCol="0" anchor="ctr"/>
+          <a:lstStyle/>
+          <a:p>
+            <a:pPr algn="ctr"/>
+            <a:r>
+              <a:rPr lang="en-US" altLang="zh-CN" sz="1400" dirty="0"/>
+              <a:t>SSL IO Hook</a:t>
+            </a:r>
+            <a:endParaRPr lang="zh-CN" altLang="en-US" sz="1400" dirty="0"/>
+          </a:p>
+        </p:txBody>
+      </p:sp>
+      <p:cxnSp>
+        <p:nvCxnSpPr>
+          <p:cNvPr id="209" name="直接连接符 208"/>
+          <p:cNvCxnSpPr/>
+          <p:nvPr/>
+        </p:nvCxnSpPr>
+        <p:spPr>
+          <a:xfrm>
+            <a:off x="1866822" y="1021047"/>
+            <a:ext cx="8507760" cy="11875"/>
+          </a:xfrm>
+          <a:prstGeom prst="line">
+            <a:avLst/>
+          </a:prstGeom>
+        </p:spPr>
+        <p:style>
+          <a:lnRef idx="1">
+            <a:schemeClr val="accent1"/>
+          </a:lnRef>
+          <a:fillRef idx="0">
+            <a:schemeClr val="accent1"/>
+          </a:fillRef>
+          <a:effectRef idx="0">
+            <a:schemeClr val="accent1"/>
+          </a:effectRef>
+          <a:fontRef idx="minor">
+            <a:schemeClr val="tx1"/>
+          </a:fontRef>
+        </p:style>
+      </p:cxnSp>
+      <p:sp>
+        <p:nvSpPr>
+          <p:cNvPr id="210" name="圆角矩形 209"/>
+          <p:cNvSpPr/>
+          <p:nvPr/>
+        </p:nvSpPr>
+        <p:spPr>
+          <a:xfrm>
+            <a:off x="5329767" y="443031"/>
+            <a:ext cx="1495166" cy="427512"/>
+          </a:xfrm>
+          <a:prstGeom prst="roundRect">
+            <a:avLst/>
+          </a:prstGeom>
+          <a:solidFill>
+            <a:srgbClr val="92D050"/>
+          </a:solidFill>
+          <a:ln>
+            <a:noFill/>
+          </a:ln>
+        </p:spPr>
+        <p:style>
+          <a:lnRef idx="2">
+            <a:schemeClr val="accent1">
+              <a:shade val="50000"/>
+            </a:schemeClr>
+          </a:lnRef>
+          <a:fillRef idx="1">
+            <a:schemeClr val="accent1"/>
+          </a:fillRef>
+          <a:effectRef idx="0">
+            <a:schemeClr val="accent1"/>
+          </a:effectRef>
+          <a:fontRef idx="minor">
+            <a:schemeClr val="lt1"/>
+          </a:fontRef>
+        </p:style>
+        <p:txBody>
+          <a:bodyPr rtlCol="0" anchor="ctr"/>
+          <a:lstStyle/>
+          <a:p>
+            <a:pPr algn="ctr"/>
+            <a:r>
+              <a:rPr lang="en-US" altLang="zh-CN" sz="1400" dirty="0"/>
+              <a:t>…….</a:t>
+            </a:r>
+            <a:endParaRPr lang="zh-CN" altLang="en-US" sz="1400" dirty="0"/>
+          </a:p>
+        </p:txBody>
+      </p:sp>
+      <p:sp>
+        <p:nvSpPr>
+          <p:cNvPr id="211" name="文本框 210"/>
+          <p:cNvSpPr txBox="1"/>
+          <p:nvPr/>
+        </p:nvSpPr>
+        <p:spPr>
+          <a:xfrm>
+            <a:off x="190410" y="496524"/>
+            <a:ext cx="1506931" cy="338554"/>
+          </a:xfrm>
+          <a:prstGeom prst="rect">
+            <a:avLst/>
+          </a:prstGeom>
+          <a:noFill/>
+        </p:spPr>
+        <p:txBody>
+          <a:bodyPr wrap="square" rtlCol="0">
+            <a:spAutoFit/>
+          </a:bodyPr>
+          <a:lstStyle/>
+          <a:p>
+            <a:r>
+              <a:rPr lang="zh-CN" altLang="en-US" sz="1600" b="1" dirty="0"/>
+              <a:t>应用协议异步</a:t>
+            </a:r>
+          </a:p>
+        </p:txBody>
+      </p:sp>
+      <p:sp>
+        <p:nvSpPr>
+          <p:cNvPr id="212" name="右大括号 211"/>
+          <p:cNvSpPr/>
+          <p:nvPr/>
+        </p:nvSpPr>
+        <p:spPr>
+          <a:xfrm>
+            <a:off x="1604458" y="454803"/>
+            <a:ext cx="262364" cy="380275"/>
+          </a:xfrm>
+          <a:prstGeom prst="rightBrace">
+            <a:avLst/>
+          </a:prstGeom>
+        </p:spPr>
+        <p:style>
+          <a:lnRef idx="1">
+            <a:schemeClr val="accent1"/>
+          </a:lnRef>
+          <a:fillRef idx="0">
+            <a:schemeClr val="accent1"/>
+          </a:fillRef>
+          <a:effectRef idx="0">
+            <a:schemeClr val="accent1"/>
+          </a:effectRef>
+          <a:fontRef idx="minor">
+            <a:schemeClr val="tx1"/>
+          </a:fontRef>
+        </p:style>
+        <p:txBody>
+          <a:bodyPr rtlCol="0" anchor="ctr"/>
+          <a:lstStyle/>
+          <a:p>
+            <a:pPr algn="ctr"/>
+            <a:endParaRPr lang="zh-CN" altLang="en-US"/>
+          </a:p>
+        </p:txBody>
+      </p:sp>
+      <p:sp>
+        <p:nvSpPr>
+          <p:cNvPr id="215" name="右大括号 214"/>
+          <p:cNvSpPr/>
+          <p:nvPr/>
+        </p:nvSpPr>
+        <p:spPr>
+          <a:xfrm rot="16200000">
+            <a:off x="5113963" y="-1533456"/>
+            <a:ext cx="425958" cy="5725370"/>
+          </a:xfrm>
+          <a:prstGeom prst="rightBrace">
+            <a:avLst/>
+          </a:prstGeom>
+        </p:spPr>
+        <p:style>
+          <a:lnRef idx="1">
+            <a:schemeClr val="accent1"/>
+          </a:lnRef>
+          <a:fillRef idx="0">
+            <a:schemeClr val="accent1"/>
+          </a:fillRef>
+          <a:effectRef idx="0">
+            <a:schemeClr val="accent1"/>
+          </a:effectRef>
+          <a:fontRef idx="minor">
+            <a:schemeClr val="tx1"/>
+          </a:fontRef>
+        </p:style>
+        <p:txBody>
+          <a:bodyPr rtlCol="0" anchor="ctr"/>
+          <a:lstStyle/>
+          <a:p>
+            <a:pPr algn="ctr"/>
+            <a:endParaRPr lang="zh-CN" altLang="en-US"/>
+          </a:p>
+        </p:txBody>
+      </p:sp>
+      <p:cxnSp>
+        <p:nvCxnSpPr>
+          <p:cNvPr id="232" name="直接箭头连接符 231"/>
+          <p:cNvCxnSpPr>
+            <a:stCxn id="189" idx="0"/>
+            <a:endCxn id="68" idx="4"/>
+          </p:cNvCxnSpPr>
+          <p:nvPr/>
+        </p:nvCxnSpPr>
+        <p:spPr>
+          <a:xfrm flipH="1" flipV="1">
+            <a:off x="6821086" y="2111335"/>
+            <a:ext cx="588204" cy="159363"/>
+          </a:xfrm>
+          <a:prstGeom prst="straightConnector1">
+            <a:avLst/>
+          </a:prstGeom>
+          <a:ln>
+            <a:tailEnd type="triangle"/>
+          </a:ln>
+        </p:spPr>
+        <p:style>
+          <a:lnRef idx="1">
+            <a:schemeClr val="accent1"/>
+          </a:lnRef>
+          <a:fillRef idx="0">
+            <a:schemeClr val="accent1"/>
+          </a:fillRef>
+          <a:effectRef idx="0">
+            <a:schemeClr val="accent1"/>
+          </a:effectRef>
+          <a:fontRef idx="minor">
+            <a:schemeClr val="tx1"/>
+          </a:fontRef>
+        </p:style>
+      </p:cxnSp>
+      <p:cxnSp>
+        <p:nvCxnSpPr>
+          <p:cNvPr id="234" name="直接箭头连接符 233"/>
+          <p:cNvCxnSpPr>
+            <a:stCxn id="189" idx="0"/>
+            <a:endCxn id="69" idx="4"/>
+          </p:cNvCxnSpPr>
+          <p:nvPr/>
+        </p:nvCxnSpPr>
+        <p:spPr>
+          <a:xfrm flipV="1">
+            <a:off x="7409290" y="2111335"/>
+            <a:ext cx="785483" cy="159363"/>
+          </a:xfrm>
+          <a:prstGeom prst="straightConnector1">
+            <a:avLst/>
+          </a:prstGeom>
+          <a:ln>
+            <a:tailEnd type="triangle"/>
+          </a:ln>
+        </p:spPr>
+        <p:style>
+          <a:lnRef idx="1">
+            <a:schemeClr val="accent1"/>
+          </a:lnRef>
+          <a:fillRef idx="0">
+            <a:schemeClr val="accent1"/>
+          </a:fillRef>
+          <a:effectRef idx="0">
+            <a:schemeClr val="accent1"/>
+          </a:effectRef>
+          <a:fontRef idx="minor">
+            <a:schemeClr val="tx1"/>
+          </a:fontRef>
+        </p:style>
+      </p:cxnSp>
+    </p:spTree>
+    <p:extLst>
+      <p:ext uri="{BB962C8B-B14F-4D97-AF65-F5344CB8AC3E}">
+        <p14:creationId xmlns:p14="http://schemas.microsoft.com/office/powerpoint/2010/main" val="1180230266"/>
       </p:ext>
     </p:extLst>
   </p:cSld>
